--- a/Presentation.pptx
+++ b/Presentation.pptx
@@ -7,8 +7,10 @@
   <p:sldIdLst>
     <p:sldId id="256" r:id="rId2"/>
     <p:sldId id="257" r:id="rId3"/>
-    <p:sldId id="258" r:id="rId4"/>
-    <p:sldId id="259" r:id="rId5"/>
+    <p:sldId id="260" r:id="rId4"/>
+    <p:sldId id="261" r:id="rId5"/>
+    <p:sldId id="258" r:id="rId6"/>
+    <p:sldId id="259" r:id="rId7"/>
   </p:sldIdLst>
   <p:sldSz cx="12192000" cy="6858000"/>
   <p:notesSz cx="6858000" cy="9144000"/>
@@ -18121,6 +18123,4555 @@
           <a:p>
             <a:r>
               <a:rPr lang="en-CA" dirty="0"/>
+              <a:t>Economic Value</a:t>
+            </a:r>
+          </a:p>
+        </p:txBody>
+      </p:sp>
+      <p:pic>
+        <p:nvPicPr>
+          <p:cNvPr id="2050" name="Picture 2" descr="Robot butlers operated by remote workers are coming to do your chores - The  Verge">
+            <a:extLst>
+              <a:ext uri="{FF2B5EF4-FFF2-40B4-BE49-F238E27FC236}">
+                <a16:creationId xmlns:a16="http://schemas.microsoft.com/office/drawing/2014/main" id="{067E09E1-3AD5-46CC-8546-6EBD450E224E}"/>
+              </a:ext>
+            </a:extLst>
+          </p:cNvPr>
+          <p:cNvPicPr>
+            <a:picLocks noChangeAspect="1" noChangeArrowheads="1"/>
+          </p:cNvPicPr>
+          <p:nvPr/>
+        </p:nvPicPr>
+        <p:blipFill>
+          <a:blip r:embed="rId2">
+            <a:extLst>
+              <a:ext uri="{28A0092B-C50C-407E-A947-70E740481C1C}">
+                <a14:useLocalDpi xmlns:a14="http://schemas.microsoft.com/office/drawing/2010/main" val="0"/>
+              </a:ext>
+            </a:extLst>
+          </a:blip>
+          <a:stretch>
+            <a:fillRect/>
+          </a:stretch>
+        </p:blipFill>
+        <p:spPr bwMode="auto">
+          <a:xfrm>
+            <a:off x="265717" y="1506070"/>
+            <a:ext cx="3980329" cy="4294094"/>
+          </a:xfrm>
+          <a:prstGeom prst="rect">
+            <a:avLst/>
+          </a:prstGeom>
+          <a:noFill/>
+          <a:extLst>
+            <a:ext uri="{909E8E84-426E-40DD-AFC4-6F175D3DCCD1}">
+              <a14:hiddenFill xmlns:a14="http://schemas.microsoft.com/office/drawing/2010/main">
+                <a:solidFill>
+                  <a:srgbClr val="FFFFFF"/>
+                </a:solidFill>
+              </a14:hiddenFill>
+            </a:ext>
+          </a:extLst>
+        </p:spPr>
+      </p:pic>
+      <p:sp>
+        <p:nvSpPr>
+          <p:cNvPr id="73" name="Freeform: Shape 72">
+            <a:extLst>
+              <a:ext uri="{FF2B5EF4-FFF2-40B4-BE49-F238E27FC236}">
+                <a16:creationId xmlns:a16="http://schemas.microsoft.com/office/drawing/2014/main" id="{340822D1-9EEA-4ECF-9360-D9AF87950D47}"/>
+              </a:ext>
+              <a:ext uri="{C183D7F6-B498-43B3-948B-1728B52AA6E4}">
+                <adec:decorative xmlns:adec="http://schemas.microsoft.com/office/drawing/2017/decorative" val="1"/>
+              </a:ext>
+            </a:extLst>
+          </p:cNvPr>
+          <p:cNvSpPr>
+            <a:spLocks noGrp="1" noRot="1" noChangeAspect="1" noMove="1" noResize="1" noEditPoints="1" noAdjustHandles="1" noChangeArrowheads="1" noChangeShapeType="1" noTextEdit="1"/>
+          </p:cNvSpPr>
+          <p:nvPr>
+            <p:extLst>
+              <p:ext uri="{386F3935-93C4-4BCD-93E2-E3B085C9AB24}">
+                <p16:designElem xmlns:p16="http://schemas.microsoft.com/office/powerpoint/2015/main" val="1"/>
+              </p:ext>
+            </p:extLst>
+          </p:nvPr>
+        </p:nvSpPr>
+        <p:spPr>
+          <a:xfrm rot="16200000" flipH="1">
+            <a:off x="705643" y="2991643"/>
+            <a:ext cx="6858001" cy="874716"/>
+          </a:xfrm>
+          <a:custGeom>
+            <a:avLst/>
+            <a:gdLst>
+              <a:gd name="connsiteX0" fmla="*/ 0 w 6858001"/>
+              <a:gd name="connsiteY0" fmla="*/ 533314 h 874716"/>
+              <a:gd name="connsiteX1" fmla="*/ 0 w 6858001"/>
+              <a:gd name="connsiteY1" fmla="*/ 69206 h 874716"/>
+              <a:gd name="connsiteX2" fmla="*/ 21486 w 6858001"/>
+              <a:gd name="connsiteY2" fmla="*/ 71924 h 874716"/>
+              <a:gd name="connsiteX3" fmla="*/ 228948 w 6858001"/>
+              <a:gd name="connsiteY3" fmla="*/ 88116 h 874716"/>
+              <a:gd name="connsiteX4" fmla="*/ 313533 w 6858001"/>
+              <a:gd name="connsiteY4" fmla="*/ 62779 h 874716"/>
+              <a:gd name="connsiteX5" fmla="*/ 338870 w 6858001"/>
+              <a:gd name="connsiteY5" fmla="*/ 62207 h 874716"/>
+              <a:gd name="connsiteX6" fmla="*/ 395640 w 6858001"/>
+              <a:gd name="connsiteY6" fmla="*/ 72114 h 874716"/>
+              <a:gd name="connsiteX7" fmla="*/ 512802 w 6858001"/>
+              <a:gd name="connsiteY7" fmla="*/ 65446 h 874716"/>
+              <a:gd name="connsiteX8" fmla="*/ 556047 w 6858001"/>
+              <a:gd name="connsiteY8" fmla="*/ 55349 h 874716"/>
+              <a:gd name="connsiteX9" fmla="*/ 580050 w 6858001"/>
+              <a:gd name="connsiteY9" fmla="*/ 48871 h 874716"/>
+              <a:gd name="connsiteX10" fmla="*/ 703308 w 6858001"/>
+              <a:gd name="connsiteY10" fmla="*/ 30964 h 874716"/>
+              <a:gd name="connsiteX11" fmla="*/ 758174 w 6858001"/>
+              <a:gd name="connsiteY11" fmla="*/ 11724 h 874716"/>
+              <a:gd name="connsiteX12" fmla="*/ 773035 w 6858001"/>
+              <a:gd name="connsiteY12" fmla="*/ 8866 h 874716"/>
+              <a:gd name="connsiteX13" fmla="*/ 854379 w 6858001"/>
+              <a:gd name="connsiteY13" fmla="*/ 16866 h 874716"/>
+              <a:gd name="connsiteX14" fmla="*/ 915343 w 6858001"/>
+              <a:gd name="connsiteY14" fmla="*/ 47919 h 874716"/>
+              <a:gd name="connsiteX15" fmla="*/ 927155 w 6858001"/>
+              <a:gd name="connsiteY15" fmla="*/ 58397 h 874716"/>
+              <a:gd name="connsiteX16" fmla="*/ 1097087 w 6858001"/>
+              <a:gd name="connsiteY16" fmla="*/ 54777 h 874716"/>
+              <a:gd name="connsiteX17" fmla="*/ 1123185 w 6858001"/>
+              <a:gd name="connsiteY17" fmla="*/ 50395 h 874716"/>
+              <a:gd name="connsiteX18" fmla="*/ 1249302 w 6858001"/>
+              <a:gd name="connsiteY18" fmla="*/ 68684 h 874716"/>
+              <a:gd name="connsiteX19" fmla="*/ 1286069 w 6858001"/>
+              <a:gd name="connsiteY19" fmla="*/ 72304 h 874716"/>
+              <a:gd name="connsiteX20" fmla="*/ 1417899 w 6858001"/>
+              <a:gd name="connsiteY20" fmla="*/ 88688 h 874716"/>
+              <a:gd name="connsiteX21" fmla="*/ 1436568 w 6858001"/>
+              <a:gd name="connsiteY21" fmla="*/ 73448 h 874716"/>
+              <a:gd name="connsiteX22" fmla="*/ 1490292 w 6858001"/>
+              <a:gd name="connsiteY22" fmla="*/ 35154 h 874716"/>
+              <a:gd name="connsiteX23" fmla="*/ 1596213 w 6858001"/>
+              <a:gd name="connsiteY23" fmla="*/ 1245 h 874716"/>
+              <a:gd name="connsiteX24" fmla="*/ 1624980 w 6858001"/>
+              <a:gd name="connsiteY24" fmla="*/ 3150 h 874716"/>
+              <a:gd name="connsiteX25" fmla="*/ 1697753 w 6858001"/>
+              <a:gd name="connsiteY25" fmla="*/ 59731 h 874716"/>
+              <a:gd name="connsiteX26" fmla="*/ 1733188 w 6858001"/>
+              <a:gd name="connsiteY26" fmla="*/ 82400 h 874716"/>
+              <a:gd name="connsiteX27" fmla="*/ 1833775 w 6858001"/>
+              <a:gd name="connsiteY27" fmla="*/ 124121 h 874716"/>
+              <a:gd name="connsiteX28" fmla="*/ 1842158 w 6858001"/>
+              <a:gd name="connsiteY28" fmla="*/ 131742 h 874716"/>
+              <a:gd name="connsiteX29" fmla="*/ 1916454 w 6858001"/>
+              <a:gd name="connsiteY29" fmla="*/ 222233 h 874716"/>
+              <a:gd name="connsiteX30" fmla="*/ 1933219 w 6858001"/>
+              <a:gd name="connsiteY30" fmla="*/ 237663 h 874716"/>
+              <a:gd name="connsiteX31" fmla="*/ 1953413 w 6858001"/>
+              <a:gd name="connsiteY31" fmla="*/ 261668 h 874716"/>
+              <a:gd name="connsiteX32" fmla="*/ 2016469 w 6858001"/>
+              <a:gd name="connsiteY32" fmla="*/ 308151 h 874716"/>
+              <a:gd name="connsiteX33" fmla="*/ 2094578 w 6858001"/>
+              <a:gd name="connsiteY33" fmla="*/ 323010 h 874716"/>
+              <a:gd name="connsiteX34" fmla="*/ 2188879 w 6858001"/>
+              <a:gd name="connsiteY34" fmla="*/ 345681 h 874716"/>
+              <a:gd name="connsiteX35" fmla="*/ 2228314 w 6858001"/>
+              <a:gd name="connsiteY35" fmla="*/ 360921 h 874716"/>
+              <a:gd name="connsiteX36" fmla="*/ 2334044 w 6858001"/>
+              <a:gd name="connsiteY36" fmla="*/ 389878 h 874716"/>
+              <a:gd name="connsiteX37" fmla="*/ 2409485 w 6858001"/>
+              <a:gd name="connsiteY37" fmla="*/ 414263 h 874716"/>
+              <a:gd name="connsiteX38" fmla="*/ 2518264 w 6858001"/>
+              <a:gd name="connsiteY38" fmla="*/ 428552 h 874716"/>
+              <a:gd name="connsiteX39" fmla="*/ 2571034 w 6858001"/>
+              <a:gd name="connsiteY39" fmla="*/ 429122 h 874716"/>
+              <a:gd name="connsiteX40" fmla="*/ 2668001 w 6858001"/>
+              <a:gd name="connsiteY40" fmla="*/ 502276 h 874716"/>
+              <a:gd name="connsiteX41" fmla="*/ 2745348 w 6858001"/>
+              <a:gd name="connsiteY41" fmla="*/ 550666 h 874716"/>
+              <a:gd name="connsiteX42" fmla="*/ 2826694 w 6858001"/>
+              <a:gd name="connsiteY42" fmla="*/ 527233 h 874716"/>
+              <a:gd name="connsiteX43" fmla="*/ 2848793 w 6858001"/>
+              <a:gd name="connsiteY43" fmla="*/ 505134 h 874716"/>
+              <a:gd name="connsiteX44" fmla="*/ 2982148 w 6858001"/>
+              <a:gd name="connsiteY44" fmla="*/ 484179 h 874716"/>
+              <a:gd name="connsiteX45" fmla="*/ 3172654 w 6858001"/>
+              <a:gd name="connsiteY45" fmla="*/ 483417 h 874716"/>
+              <a:gd name="connsiteX46" fmla="*/ 3489467 w 6858001"/>
+              <a:gd name="connsiteY46" fmla="*/ 435790 h 874716"/>
+              <a:gd name="connsiteX47" fmla="*/ 3544713 w 6858001"/>
+              <a:gd name="connsiteY47" fmla="*/ 413691 h 874716"/>
+              <a:gd name="connsiteX48" fmla="*/ 3606817 w 6858001"/>
+              <a:gd name="connsiteY48" fmla="*/ 408167 h 874716"/>
+              <a:gd name="connsiteX49" fmla="*/ 3630632 w 6858001"/>
+              <a:gd name="connsiteY49" fmla="*/ 421693 h 874716"/>
+              <a:gd name="connsiteX50" fmla="*/ 3734837 w 6858001"/>
+              <a:gd name="connsiteY50" fmla="*/ 441886 h 874716"/>
+              <a:gd name="connsiteX51" fmla="*/ 3754652 w 6858001"/>
+              <a:gd name="connsiteY51" fmla="*/ 442268 h 874716"/>
+              <a:gd name="connsiteX52" fmla="*/ 3822472 w 6858001"/>
+              <a:gd name="connsiteY52" fmla="*/ 433694 h 874716"/>
+              <a:gd name="connsiteX53" fmla="*/ 3885338 w 6858001"/>
+              <a:gd name="connsiteY53" fmla="*/ 428742 h 874716"/>
+              <a:gd name="connsiteX54" fmla="*/ 4043839 w 6858001"/>
+              <a:gd name="connsiteY54" fmla="*/ 444934 h 874716"/>
+              <a:gd name="connsiteX55" fmla="*/ 4165383 w 6858001"/>
+              <a:gd name="connsiteY55" fmla="*/ 441124 h 874716"/>
+              <a:gd name="connsiteX56" fmla="*/ 4221391 w 6858001"/>
+              <a:gd name="connsiteY56" fmla="*/ 444934 h 874716"/>
+              <a:gd name="connsiteX57" fmla="*/ 4253014 w 6858001"/>
+              <a:gd name="connsiteY57" fmla="*/ 450650 h 874716"/>
+              <a:gd name="connsiteX58" fmla="*/ 4324645 w 6858001"/>
+              <a:gd name="connsiteY58" fmla="*/ 490466 h 874716"/>
+              <a:gd name="connsiteX59" fmla="*/ 4363890 w 6858001"/>
+              <a:gd name="connsiteY59" fmla="*/ 499420 h 874716"/>
+              <a:gd name="connsiteX60" fmla="*/ 4482004 w 6858001"/>
+              <a:gd name="connsiteY60" fmla="*/ 498658 h 874716"/>
+              <a:gd name="connsiteX61" fmla="*/ 4659174 w 6858001"/>
+              <a:gd name="connsiteY61" fmla="*/ 438648 h 874716"/>
+              <a:gd name="connsiteX62" fmla="*/ 4677655 w 6858001"/>
+              <a:gd name="connsiteY62" fmla="*/ 430646 h 874716"/>
+              <a:gd name="connsiteX63" fmla="*/ 4767764 w 6858001"/>
+              <a:gd name="connsiteY63" fmla="*/ 420739 h 874716"/>
+              <a:gd name="connsiteX64" fmla="*/ 4828916 w 6858001"/>
+              <a:gd name="connsiteY64" fmla="*/ 434266 h 874716"/>
+              <a:gd name="connsiteX65" fmla="*/ 4912168 w 6858001"/>
+              <a:gd name="connsiteY65" fmla="*/ 462271 h 874716"/>
+              <a:gd name="connsiteX66" fmla="*/ 4987037 w 6858001"/>
+              <a:gd name="connsiteY66" fmla="*/ 485703 h 874716"/>
+              <a:gd name="connsiteX67" fmla="*/ 5041521 w 6858001"/>
+              <a:gd name="connsiteY67" fmla="*/ 512182 h 874716"/>
+              <a:gd name="connsiteX68" fmla="*/ 5166113 w 6858001"/>
+              <a:gd name="connsiteY68" fmla="*/ 531615 h 874716"/>
+              <a:gd name="connsiteX69" fmla="*/ 5179067 w 6858001"/>
+              <a:gd name="connsiteY69" fmla="*/ 534853 h 874716"/>
+              <a:gd name="connsiteX70" fmla="*/ 5272796 w 6858001"/>
+              <a:gd name="connsiteY70" fmla="*/ 511230 h 874716"/>
+              <a:gd name="connsiteX71" fmla="*/ 5385384 w 6858001"/>
+              <a:gd name="connsiteY71" fmla="*/ 487227 h 874716"/>
+              <a:gd name="connsiteX72" fmla="*/ 5425582 w 6858001"/>
+              <a:gd name="connsiteY72" fmla="*/ 495418 h 874716"/>
+              <a:gd name="connsiteX73" fmla="*/ 5480637 w 6858001"/>
+              <a:gd name="connsiteY73" fmla="*/ 507040 h 874716"/>
+              <a:gd name="connsiteX74" fmla="*/ 5531693 w 6858001"/>
+              <a:gd name="connsiteY74" fmla="*/ 500944 h 874716"/>
+              <a:gd name="connsiteX75" fmla="*/ 5562746 w 6858001"/>
+              <a:gd name="connsiteY75" fmla="*/ 500372 h 874716"/>
+              <a:gd name="connsiteX76" fmla="*/ 5704483 w 6858001"/>
+              <a:gd name="connsiteY76" fmla="*/ 571620 h 874716"/>
+              <a:gd name="connsiteX77" fmla="*/ 5740488 w 6858001"/>
+              <a:gd name="connsiteY77" fmla="*/ 577526 h 874716"/>
+              <a:gd name="connsiteX78" fmla="*/ 5760873 w 6858001"/>
+              <a:gd name="connsiteY78" fmla="*/ 586291 h 874716"/>
+              <a:gd name="connsiteX79" fmla="*/ 5883751 w 6858001"/>
+              <a:gd name="connsiteY79" fmla="*/ 674686 h 874716"/>
+              <a:gd name="connsiteX80" fmla="*/ 5935949 w 6858001"/>
+              <a:gd name="connsiteY80" fmla="*/ 692592 h 874716"/>
+              <a:gd name="connsiteX81" fmla="*/ 5993291 w 6858001"/>
+              <a:gd name="connsiteY81" fmla="*/ 688972 h 874716"/>
+              <a:gd name="connsiteX82" fmla="*/ 6026440 w 6858001"/>
+              <a:gd name="connsiteY82" fmla="*/ 682496 h 874716"/>
+              <a:gd name="connsiteX83" fmla="*/ 6108738 w 6858001"/>
+              <a:gd name="connsiteY83" fmla="*/ 626296 h 874716"/>
+              <a:gd name="connsiteX84" fmla="*/ 6155602 w 6858001"/>
+              <a:gd name="connsiteY84" fmla="*/ 628202 h 874716"/>
+              <a:gd name="connsiteX85" fmla="*/ 6228756 w 6858001"/>
+              <a:gd name="connsiteY85" fmla="*/ 666873 h 874716"/>
+              <a:gd name="connsiteX86" fmla="*/ 6361539 w 6858001"/>
+              <a:gd name="connsiteY86" fmla="*/ 684210 h 874716"/>
+              <a:gd name="connsiteX87" fmla="*/ 6428979 w 6858001"/>
+              <a:gd name="connsiteY87" fmla="*/ 630106 h 874716"/>
+              <a:gd name="connsiteX88" fmla="*/ 6463840 w 6858001"/>
+              <a:gd name="connsiteY88" fmla="*/ 578098 h 874716"/>
+              <a:gd name="connsiteX89" fmla="*/ 6564620 w 6858001"/>
+              <a:gd name="connsiteY89" fmla="*/ 517708 h 874716"/>
+              <a:gd name="connsiteX90" fmla="*/ 6588625 w 6858001"/>
+              <a:gd name="connsiteY90" fmla="*/ 540187 h 874716"/>
+              <a:gd name="connsiteX91" fmla="*/ 6662541 w 6858001"/>
+              <a:gd name="connsiteY91" fmla="*/ 549714 h 874716"/>
+              <a:gd name="connsiteX92" fmla="*/ 6742552 w 6858001"/>
+              <a:gd name="connsiteY92" fmla="*/ 548952 h 874716"/>
+              <a:gd name="connsiteX93" fmla="*/ 6812063 w 6858001"/>
+              <a:gd name="connsiteY93" fmla="*/ 568430 h 874716"/>
+              <a:gd name="connsiteX94" fmla="*/ 6858001 w 6858001"/>
+              <a:gd name="connsiteY94" fmla="*/ 562267 h 874716"/>
+              <a:gd name="connsiteX95" fmla="*/ 6858001 w 6858001"/>
+              <a:gd name="connsiteY95" fmla="*/ 734520 h 874716"/>
+              <a:gd name="connsiteX96" fmla="*/ 6815516 w 6858001"/>
+              <a:gd name="connsiteY96" fmla="*/ 744220 h 874716"/>
+              <a:gd name="connsiteX97" fmla="*/ 6748458 w 6858001"/>
+              <a:gd name="connsiteY97" fmla="*/ 763271 h 874716"/>
+              <a:gd name="connsiteX98" fmla="*/ 6584812 w 6858001"/>
+              <a:gd name="connsiteY98" fmla="*/ 784797 h 874716"/>
+              <a:gd name="connsiteX99" fmla="*/ 6415833 w 6858001"/>
+              <a:gd name="connsiteY99" fmla="*/ 805562 h 874716"/>
+              <a:gd name="connsiteX100" fmla="*/ 6323058 w 6858001"/>
+              <a:gd name="connsiteY100" fmla="*/ 812420 h 874716"/>
+              <a:gd name="connsiteX101" fmla="*/ 6242093 w 6858001"/>
+              <a:gd name="connsiteY101" fmla="*/ 823281 h 874716"/>
+              <a:gd name="connsiteX102" fmla="*/ 6171605 w 6858001"/>
+              <a:gd name="connsiteY102" fmla="*/ 830139 h 874716"/>
+              <a:gd name="connsiteX103" fmla="*/ 6059397 w 6858001"/>
+              <a:gd name="connsiteY103" fmla="*/ 844045 h 874716"/>
+              <a:gd name="connsiteX104" fmla="*/ 6012723 w 6858001"/>
+              <a:gd name="connsiteY104" fmla="*/ 847665 h 874716"/>
+              <a:gd name="connsiteX105" fmla="*/ 5902610 w 6858001"/>
+              <a:gd name="connsiteY105" fmla="*/ 847473 h 874716"/>
+              <a:gd name="connsiteX106" fmla="*/ 5864318 w 6858001"/>
+              <a:gd name="connsiteY106" fmla="*/ 845569 h 874716"/>
+              <a:gd name="connsiteX107" fmla="*/ 5790592 w 6858001"/>
+              <a:gd name="connsiteY107" fmla="*/ 821947 h 874716"/>
+              <a:gd name="connsiteX108" fmla="*/ 5781830 w 6858001"/>
+              <a:gd name="connsiteY108" fmla="*/ 820233 h 874716"/>
+              <a:gd name="connsiteX109" fmla="*/ 5733440 w 6858001"/>
+              <a:gd name="connsiteY109" fmla="*/ 810896 h 874716"/>
+              <a:gd name="connsiteX110" fmla="*/ 5706959 w 6858001"/>
+              <a:gd name="connsiteY110" fmla="*/ 807848 h 874716"/>
+              <a:gd name="connsiteX111" fmla="*/ 5606372 w 6858001"/>
+              <a:gd name="connsiteY111" fmla="*/ 788417 h 874716"/>
+              <a:gd name="connsiteX112" fmla="*/ 5548460 w 6858001"/>
+              <a:gd name="connsiteY112" fmla="*/ 779273 h 874716"/>
+              <a:gd name="connsiteX113" fmla="*/ 5501594 w 6858001"/>
+              <a:gd name="connsiteY113" fmla="*/ 780607 h 874716"/>
+              <a:gd name="connsiteX114" fmla="*/ 5419295 w 6858001"/>
+              <a:gd name="connsiteY114" fmla="*/ 782321 h 874716"/>
+              <a:gd name="connsiteX115" fmla="*/ 5393005 w 6858001"/>
+              <a:gd name="connsiteY115" fmla="*/ 786703 h 874716"/>
+              <a:gd name="connsiteX116" fmla="*/ 5274129 w 6858001"/>
+              <a:gd name="connsiteY116" fmla="*/ 774129 h 874716"/>
+              <a:gd name="connsiteX117" fmla="*/ 5206308 w 6858001"/>
+              <a:gd name="connsiteY117" fmla="*/ 773177 h 874716"/>
+              <a:gd name="connsiteX118" fmla="*/ 5129916 w 6858001"/>
+              <a:gd name="connsiteY118" fmla="*/ 757554 h 874716"/>
+              <a:gd name="connsiteX119" fmla="*/ 5107627 w 6858001"/>
+              <a:gd name="connsiteY119" fmla="*/ 758316 h 874716"/>
+              <a:gd name="connsiteX120" fmla="*/ 5082670 w 6858001"/>
+              <a:gd name="connsiteY120" fmla="*/ 759651 h 874716"/>
+              <a:gd name="connsiteX121" fmla="*/ 5006086 w 6858001"/>
+              <a:gd name="connsiteY121" fmla="*/ 760795 h 874716"/>
+              <a:gd name="connsiteX122" fmla="*/ 4959602 w 6858001"/>
+              <a:gd name="connsiteY122" fmla="*/ 766509 h 874716"/>
+              <a:gd name="connsiteX123" fmla="*/ 4871019 w 6858001"/>
+              <a:gd name="connsiteY123" fmla="*/ 763081 h 874716"/>
+              <a:gd name="connsiteX124" fmla="*/ 4838250 w 6858001"/>
+              <a:gd name="connsiteY124" fmla="*/ 768033 h 874716"/>
+              <a:gd name="connsiteX125" fmla="*/ 4755381 w 6858001"/>
+              <a:gd name="connsiteY125" fmla="*/ 768605 h 874716"/>
+              <a:gd name="connsiteX126" fmla="*/ 4681083 w 6858001"/>
+              <a:gd name="connsiteY126" fmla="*/ 765747 h 874716"/>
+              <a:gd name="connsiteX127" fmla="*/ 4609452 w 6858001"/>
+              <a:gd name="connsiteY127" fmla="*/ 767271 h 874716"/>
+              <a:gd name="connsiteX128" fmla="*/ 4558207 w 6858001"/>
+              <a:gd name="connsiteY128" fmla="*/ 773557 h 874716"/>
+              <a:gd name="connsiteX129" fmla="*/ 4502579 w 6858001"/>
+              <a:gd name="connsiteY129" fmla="*/ 777367 h 874716"/>
+              <a:gd name="connsiteX130" fmla="*/ 4349222 w 6858001"/>
+              <a:gd name="connsiteY130" fmla="*/ 800038 h 874716"/>
+              <a:gd name="connsiteX131" fmla="*/ 4320837 w 6858001"/>
+              <a:gd name="connsiteY131" fmla="*/ 794514 h 874716"/>
+              <a:gd name="connsiteX132" fmla="*/ 4159667 w 6858001"/>
+              <a:gd name="connsiteY132" fmla="*/ 789370 h 874716"/>
+              <a:gd name="connsiteX133" fmla="*/ 4124614 w 6858001"/>
+              <a:gd name="connsiteY133" fmla="*/ 789752 h 874716"/>
+              <a:gd name="connsiteX134" fmla="*/ 4030503 w 6858001"/>
+              <a:gd name="connsiteY134" fmla="*/ 767271 h 874716"/>
+              <a:gd name="connsiteX135" fmla="*/ 3885338 w 6858001"/>
+              <a:gd name="connsiteY135" fmla="*/ 802896 h 874716"/>
+              <a:gd name="connsiteX136" fmla="*/ 3749506 w 6858001"/>
+              <a:gd name="connsiteY136" fmla="*/ 847473 h 874716"/>
+              <a:gd name="connsiteX137" fmla="*/ 3732361 w 6858001"/>
+              <a:gd name="connsiteY137" fmla="*/ 853190 h 874716"/>
+              <a:gd name="connsiteX138" fmla="*/ 3683591 w 6858001"/>
+              <a:gd name="connsiteY138" fmla="*/ 862906 h 874716"/>
+              <a:gd name="connsiteX139" fmla="*/ 3623201 w 6858001"/>
+              <a:gd name="connsiteY139" fmla="*/ 866334 h 874716"/>
+              <a:gd name="connsiteX140" fmla="*/ 3546617 w 6858001"/>
+              <a:gd name="connsiteY140" fmla="*/ 874716 h 874716"/>
+              <a:gd name="connsiteX141" fmla="*/ 3485275 w 6858001"/>
+              <a:gd name="connsiteY141" fmla="*/ 864238 h 874716"/>
+              <a:gd name="connsiteX142" fmla="*/ 3399546 w 6858001"/>
+              <a:gd name="connsiteY142" fmla="*/ 848618 h 874716"/>
+              <a:gd name="connsiteX143" fmla="*/ 3318771 w 6858001"/>
+              <a:gd name="connsiteY143" fmla="*/ 833757 h 874716"/>
+              <a:gd name="connsiteX144" fmla="*/ 3293244 w 6858001"/>
+              <a:gd name="connsiteY144" fmla="*/ 851284 h 874716"/>
+              <a:gd name="connsiteX145" fmla="*/ 3253809 w 6858001"/>
+              <a:gd name="connsiteY145" fmla="*/ 866524 h 874716"/>
+              <a:gd name="connsiteX146" fmla="*/ 3209993 w 6858001"/>
+              <a:gd name="connsiteY146" fmla="*/ 848235 h 874716"/>
+              <a:gd name="connsiteX147" fmla="*/ 3107500 w 6858001"/>
+              <a:gd name="connsiteY147" fmla="*/ 810326 h 874716"/>
+              <a:gd name="connsiteX148" fmla="*/ 3042728 w 6858001"/>
+              <a:gd name="connsiteY148" fmla="*/ 808610 h 874716"/>
+              <a:gd name="connsiteX149" fmla="*/ 2901943 w 6858001"/>
+              <a:gd name="connsiteY149" fmla="*/ 792418 h 874716"/>
+              <a:gd name="connsiteX150" fmla="*/ 2809930 w 6858001"/>
+              <a:gd name="connsiteY150" fmla="*/ 769367 h 874716"/>
+              <a:gd name="connsiteX151" fmla="*/ 2743826 w 6858001"/>
+              <a:gd name="connsiteY151" fmla="*/ 743268 h 874716"/>
+              <a:gd name="connsiteX152" fmla="*/ 2649143 w 6858001"/>
+              <a:gd name="connsiteY152" fmla="*/ 709167 h 874716"/>
+              <a:gd name="connsiteX153" fmla="*/ 2554079 w 6858001"/>
+              <a:gd name="connsiteY153" fmla="*/ 691450 h 874716"/>
+              <a:gd name="connsiteX154" fmla="*/ 2485307 w 6858001"/>
+              <a:gd name="connsiteY154" fmla="*/ 669160 h 874716"/>
+              <a:gd name="connsiteX155" fmla="*/ 2401292 w 6858001"/>
+              <a:gd name="connsiteY155" fmla="*/ 653919 h 874716"/>
+              <a:gd name="connsiteX156" fmla="*/ 2330806 w 6858001"/>
+              <a:gd name="connsiteY156" fmla="*/ 653349 h 874716"/>
+              <a:gd name="connsiteX157" fmla="*/ 2220312 w 6858001"/>
+              <a:gd name="connsiteY157" fmla="*/ 656015 h 874716"/>
+              <a:gd name="connsiteX158" fmla="*/ 2085054 w 6858001"/>
+              <a:gd name="connsiteY158" fmla="*/ 609914 h 874716"/>
+              <a:gd name="connsiteX159" fmla="*/ 2030378 w 6858001"/>
+              <a:gd name="connsiteY159" fmla="*/ 599625 h 874716"/>
+              <a:gd name="connsiteX160" fmla="*/ 1978940 w 6858001"/>
+              <a:gd name="connsiteY160" fmla="*/ 594863 h 874716"/>
+              <a:gd name="connsiteX161" fmla="*/ 1869780 w 6858001"/>
+              <a:gd name="connsiteY161" fmla="*/ 564192 h 874716"/>
+              <a:gd name="connsiteX162" fmla="*/ 1825393 w 6858001"/>
+              <a:gd name="connsiteY162" fmla="*/ 554094 h 874716"/>
+              <a:gd name="connsiteX163" fmla="*/ 1763287 w 6858001"/>
+              <a:gd name="connsiteY163" fmla="*/ 554286 h 874716"/>
+              <a:gd name="connsiteX164" fmla="*/ 1650317 w 6858001"/>
+              <a:gd name="connsiteY164" fmla="*/ 540187 h 874716"/>
+              <a:gd name="connsiteX165" fmla="*/ 1537537 w 6858001"/>
+              <a:gd name="connsiteY165" fmla="*/ 499038 h 874716"/>
+              <a:gd name="connsiteX166" fmla="*/ 1489720 w 6858001"/>
+              <a:gd name="connsiteY166" fmla="*/ 503038 h 874716"/>
+              <a:gd name="connsiteX167" fmla="*/ 1472575 w 6858001"/>
+              <a:gd name="connsiteY167" fmla="*/ 502086 h 874716"/>
+              <a:gd name="connsiteX168" fmla="*/ 1318456 w 6858001"/>
+              <a:gd name="connsiteY168" fmla="*/ 479415 h 874716"/>
+              <a:gd name="connsiteX169" fmla="*/ 1303024 w 6858001"/>
+              <a:gd name="connsiteY169" fmla="*/ 476939 h 874716"/>
+              <a:gd name="connsiteX170" fmla="*/ 1230633 w 6858001"/>
+              <a:gd name="connsiteY170" fmla="*/ 456746 h 874716"/>
+              <a:gd name="connsiteX171" fmla="*/ 1048125 w 6858001"/>
+              <a:gd name="connsiteY171" fmla="*/ 444172 h 874716"/>
+              <a:gd name="connsiteX172" fmla="*/ 1036887 w 6858001"/>
+              <a:gd name="connsiteY172" fmla="*/ 442648 h 874716"/>
+              <a:gd name="connsiteX173" fmla="*/ 975733 w 6858001"/>
+              <a:gd name="connsiteY173" fmla="*/ 452744 h 874716"/>
+              <a:gd name="connsiteX174" fmla="*/ 945444 w 6858001"/>
+              <a:gd name="connsiteY174" fmla="*/ 467033 h 874716"/>
+              <a:gd name="connsiteX175" fmla="*/ 898198 w 6858001"/>
+              <a:gd name="connsiteY175" fmla="*/ 481893 h 874716"/>
+              <a:gd name="connsiteX176" fmla="*/ 850189 w 6858001"/>
+              <a:gd name="connsiteY176" fmla="*/ 487417 h 874716"/>
+              <a:gd name="connsiteX177" fmla="*/ 769605 w 6858001"/>
+              <a:gd name="connsiteY177" fmla="*/ 464937 h 874716"/>
+              <a:gd name="connsiteX178" fmla="*/ 740268 w 6858001"/>
+              <a:gd name="connsiteY178" fmla="*/ 462651 h 874716"/>
+              <a:gd name="connsiteX179" fmla="*/ 674923 w 6858001"/>
+              <a:gd name="connsiteY179" fmla="*/ 451792 h 874716"/>
+              <a:gd name="connsiteX180" fmla="*/ 617772 w 6858001"/>
+              <a:gd name="connsiteY180" fmla="*/ 452554 h 874716"/>
+              <a:gd name="connsiteX181" fmla="*/ 571860 w 6858001"/>
+              <a:gd name="connsiteY181" fmla="*/ 469891 h 874716"/>
+              <a:gd name="connsiteX182" fmla="*/ 505182 w 6858001"/>
+              <a:gd name="connsiteY182" fmla="*/ 473319 h 874716"/>
+              <a:gd name="connsiteX183" fmla="*/ 462126 w 6858001"/>
+              <a:gd name="connsiteY183" fmla="*/ 460747 h 874716"/>
+              <a:gd name="connsiteX184" fmla="*/ 453364 w 6858001"/>
+              <a:gd name="connsiteY184" fmla="*/ 459033 h 874716"/>
+              <a:gd name="connsiteX185" fmla="*/ 340774 w 6858001"/>
+              <a:gd name="connsiteY185" fmla="*/ 458268 h 874716"/>
+              <a:gd name="connsiteX186" fmla="*/ 200182 w 6858001"/>
+              <a:gd name="connsiteY186" fmla="*/ 496180 h 874716"/>
+              <a:gd name="connsiteX187" fmla="*/ 176939 w 6858001"/>
+              <a:gd name="connsiteY187" fmla="*/ 504182 h 874716"/>
+              <a:gd name="connsiteX188" fmla="*/ 63587 w 6858001"/>
+              <a:gd name="connsiteY188" fmla="*/ 518088 h 874716"/>
+              <a:gd name="connsiteX189" fmla="*/ 2817 w 6858001"/>
+              <a:gd name="connsiteY189" fmla="*/ 532187 h 874716"/>
+              <a:gd name="connsiteX190" fmla="*/ 0 w 6858001"/>
+              <a:gd name="connsiteY190" fmla="*/ 533314 h 874716"/>
+            </a:gdLst>
+            <a:ahLst/>
+            <a:cxnLst>
+              <a:cxn ang="0">
+                <a:pos x="connsiteX0" y="connsiteY0"/>
+              </a:cxn>
+              <a:cxn ang="0">
+                <a:pos x="connsiteX1" y="connsiteY1"/>
+              </a:cxn>
+              <a:cxn ang="0">
+                <a:pos x="connsiteX2" y="connsiteY2"/>
+              </a:cxn>
+              <a:cxn ang="0">
+                <a:pos x="connsiteX3" y="connsiteY3"/>
+              </a:cxn>
+              <a:cxn ang="0">
+                <a:pos x="connsiteX4" y="connsiteY4"/>
+              </a:cxn>
+              <a:cxn ang="0">
+                <a:pos x="connsiteX5" y="connsiteY5"/>
+              </a:cxn>
+              <a:cxn ang="0">
+                <a:pos x="connsiteX6" y="connsiteY6"/>
+              </a:cxn>
+              <a:cxn ang="0">
+                <a:pos x="connsiteX7" y="connsiteY7"/>
+              </a:cxn>
+              <a:cxn ang="0">
+                <a:pos x="connsiteX8" y="connsiteY8"/>
+              </a:cxn>
+              <a:cxn ang="0">
+                <a:pos x="connsiteX9" y="connsiteY9"/>
+              </a:cxn>
+              <a:cxn ang="0">
+                <a:pos x="connsiteX10" y="connsiteY10"/>
+              </a:cxn>
+              <a:cxn ang="0">
+                <a:pos x="connsiteX11" y="connsiteY11"/>
+              </a:cxn>
+              <a:cxn ang="0">
+                <a:pos x="connsiteX12" y="connsiteY12"/>
+              </a:cxn>
+              <a:cxn ang="0">
+                <a:pos x="connsiteX13" y="connsiteY13"/>
+              </a:cxn>
+              <a:cxn ang="0">
+                <a:pos x="connsiteX14" y="connsiteY14"/>
+              </a:cxn>
+              <a:cxn ang="0">
+                <a:pos x="connsiteX15" y="connsiteY15"/>
+              </a:cxn>
+              <a:cxn ang="0">
+                <a:pos x="connsiteX16" y="connsiteY16"/>
+              </a:cxn>
+              <a:cxn ang="0">
+                <a:pos x="connsiteX17" y="connsiteY17"/>
+              </a:cxn>
+              <a:cxn ang="0">
+                <a:pos x="connsiteX18" y="connsiteY18"/>
+              </a:cxn>
+              <a:cxn ang="0">
+                <a:pos x="connsiteX19" y="connsiteY19"/>
+              </a:cxn>
+              <a:cxn ang="0">
+                <a:pos x="connsiteX20" y="connsiteY20"/>
+              </a:cxn>
+              <a:cxn ang="0">
+                <a:pos x="connsiteX21" y="connsiteY21"/>
+              </a:cxn>
+              <a:cxn ang="0">
+                <a:pos x="connsiteX22" y="connsiteY22"/>
+              </a:cxn>
+              <a:cxn ang="0">
+                <a:pos x="connsiteX23" y="connsiteY23"/>
+              </a:cxn>
+              <a:cxn ang="0">
+                <a:pos x="connsiteX24" y="connsiteY24"/>
+              </a:cxn>
+              <a:cxn ang="0">
+                <a:pos x="connsiteX25" y="connsiteY25"/>
+              </a:cxn>
+              <a:cxn ang="0">
+                <a:pos x="connsiteX26" y="connsiteY26"/>
+              </a:cxn>
+              <a:cxn ang="0">
+                <a:pos x="connsiteX27" y="connsiteY27"/>
+              </a:cxn>
+              <a:cxn ang="0">
+                <a:pos x="connsiteX28" y="connsiteY28"/>
+              </a:cxn>
+              <a:cxn ang="0">
+                <a:pos x="connsiteX29" y="connsiteY29"/>
+              </a:cxn>
+              <a:cxn ang="0">
+                <a:pos x="connsiteX30" y="connsiteY30"/>
+              </a:cxn>
+              <a:cxn ang="0">
+                <a:pos x="connsiteX31" y="connsiteY31"/>
+              </a:cxn>
+              <a:cxn ang="0">
+                <a:pos x="connsiteX32" y="connsiteY32"/>
+              </a:cxn>
+              <a:cxn ang="0">
+                <a:pos x="connsiteX33" y="connsiteY33"/>
+              </a:cxn>
+              <a:cxn ang="0">
+                <a:pos x="connsiteX34" y="connsiteY34"/>
+              </a:cxn>
+              <a:cxn ang="0">
+                <a:pos x="connsiteX35" y="connsiteY35"/>
+              </a:cxn>
+              <a:cxn ang="0">
+                <a:pos x="connsiteX36" y="connsiteY36"/>
+              </a:cxn>
+              <a:cxn ang="0">
+                <a:pos x="connsiteX37" y="connsiteY37"/>
+              </a:cxn>
+              <a:cxn ang="0">
+                <a:pos x="connsiteX38" y="connsiteY38"/>
+              </a:cxn>
+              <a:cxn ang="0">
+                <a:pos x="connsiteX39" y="connsiteY39"/>
+              </a:cxn>
+              <a:cxn ang="0">
+                <a:pos x="connsiteX40" y="connsiteY40"/>
+              </a:cxn>
+              <a:cxn ang="0">
+                <a:pos x="connsiteX41" y="connsiteY41"/>
+              </a:cxn>
+              <a:cxn ang="0">
+                <a:pos x="connsiteX42" y="connsiteY42"/>
+              </a:cxn>
+              <a:cxn ang="0">
+                <a:pos x="connsiteX43" y="connsiteY43"/>
+              </a:cxn>
+              <a:cxn ang="0">
+                <a:pos x="connsiteX44" y="connsiteY44"/>
+              </a:cxn>
+              <a:cxn ang="0">
+                <a:pos x="connsiteX45" y="connsiteY45"/>
+              </a:cxn>
+              <a:cxn ang="0">
+                <a:pos x="connsiteX46" y="connsiteY46"/>
+              </a:cxn>
+              <a:cxn ang="0">
+                <a:pos x="connsiteX47" y="connsiteY47"/>
+              </a:cxn>
+              <a:cxn ang="0">
+                <a:pos x="connsiteX48" y="connsiteY48"/>
+              </a:cxn>
+              <a:cxn ang="0">
+                <a:pos x="connsiteX49" y="connsiteY49"/>
+              </a:cxn>
+              <a:cxn ang="0">
+                <a:pos x="connsiteX50" y="connsiteY50"/>
+              </a:cxn>
+              <a:cxn ang="0">
+                <a:pos x="connsiteX51" y="connsiteY51"/>
+              </a:cxn>
+              <a:cxn ang="0">
+                <a:pos x="connsiteX52" y="connsiteY52"/>
+              </a:cxn>
+              <a:cxn ang="0">
+                <a:pos x="connsiteX53" y="connsiteY53"/>
+              </a:cxn>
+              <a:cxn ang="0">
+                <a:pos x="connsiteX54" y="connsiteY54"/>
+              </a:cxn>
+              <a:cxn ang="0">
+                <a:pos x="connsiteX55" y="connsiteY55"/>
+              </a:cxn>
+              <a:cxn ang="0">
+                <a:pos x="connsiteX56" y="connsiteY56"/>
+              </a:cxn>
+              <a:cxn ang="0">
+                <a:pos x="connsiteX57" y="connsiteY57"/>
+              </a:cxn>
+              <a:cxn ang="0">
+                <a:pos x="connsiteX58" y="connsiteY58"/>
+              </a:cxn>
+              <a:cxn ang="0">
+                <a:pos x="connsiteX59" y="connsiteY59"/>
+              </a:cxn>
+              <a:cxn ang="0">
+                <a:pos x="connsiteX60" y="connsiteY60"/>
+              </a:cxn>
+              <a:cxn ang="0">
+                <a:pos x="connsiteX61" y="connsiteY61"/>
+              </a:cxn>
+              <a:cxn ang="0">
+                <a:pos x="connsiteX62" y="connsiteY62"/>
+              </a:cxn>
+              <a:cxn ang="0">
+                <a:pos x="connsiteX63" y="connsiteY63"/>
+              </a:cxn>
+              <a:cxn ang="0">
+                <a:pos x="connsiteX64" y="connsiteY64"/>
+              </a:cxn>
+              <a:cxn ang="0">
+                <a:pos x="connsiteX65" y="connsiteY65"/>
+              </a:cxn>
+              <a:cxn ang="0">
+                <a:pos x="connsiteX66" y="connsiteY66"/>
+              </a:cxn>
+              <a:cxn ang="0">
+                <a:pos x="connsiteX67" y="connsiteY67"/>
+              </a:cxn>
+              <a:cxn ang="0">
+                <a:pos x="connsiteX68" y="connsiteY68"/>
+              </a:cxn>
+              <a:cxn ang="0">
+                <a:pos x="connsiteX69" y="connsiteY69"/>
+              </a:cxn>
+              <a:cxn ang="0">
+                <a:pos x="connsiteX70" y="connsiteY70"/>
+              </a:cxn>
+              <a:cxn ang="0">
+                <a:pos x="connsiteX71" y="connsiteY71"/>
+              </a:cxn>
+              <a:cxn ang="0">
+                <a:pos x="connsiteX72" y="connsiteY72"/>
+              </a:cxn>
+              <a:cxn ang="0">
+                <a:pos x="connsiteX73" y="connsiteY73"/>
+              </a:cxn>
+              <a:cxn ang="0">
+                <a:pos x="connsiteX74" y="connsiteY74"/>
+              </a:cxn>
+              <a:cxn ang="0">
+                <a:pos x="connsiteX75" y="connsiteY75"/>
+              </a:cxn>
+              <a:cxn ang="0">
+                <a:pos x="connsiteX76" y="connsiteY76"/>
+              </a:cxn>
+              <a:cxn ang="0">
+                <a:pos x="connsiteX77" y="connsiteY77"/>
+              </a:cxn>
+              <a:cxn ang="0">
+                <a:pos x="connsiteX78" y="connsiteY78"/>
+              </a:cxn>
+              <a:cxn ang="0">
+                <a:pos x="connsiteX79" y="connsiteY79"/>
+              </a:cxn>
+              <a:cxn ang="0">
+                <a:pos x="connsiteX80" y="connsiteY80"/>
+              </a:cxn>
+              <a:cxn ang="0">
+                <a:pos x="connsiteX81" y="connsiteY81"/>
+              </a:cxn>
+              <a:cxn ang="0">
+                <a:pos x="connsiteX82" y="connsiteY82"/>
+              </a:cxn>
+              <a:cxn ang="0">
+                <a:pos x="connsiteX83" y="connsiteY83"/>
+              </a:cxn>
+              <a:cxn ang="0">
+                <a:pos x="connsiteX84" y="connsiteY84"/>
+              </a:cxn>
+              <a:cxn ang="0">
+                <a:pos x="connsiteX85" y="connsiteY85"/>
+              </a:cxn>
+              <a:cxn ang="0">
+                <a:pos x="connsiteX86" y="connsiteY86"/>
+              </a:cxn>
+              <a:cxn ang="0">
+                <a:pos x="connsiteX87" y="connsiteY87"/>
+              </a:cxn>
+              <a:cxn ang="0">
+                <a:pos x="connsiteX88" y="connsiteY88"/>
+              </a:cxn>
+              <a:cxn ang="0">
+                <a:pos x="connsiteX89" y="connsiteY89"/>
+              </a:cxn>
+              <a:cxn ang="0">
+                <a:pos x="connsiteX90" y="connsiteY90"/>
+              </a:cxn>
+              <a:cxn ang="0">
+                <a:pos x="connsiteX91" y="connsiteY91"/>
+              </a:cxn>
+              <a:cxn ang="0">
+                <a:pos x="connsiteX92" y="connsiteY92"/>
+              </a:cxn>
+              <a:cxn ang="0">
+                <a:pos x="connsiteX93" y="connsiteY93"/>
+              </a:cxn>
+              <a:cxn ang="0">
+                <a:pos x="connsiteX94" y="connsiteY94"/>
+              </a:cxn>
+              <a:cxn ang="0">
+                <a:pos x="connsiteX95" y="connsiteY95"/>
+              </a:cxn>
+              <a:cxn ang="0">
+                <a:pos x="connsiteX96" y="connsiteY96"/>
+              </a:cxn>
+              <a:cxn ang="0">
+                <a:pos x="connsiteX97" y="connsiteY97"/>
+              </a:cxn>
+              <a:cxn ang="0">
+                <a:pos x="connsiteX98" y="connsiteY98"/>
+              </a:cxn>
+              <a:cxn ang="0">
+                <a:pos x="connsiteX99" y="connsiteY99"/>
+              </a:cxn>
+              <a:cxn ang="0">
+                <a:pos x="connsiteX100" y="connsiteY100"/>
+              </a:cxn>
+              <a:cxn ang="0">
+                <a:pos x="connsiteX101" y="connsiteY101"/>
+              </a:cxn>
+              <a:cxn ang="0">
+                <a:pos x="connsiteX102" y="connsiteY102"/>
+              </a:cxn>
+              <a:cxn ang="0">
+                <a:pos x="connsiteX103" y="connsiteY103"/>
+              </a:cxn>
+              <a:cxn ang="0">
+                <a:pos x="connsiteX104" y="connsiteY104"/>
+              </a:cxn>
+              <a:cxn ang="0">
+                <a:pos x="connsiteX105" y="connsiteY105"/>
+              </a:cxn>
+              <a:cxn ang="0">
+                <a:pos x="connsiteX106" y="connsiteY106"/>
+              </a:cxn>
+              <a:cxn ang="0">
+                <a:pos x="connsiteX107" y="connsiteY107"/>
+              </a:cxn>
+              <a:cxn ang="0">
+                <a:pos x="connsiteX108" y="connsiteY108"/>
+              </a:cxn>
+              <a:cxn ang="0">
+                <a:pos x="connsiteX109" y="connsiteY109"/>
+              </a:cxn>
+              <a:cxn ang="0">
+                <a:pos x="connsiteX110" y="connsiteY110"/>
+              </a:cxn>
+              <a:cxn ang="0">
+                <a:pos x="connsiteX111" y="connsiteY111"/>
+              </a:cxn>
+              <a:cxn ang="0">
+                <a:pos x="connsiteX112" y="connsiteY112"/>
+              </a:cxn>
+              <a:cxn ang="0">
+                <a:pos x="connsiteX113" y="connsiteY113"/>
+              </a:cxn>
+              <a:cxn ang="0">
+                <a:pos x="connsiteX114" y="connsiteY114"/>
+              </a:cxn>
+              <a:cxn ang="0">
+                <a:pos x="connsiteX115" y="connsiteY115"/>
+              </a:cxn>
+              <a:cxn ang="0">
+                <a:pos x="connsiteX116" y="connsiteY116"/>
+              </a:cxn>
+              <a:cxn ang="0">
+                <a:pos x="connsiteX117" y="connsiteY117"/>
+              </a:cxn>
+              <a:cxn ang="0">
+                <a:pos x="connsiteX118" y="connsiteY118"/>
+              </a:cxn>
+              <a:cxn ang="0">
+                <a:pos x="connsiteX119" y="connsiteY119"/>
+              </a:cxn>
+              <a:cxn ang="0">
+                <a:pos x="connsiteX120" y="connsiteY120"/>
+              </a:cxn>
+              <a:cxn ang="0">
+                <a:pos x="connsiteX121" y="connsiteY121"/>
+              </a:cxn>
+              <a:cxn ang="0">
+                <a:pos x="connsiteX122" y="connsiteY122"/>
+              </a:cxn>
+              <a:cxn ang="0">
+                <a:pos x="connsiteX123" y="connsiteY123"/>
+              </a:cxn>
+              <a:cxn ang="0">
+                <a:pos x="connsiteX124" y="connsiteY124"/>
+              </a:cxn>
+              <a:cxn ang="0">
+                <a:pos x="connsiteX125" y="connsiteY125"/>
+              </a:cxn>
+              <a:cxn ang="0">
+                <a:pos x="connsiteX126" y="connsiteY126"/>
+              </a:cxn>
+              <a:cxn ang="0">
+                <a:pos x="connsiteX127" y="connsiteY127"/>
+              </a:cxn>
+              <a:cxn ang="0">
+                <a:pos x="connsiteX128" y="connsiteY128"/>
+              </a:cxn>
+              <a:cxn ang="0">
+                <a:pos x="connsiteX129" y="connsiteY129"/>
+              </a:cxn>
+              <a:cxn ang="0">
+                <a:pos x="connsiteX130" y="connsiteY130"/>
+              </a:cxn>
+              <a:cxn ang="0">
+                <a:pos x="connsiteX131" y="connsiteY131"/>
+              </a:cxn>
+              <a:cxn ang="0">
+                <a:pos x="connsiteX132" y="connsiteY132"/>
+              </a:cxn>
+              <a:cxn ang="0">
+                <a:pos x="connsiteX133" y="connsiteY133"/>
+              </a:cxn>
+              <a:cxn ang="0">
+                <a:pos x="connsiteX134" y="connsiteY134"/>
+              </a:cxn>
+              <a:cxn ang="0">
+                <a:pos x="connsiteX135" y="connsiteY135"/>
+              </a:cxn>
+              <a:cxn ang="0">
+                <a:pos x="connsiteX136" y="connsiteY136"/>
+              </a:cxn>
+              <a:cxn ang="0">
+                <a:pos x="connsiteX137" y="connsiteY137"/>
+              </a:cxn>
+              <a:cxn ang="0">
+                <a:pos x="connsiteX138" y="connsiteY138"/>
+              </a:cxn>
+              <a:cxn ang="0">
+                <a:pos x="connsiteX139" y="connsiteY139"/>
+              </a:cxn>
+              <a:cxn ang="0">
+                <a:pos x="connsiteX140" y="connsiteY140"/>
+              </a:cxn>
+              <a:cxn ang="0">
+                <a:pos x="connsiteX141" y="connsiteY141"/>
+              </a:cxn>
+              <a:cxn ang="0">
+                <a:pos x="connsiteX142" y="connsiteY142"/>
+              </a:cxn>
+              <a:cxn ang="0">
+                <a:pos x="connsiteX143" y="connsiteY143"/>
+              </a:cxn>
+              <a:cxn ang="0">
+                <a:pos x="connsiteX144" y="connsiteY144"/>
+              </a:cxn>
+              <a:cxn ang="0">
+                <a:pos x="connsiteX145" y="connsiteY145"/>
+              </a:cxn>
+              <a:cxn ang="0">
+                <a:pos x="connsiteX146" y="connsiteY146"/>
+              </a:cxn>
+              <a:cxn ang="0">
+                <a:pos x="connsiteX147" y="connsiteY147"/>
+              </a:cxn>
+              <a:cxn ang="0">
+                <a:pos x="connsiteX148" y="connsiteY148"/>
+              </a:cxn>
+              <a:cxn ang="0">
+                <a:pos x="connsiteX149" y="connsiteY149"/>
+              </a:cxn>
+              <a:cxn ang="0">
+                <a:pos x="connsiteX150" y="connsiteY150"/>
+              </a:cxn>
+              <a:cxn ang="0">
+                <a:pos x="connsiteX151" y="connsiteY151"/>
+              </a:cxn>
+              <a:cxn ang="0">
+                <a:pos x="connsiteX152" y="connsiteY152"/>
+              </a:cxn>
+              <a:cxn ang="0">
+                <a:pos x="connsiteX153" y="connsiteY153"/>
+              </a:cxn>
+              <a:cxn ang="0">
+                <a:pos x="connsiteX154" y="connsiteY154"/>
+              </a:cxn>
+              <a:cxn ang="0">
+                <a:pos x="connsiteX155" y="connsiteY155"/>
+              </a:cxn>
+              <a:cxn ang="0">
+                <a:pos x="connsiteX156" y="connsiteY156"/>
+              </a:cxn>
+              <a:cxn ang="0">
+                <a:pos x="connsiteX157" y="connsiteY157"/>
+              </a:cxn>
+              <a:cxn ang="0">
+                <a:pos x="connsiteX158" y="connsiteY158"/>
+              </a:cxn>
+              <a:cxn ang="0">
+                <a:pos x="connsiteX159" y="connsiteY159"/>
+              </a:cxn>
+              <a:cxn ang="0">
+                <a:pos x="connsiteX160" y="connsiteY160"/>
+              </a:cxn>
+              <a:cxn ang="0">
+                <a:pos x="connsiteX161" y="connsiteY161"/>
+              </a:cxn>
+              <a:cxn ang="0">
+                <a:pos x="connsiteX162" y="connsiteY162"/>
+              </a:cxn>
+              <a:cxn ang="0">
+                <a:pos x="connsiteX163" y="connsiteY163"/>
+              </a:cxn>
+              <a:cxn ang="0">
+                <a:pos x="connsiteX164" y="connsiteY164"/>
+              </a:cxn>
+              <a:cxn ang="0">
+                <a:pos x="connsiteX165" y="connsiteY165"/>
+              </a:cxn>
+              <a:cxn ang="0">
+                <a:pos x="connsiteX166" y="connsiteY166"/>
+              </a:cxn>
+              <a:cxn ang="0">
+                <a:pos x="connsiteX167" y="connsiteY167"/>
+              </a:cxn>
+              <a:cxn ang="0">
+                <a:pos x="connsiteX168" y="connsiteY168"/>
+              </a:cxn>
+              <a:cxn ang="0">
+                <a:pos x="connsiteX169" y="connsiteY169"/>
+              </a:cxn>
+              <a:cxn ang="0">
+                <a:pos x="connsiteX170" y="connsiteY170"/>
+              </a:cxn>
+              <a:cxn ang="0">
+                <a:pos x="connsiteX171" y="connsiteY171"/>
+              </a:cxn>
+              <a:cxn ang="0">
+                <a:pos x="connsiteX172" y="connsiteY172"/>
+              </a:cxn>
+              <a:cxn ang="0">
+                <a:pos x="connsiteX173" y="connsiteY173"/>
+              </a:cxn>
+              <a:cxn ang="0">
+                <a:pos x="connsiteX174" y="connsiteY174"/>
+              </a:cxn>
+              <a:cxn ang="0">
+                <a:pos x="connsiteX175" y="connsiteY175"/>
+              </a:cxn>
+              <a:cxn ang="0">
+                <a:pos x="connsiteX176" y="connsiteY176"/>
+              </a:cxn>
+              <a:cxn ang="0">
+                <a:pos x="connsiteX177" y="connsiteY177"/>
+              </a:cxn>
+              <a:cxn ang="0">
+                <a:pos x="connsiteX178" y="connsiteY178"/>
+              </a:cxn>
+              <a:cxn ang="0">
+                <a:pos x="connsiteX179" y="connsiteY179"/>
+              </a:cxn>
+              <a:cxn ang="0">
+                <a:pos x="connsiteX180" y="connsiteY180"/>
+              </a:cxn>
+              <a:cxn ang="0">
+                <a:pos x="connsiteX181" y="connsiteY181"/>
+              </a:cxn>
+              <a:cxn ang="0">
+                <a:pos x="connsiteX182" y="connsiteY182"/>
+              </a:cxn>
+              <a:cxn ang="0">
+                <a:pos x="connsiteX183" y="connsiteY183"/>
+              </a:cxn>
+              <a:cxn ang="0">
+                <a:pos x="connsiteX184" y="connsiteY184"/>
+              </a:cxn>
+              <a:cxn ang="0">
+                <a:pos x="connsiteX185" y="connsiteY185"/>
+              </a:cxn>
+              <a:cxn ang="0">
+                <a:pos x="connsiteX186" y="connsiteY186"/>
+              </a:cxn>
+              <a:cxn ang="0">
+                <a:pos x="connsiteX187" y="connsiteY187"/>
+              </a:cxn>
+              <a:cxn ang="0">
+                <a:pos x="connsiteX188" y="connsiteY188"/>
+              </a:cxn>
+              <a:cxn ang="0">
+                <a:pos x="connsiteX189" y="connsiteY189"/>
+              </a:cxn>
+              <a:cxn ang="0">
+                <a:pos x="connsiteX190" y="connsiteY190"/>
+              </a:cxn>
+            </a:cxnLst>
+            <a:rect l="l" t="t" r="r" b="b"/>
+            <a:pathLst>
+              <a:path w="6858001" h="874716">
+                <a:moveTo>
+                  <a:pt x="0" y="533314"/>
+                </a:moveTo>
+                <a:lnTo>
+                  <a:pt x="0" y="69206"/>
+                </a:lnTo>
+                <a:lnTo>
+                  <a:pt x="21486" y="71924"/>
+                </a:lnTo>
+                <a:cubicBezTo>
+                  <a:pt x="92546" y="60493"/>
+                  <a:pt x="159604" y="87354"/>
+                  <a:pt x="228948" y="88116"/>
+                </a:cubicBezTo>
+                <a:cubicBezTo>
+                  <a:pt x="260382" y="88496"/>
+                  <a:pt x="291435" y="94592"/>
+                  <a:pt x="313533" y="62779"/>
+                </a:cubicBezTo>
+                <a:cubicBezTo>
+                  <a:pt x="316389" y="58587"/>
+                  <a:pt x="330298" y="60873"/>
+                  <a:pt x="338870" y="62207"/>
+                </a:cubicBezTo>
+                <a:cubicBezTo>
+                  <a:pt x="357921" y="65066"/>
+                  <a:pt x="376781" y="72304"/>
+                  <a:pt x="395640" y="72114"/>
+                </a:cubicBezTo>
+                <a:cubicBezTo>
+                  <a:pt x="434695" y="71924"/>
+                  <a:pt x="473939" y="68876"/>
+                  <a:pt x="512802" y="65446"/>
+                </a:cubicBezTo>
+                <a:cubicBezTo>
+                  <a:pt x="527470" y="64112"/>
+                  <a:pt x="541569" y="58969"/>
+                  <a:pt x="556047" y="55349"/>
+                </a:cubicBezTo>
+                <a:cubicBezTo>
+                  <a:pt x="564048" y="53253"/>
+                  <a:pt x="572622" y="47729"/>
+                  <a:pt x="580050" y="48871"/>
+                </a:cubicBezTo>
+                <a:cubicBezTo>
+                  <a:pt x="623106" y="55539"/>
+                  <a:pt x="662541" y="39157"/>
+                  <a:pt x="703308" y="30964"/>
+                </a:cubicBezTo>
+                <a:cubicBezTo>
+                  <a:pt x="722169" y="27154"/>
+                  <a:pt x="739886" y="18010"/>
+                  <a:pt x="758174" y="11724"/>
+                </a:cubicBezTo>
+                <a:cubicBezTo>
+                  <a:pt x="762936" y="10008"/>
+                  <a:pt x="768271" y="8484"/>
+                  <a:pt x="773035" y="8866"/>
+                </a:cubicBezTo>
+                <a:cubicBezTo>
+                  <a:pt x="800276" y="11152"/>
+                  <a:pt x="827329" y="14390"/>
+                  <a:pt x="854379" y="16866"/>
+                </a:cubicBezTo>
+                <a:cubicBezTo>
+                  <a:pt x="878956" y="19152"/>
+                  <a:pt x="903722" y="19914"/>
+                  <a:pt x="915343" y="47919"/>
+                </a:cubicBezTo>
+                <a:cubicBezTo>
+                  <a:pt x="917059" y="52301"/>
+                  <a:pt x="922773" y="55539"/>
+                  <a:pt x="927155" y="58397"/>
+                </a:cubicBezTo>
+                <a:cubicBezTo>
+                  <a:pt x="994785" y="102405"/>
+                  <a:pt x="1030980" y="101261"/>
+                  <a:pt x="1097087" y="54777"/>
+                </a:cubicBezTo>
+                <a:cubicBezTo>
+                  <a:pt x="1103945" y="50015"/>
+                  <a:pt x="1118613" y="46585"/>
+                  <a:pt x="1123185" y="50395"/>
+                </a:cubicBezTo>
+                <a:cubicBezTo>
+                  <a:pt x="1162049" y="82020"/>
+                  <a:pt x="1204532" y="78590"/>
+                  <a:pt x="1249302" y="68684"/>
+                </a:cubicBezTo>
+                <a:cubicBezTo>
+                  <a:pt x="1260922" y="66018"/>
+                  <a:pt x="1277307" y="66018"/>
+                  <a:pt x="1286069" y="72304"/>
+                </a:cubicBezTo>
+                <a:cubicBezTo>
+                  <a:pt x="1327790" y="101451"/>
+                  <a:pt x="1372560" y="97261"/>
+                  <a:pt x="1417899" y="88688"/>
+                </a:cubicBezTo>
+                <a:cubicBezTo>
+                  <a:pt x="1424948" y="87354"/>
+                  <a:pt x="1433522" y="80114"/>
+                  <a:pt x="1436568" y="73448"/>
+                </a:cubicBezTo>
+                <a:cubicBezTo>
+                  <a:pt x="1447428" y="49825"/>
+                  <a:pt x="1467813" y="41823"/>
+                  <a:pt x="1490292" y="35154"/>
+                </a:cubicBezTo>
+                <a:cubicBezTo>
+                  <a:pt x="1525727" y="24296"/>
+                  <a:pt x="1560588" y="11532"/>
+                  <a:pt x="1596213" y="1245"/>
+                </a:cubicBezTo>
+                <a:cubicBezTo>
+                  <a:pt x="1604978" y="-1231"/>
+                  <a:pt x="1615836" y="293"/>
+                  <a:pt x="1624980" y="3150"/>
+                </a:cubicBezTo>
+                <a:cubicBezTo>
+                  <a:pt x="1656223" y="12866"/>
+                  <a:pt x="1676036" y="37251"/>
+                  <a:pt x="1697753" y="59731"/>
+                </a:cubicBezTo>
+                <a:cubicBezTo>
+                  <a:pt x="1707279" y="69638"/>
+                  <a:pt x="1720423" y="76686"/>
+                  <a:pt x="1733188" y="82400"/>
+                </a:cubicBezTo>
+                <a:cubicBezTo>
+                  <a:pt x="1766335" y="97071"/>
+                  <a:pt x="1800246" y="110215"/>
+                  <a:pt x="1833775" y="124121"/>
+                </a:cubicBezTo>
+                <a:cubicBezTo>
+                  <a:pt x="1837013" y="125455"/>
+                  <a:pt x="1839679" y="128884"/>
+                  <a:pt x="1842158" y="131742"/>
+                </a:cubicBezTo>
+                <a:cubicBezTo>
+                  <a:pt x="1866922" y="161843"/>
+                  <a:pt x="1891497" y="192132"/>
+                  <a:pt x="1916454" y="222233"/>
+                </a:cubicBezTo>
+                <a:cubicBezTo>
+                  <a:pt x="1921216" y="227947"/>
+                  <a:pt x="1928076" y="232139"/>
+                  <a:pt x="1933219" y="237663"/>
+                </a:cubicBezTo>
+                <a:cubicBezTo>
+                  <a:pt x="1940459" y="245283"/>
+                  <a:pt x="1949603" y="252524"/>
+                  <a:pt x="1953413" y="261668"/>
+                </a:cubicBezTo>
+                <a:cubicBezTo>
+                  <a:pt x="1965224" y="290433"/>
+                  <a:pt x="1987894" y="302817"/>
+                  <a:pt x="2016469" y="308151"/>
+                </a:cubicBezTo>
+                <a:cubicBezTo>
+                  <a:pt x="2042570" y="313104"/>
+                  <a:pt x="2068669" y="317296"/>
+                  <a:pt x="2094578" y="323010"/>
+                </a:cubicBezTo>
+                <a:cubicBezTo>
+                  <a:pt x="2126201" y="329868"/>
+                  <a:pt x="2157636" y="337298"/>
+                  <a:pt x="2188879" y="345681"/>
+                </a:cubicBezTo>
+                <a:cubicBezTo>
+                  <a:pt x="2202404" y="349301"/>
+                  <a:pt x="2216692" y="353491"/>
+                  <a:pt x="2228314" y="360921"/>
+                </a:cubicBezTo>
+                <a:cubicBezTo>
+                  <a:pt x="2260890" y="381496"/>
+                  <a:pt x="2295753" y="395402"/>
+                  <a:pt x="2334044" y="389878"/>
+                </a:cubicBezTo>
+                <a:cubicBezTo>
+                  <a:pt x="2364715" y="385496"/>
+                  <a:pt x="2390434" y="396736"/>
+                  <a:pt x="2409485" y="414263"/>
+                </a:cubicBezTo>
+                <a:cubicBezTo>
+                  <a:pt x="2444158" y="446078"/>
+                  <a:pt x="2481305" y="438838"/>
+                  <a:pt x="2518264" y="428552"/>
+                </a:cubicBezTo>
+                <a:cubicBezTo>
+                  <a:pt x="2537315" y="423217"/>
+                  <a:pt x="2552935" y="423979"/>
+                  <a:pt x="2571034" y="429122"/>
+                </a:cubicBezTo>
+                <a:cubicBezTo>
+                  <a:pt x="2612945" y="441124"/>
+                  <a:pt x="2640950" y="473701"/>
+                  <a:pt x="2668001" y="502276"/>
+                </a:cubicBezTo>
+                <a:cubicBezTo>
+                  <a:pt x="2691054" y="526661"/>
+                  <a:pt x="2716963" y="540377"/>
+                  <a:pt x="2745348" y="550666"/>
+                </a:cubicBezTo>
+                <a:cubicBezTo>
+                  <a:pt x="2781163" y="563810"/>
+                  <a:pt x="2809548" y="558858"/>
+                  <a:pt x="2826694" y="527233"/>
+                </a:cubicBezTo>
+                <a:cubicBezTo>
+                  <a:pt x="2831457" y="518278"/>
+                  <a:pt x="2839839" y="507800"/>
+                  <a:pt x="2848793" y="505134"/>
+                </a:cubicBezTo>
+                <a:cubicBezTo>
+                  <a:pt x="2892037" y="491800"/>
+                  <a:pt x="2935854" y="472367"/>
+                  <a:pt x="2982148" y="484179"/>
+                </a:cubicBezTo>
+                <a:cubicBezTo>
+                  <a:pt x="3046158" y="500372"/>
+                  <a:pt x="3108644" y="499420"/>
+                  <a:pt x="3172654" y="483417"/>
+                </a:cubicBezTo>
+                <a:cubicBezTo>
+                  <a:pt x="3276480" y="457508"/>
+                  <a:pt x="3380305" y="430076"/>
+                  <a:pt x="3489467" y="435790"/>
+                </a:cubicBezTo>
+                <a:cubicBezTo>
+                  <a:pt x="3507563" y="436742"/>
+                  <a:pt x="3529090" y="425121"/>
+                  <a:pt x="3544713" y="413691"/>
+                </a:cubicBezTo>
+                <a:cubicBezTo>
+                  <a:pt x="3574622" y="391974"/>
+                  <a:pt x="3573288" y="390258"/>
+                  <a:pt x="3606817" y="408167"/>
+                </a:cubicBezTo>
+                <a:cubicBezTo>
+                  <a:pt x="3614819" y="412549"/>
+                  <a:pt x="3624725" y="415215"/>
+                  <a:pt x="3630632" y="421693"/>
+                </a:cubicBezTo>
+                <a:cubicBezTo>
+                  <a:pt x="3660731" y="454650"/>
+                  <a:pt x="3697880" y="446648"/>
+                  <a:pt x="3734837" y="441886"/>
+                </a:cubicBezTo>
+                <a:cubicBezTo>
+                  <a:pt x="3741315" y="440934"/>
+                  <a:pt x="3749125" y="439600"/>
+                  <a:pt x="3754652" y="442268"/>
+                </a:cubicBezTo>
+                <a:cubicBezTo>
+                  <a:pt x="3779607" y="454268"/>
+                  <a:pt x="3800753" y="450078"/>
+                  <a:pt x="3822472" y="433694"/>
+                </a:cubicBezTo>
+                <a:cubicBezTo>
+                  <a:pt x="3841331" y="419597"/>
+                  <a:pt x="3863049" y="411215"/>
+                  <a:pt x="3885338" y="428742"/>
+                </a:cubicBezTo>
+                <a:cubicBezTo>
+                  <a:pt x="3934870" y="467605"/>
+                  <a:pt x="3987829" y="469509"/>
+                  <a:pt x="4043839" y="444934"/>
+                </a:cubicBezTo>
+                <a:cubicBezTo>
+                  <a:pt x="4083845" y="427407"/>
+                  <a:pt x="4123280" y="423407"/>
+                  <a:pt x="4165383" y="441124"/>
+                </a:cubicBezTo>
+                <a:cubicBezTo>
+                  <a:pt x="4181576" y="447982"/>
+                  <a:pt x="4202531" y="443410"/>
+                  <a:pt x="4221391" y="444934"/>
+                </a:cubicBezTo>
+                <a:cubicBezTo>
+                  <a:pt x="4232060" y="445696"/>
+                  <a:pt x="4243872" y="445886"/>
+                  <a:pt x="4253014" y="450650"/>
+                </a:cubicBezTo>
+                <a:cubicBezTo>
+                  <a:pt x="4277401" y="462843"/>
+                  <a:pt x="4300070" y="478463"/>
+                  <a:pt x="4324645" y="490466"/>
+                </a:cubicBezTo>
+                <a:cubicBezTo>
+                  <a:pt x="4336457" y="496180"/>
+                  <a:pt x="4350554" y="499228"/>
+                  <a:pt x="4363890" y="499420"/>
+                </a:cubicBezTo>
+                <a:cubicBezTo>
+                  <a:pt x="4403325" y="500372"/>
+                  <a:pt x="4442761" y="500372"/>
+                  <a:pt x="4482004" y="498658"/>
+                </a:cubicBezTo>
+                <a:cubicBezTo>
+                  <a:pt x="4546776" y="495990"/>
+                  <a:pt x="4612500" y="495418"/>
+                  <a:pt x="4659174" y="438648"/>
+                </a:cubicBezTo>
+                <a:cubicBezTo>
+                  <a:pt x="4662986" y="434076"/>
+                  <a:pt x="4671176" y="431408"/>
+                  <a:pt x="4677655" y="430646"/>
+                </a:cubicBezTo>
+                <a:cubicBezTo>
+                  <a:pt x="4707564" y="427027"/>
+                  <a:pt x="4738235" y="426645"/>
+                  <a:pt x="4767764" y="420739"/>
+                </a:cubicBezTo>
+                <a:cubicBezTo>
+                  <a:pt x="4791386" y="415977"/>
+                  <a:pt x="4811009" y="417501"/>
+                  <a:pt x="4828916" y="434266"/>
+                </a:cubicBezTo>
+                <a:cubicBezTo>
+                  <a:pt x="4852348" y="456364"/>
+                  <a:pt x="4880925" y="469319"/>
+                  <a:pt x="4912168" y="462271"/>
+                </a:cubicBezTo>
+                <a:cubicBezTo>
+                  <a:pt x="4943409" y="455412"/>
+                  <a:pt x="4963984" y="470271"/>
+                  <a:pt x="4987037" y="485703"/>
+                </a:cubicBezTo>
+                <a:cubicBezTo>
+                  <a:pt x="5003801" y="496942"/>
+                  <a:pt x="5022852" y="511040"/>
+                  <a:pt x="5041521" y="512182"/>
+                </a:cubicBezTo>
+                <a:cubicBezTo>
+                  <a:pt x="5083814" y="514658"/>
+                  <a:pt x="5120201" y="553904"/>
+                  <a:pt x="5166113" y="531615"/>
+                </a:cubicBezTo>
+                <a:cubicBezTo>
+                  <a:pt x="5169161" y="530091"/>
+                  <a:pt x="5174685" y="533901"/>
+                  <a:pt x="5179067" y="534853"/>
+                </a:cubicBezTo>
+                <a:cubicBezTo>
+                  <a:pt x="5214121" y="542093"/>
+                  <a:pt x="5247078" y="535043"/>
+                  <a:pt x="5272796" y="511230"/>
+                </a:cubicBezTo>
+                <a:cubicBezTo>
+                  <a:pt x="5306516" y="480177"/>
+                  <a:pt x="5343855" y="477129"/>
+                  <a:pt x="5385384" y="487227"/>
+                </a:cubicBezTo>
+                <a:cubicBezTo>
+                  <a:pt x="5398721" y="490466"/>
+                  <a:pt x="5412057" y="492752"/>
+                  <a:pt x="5425582" y="495418"/>
+                </a:cubicBezTo>
+                <a:cubicBezTo>
+                  <a:pt x="5443870" y="499228"/>
+                  <a:pt x="5462351" y="503230"/>
+                  <a:pt x="5480637" y="507040"/>
+                </a:cubicBezTo>
+                <a:cubicBezTo>
+                  <a:pt x="5498356" y="510850"/>
+                  <a:pt x="5517979" y="517326"/>
+                  <a:pt x="5531693" y="500944"/>
+                </a:cubicBezTo>
+                <a:cubicBezTo>
+                  <a:pt x="5543506" y="486845"/>
+                  <a:pt x="5551888" y="488179"/>
+                  <a:pt x="5562746" y="500372"/>
+                </a:cubicBezTo>
+                <a:cubicBezTo>
+                  <a:pt x="5600467" y="543045"/>
+                  <a:pt x="5646189" y="569716"/>
+                  <a:pt x="5704483" y="571620"/>
+                </a:cubicBezTo>
+                <a:cubicBezTo>
+                  <a:pt x="5716485" y="572002"/>
+                  <a:pt x="5728678" y="574668"/>
+                  <a:pt x="5740488" y="577526"/>
+                </a:cubicBezTo>
+                <a:cubicBezTo>
+                  <a:pt x="5747728" y="579241"/>
+                  <a:pt x="5756493" y="581147"/>
+                  <a:pt x="5760873" y="586291"/>
+                </a:cubicBezTo>
+                <a:cubicBezTo>
+                  <a:pt x="5794974" y="625534"/>
+                  <a:pt x="5837457" y="652777"/>
+                  <a:pt x="5883751" y="674686"/>
+                </a:cubicBezTo>
+                <a:cubicBezTo>
+                  <a:pt x="5900323" y="682496"/>
+                  <a:pt x="5918042" y="690306"/>
+                  <a:pt x="5935949" y="692592"/>
+                </a:cubicBezTo>
+                <a:cubicBezTo>
+                  <a:pt x="5954617" y="694878"/>
+                  <a:pt x="5974240" y="691068"/>
+                  <a:pt x="5993291" y="688972"/>
+                </a:cubicBezTo>
+                <a:cubicBezTo>
+                  <a:pt x="6004531" y="687830"/>
+                  <a:pt x="6017485" y="688020"/>
+                  <a:pt x="6026440" y="682496"/>
+                </a:cubicBezTo>
+                <a:cubicBezTo>
+                  <a:pt x="6054825" y="665159"/>
+                  <a:pt x="6082258" y="646491"/>
+                  <a:pt x="6108738" y="626296"/>
+                </a:cubicBezTo>
+                <a:cubicBezTo>
+                  <a:pt x="6131409" y="608960"/>
+                  <a:pt x="6135981" y="606483"/>
+                  <a:pt x="6155602" y="628202"/>
+                </a:cubicBezTo>
+                <a:cubicBezTo>
+                  <a:pt x="6175797" y="650491"/>
+                  <a:pt x="6200944" y="662111"/>
+                  <a:pt x="6228756" y="666873"/>
+                </a:cubicBezTo>
+                <a:cubicBezTo>
+                  <a:pt x="6272764" y="674304"/>
+                  <a:pt x="6317151" y="680590"/>
+                  <a:pt x="6361539" y="684210"/>
+                </a:cubicBezTo>
+                <a:cubicBezTo>
+                  <a:pt x="6401736" y="687448"/>
+                  <a:pt x="6420977" y="669922"/>
+                  <a:pt x="6428979" y="630106"/>
+                </a:cubicBezTo>
+                <a:cubicBezTo>
+                  <a:pt x="6433551" y="608007"/>
+                  <a:pt x="6439458" y="584003"/>
+                  <a:pt x="6463840" y="578098"/>
+                </a:cubicBezTo>
+                <a:cubicBezTo>
+                  <a:pt x="6503658" y="568572"/>
+                  <a:pt x="6544997" y="564382"/>
+                  <a:pt x="6564620" y="517708"/>
+                </a:cubicBezTo>
+                <a:cubicBezTo>
+                  <a:pt x="6575478" y="527995"/>
+                  <a:pt x="6582146" y="534091"/>
+                  <a:pt x="6588625" y="540187"/>
+                </a:cubicBezTo>
+                <a:cubicBezTo>
+                  <a:pt x="6606531" y="557142"/>
+                  <a:pt x="6643678" y="564382"/>
+                  <a:pt x="6662541" y="549714"/>
+                </a:cubicBezTo>
+                <a:cubicBezTo>
+                  <a:pt x="6690354" y="528377"/>
+                  <a:pt x="6715883" y="532377"/>
+                  <a:pt x="6742552" y="548952"/>
+                </a:cubicBezTo>
+                <a:cubicBezTo>
+                  <a:pt x="6764841" y="562668"/>
+                  <a:pt x="6788417" y="567954"/>
+                  <a:pt x="6812063" y="568430"/>
+                </a:cubicBezTo>
+                <a:lnTo>
+                  <a:pt x="6858001" y="562267"/>
+                </a:lnTo>
+                <a:lnTo>
+                  <a:pt x="6858001" y="734520"/>
+                </a:lnTo>
+                <a:lnTo>
+                  <a:pt x="6815516" y="744220"/>
+                </a:lnTo>
+                <a:cubicBezTo>
+                  <a:pt x="6793035" y="749744"/>
+                  <a:pt x="6771319" y="759651"/>
+                  <a:pt x="6748458" y="763271"/>
+                </a:cubicBezTo>
+                <a:cubicBezTo>
+                  <a:pt x="6694164" y="771843"/>
+                  <a:pt x="6639488" y="777939"/>
+                  <a:pt x="6584812" y="784797"/>
+                </a:cubicBezTo>
+                <a:cubicBezTo>
+                  <a:pt x="6528424" y="791846"/>
+                  <a:pt x="6472225" y="799276"/>
+                  <a:pt x="6415833" y="805562"/>
+                </a:cubicBezTo>
+                <a:cubicBezTo>
+                  <a:pt x="6384972" y="808802"/>
+                  <a:pt x="6353919" y="809372"/>
+                  <a:pt x="6323058" y="812420"/>
+                </a:cubicBezTo>
+                <a:cubicBezTo>
+                  <a:pt x="6296005" y="815088"/>
+                  <a:pt x="6269144" y="820041"/>
+                  <a:pt x="6242093" y="823281"/>
+                </a:cubicBezTo>
+                <a:cubicBezTo>
+                  <a:pt x="6218660" y="825947"/>
+                  <a:pt x="6195037" y="827471"/>
+                  <a:pt x="6171605" y="830139"/>
+                </a:cubicBezTo>
+                <a:cubicBezTo>
+                  <a:pt x="6134075" y="834519"/>
+                  <a:pt x="6096736" y="839473"/>
+                  <a:pt x="6059397" y="844045"/>
+                </a:cubicBezTo>
+                <a:cubicBezTo>
+                  <a:pt x="6043776" y="845759"/>
+                  <a:pt x="6027392" y="850522"/>
+                  <a:pt x="6012723" y="847665"/>
+                </a:cubicBezTo>
+                <a:cubicBezTo>
+                  <a:pt x="5975764" y="840425"/>
+                  <a:pt x="5939377" y="842521"/>
+                  <a:pt x="5902610" y="847473"/>
+                </a:cubicBezTo>
+                <a:cubicBezTo>
+                  <a:pt x="5890037" y="849190"/>
+                  <a:pt x="5876511" y="848808"/>
+                  <a:pt x="5864318" y="845569"/>
+                </a:cubicBezTo>
+                <a:cubicBezTo>
+                  <a:pt x="5839361" y="839091"/>
+                  <a:pt x="5815169" y="829947"/>
+                  <a:pt x="5790592" y="821947"/>
+                </a:cubicBezTo>
+                <a:cubicBezTo>
+                  <a:pt x="5787924" y="820995"/>
+                  <a:pt x="5784686" y="820803"/>
+                  <a:pt x="5781830" y="820233"/>
+                </a:cubicBezTo>
+                <a:cubicBezTo>
+                  <a:pt x="5765635" y="816992"/>
+                  <a:pt x="5749634" y="813754"/>
+                  <a:pt x="5733440" y="810896"/>
+                </a:cubicBezTo>
+                <a:cubicBezTo>
+                  <a:pt x="5724678" y="809372"/>
+                  <a:pt x="5715723" y="809182"/>
+                  <a:pt x="5706959" y="807848"/>
+                </a:cubicBezTo>
+                <a:cubicBezTo>
+                  <a:pt x="5673050" y="802514"/>
+                  <a:pt x="5635711" y="811468"/>
+                  <a:pt x="5606372" y="788417"/>
+                </a:cubicBezTo>
+                <a:cubicBezTo>
+                  <a:pt x="5587321" y="773557"/>
+                  <a:pt x="5568842" y="776987"/>
+                  <a:pt x="5548460" y="779273"/>
+                </a:cubicBezTo>
+                <a:cubicBezTo>
+                  <a:pt x="5533027" y="780987"/>
+                  <a:pt x="5517215" y="780415"/>
+                  <a:pt x="5501594" y="780607"/>
+                </a:cubicBezTo>
+                <a:cubicBezTo>
+                  <a:pt x="5474161" y="781177"/>
+                  <a:pt x="5446728" y="781369"/>
+                  <a:pt x="5419295" y="782321"/>
+                </a:cubicBezTo>
+                <a:cubicBezTo>
+                  <a:pt x="5410531" y="782701"/>
+                  <a:pt x="5401579" y="787465"/>
+                  <a:pt x="5393005" y="786703"/>
+                </a:cubicBezTo>
+                <a:cubicBezTo>
+                  <a:pt x="5353379" y="783083"/>
+                  <a:pt x="5313754" y="777367"/>
+                  <a:pt x="5274129" y="774129"/>
+                </a:cubicBezTo>
+                <a:cubicBezTo>
+                  <a:pt x="5251650" y="772225"/>
+                  <a:pt x="5228597" y="775843"/>
+                  <a:pt x="5206308" y="773177"/>
+                </a:cubicBezTo>
+                <a:cubicBezTo>
+                  <a:pt x="5180591" y="770129"/>
+                  <a:pt x="5155445" y="762319"/>
+                  <a:pt x="5129916" y="757554"/>
+                </a:cubicBezTo>
+                <a:cubicBezTo>
+                  <a:pt x="5122867" y="756222"/>
+                  <a:pt x="5115057" y="757936"/>
+                  <a:pt x="5107627" y="758316"/>
+                </a:cubicBezTo>
+                <a:cubicBezTo>
+                  <a:pt x="5099245" y="758699"/>
+                  <a:pt x="5091052" y="759461"/>
+                  <a:pt x="5082670" y="759651"/>
+                </a:cubicBezTo>
+                <a:cubicBezTo>
+                  <a:pt x="5057141" y="760033"/>
+                  <a:pt x="5031614" y="759461"/>
+                  <a:pt x="5006086" y="760795"/>
+                </a:cubicBezTo>
+                <a:cubicBezTo>
+                  <a:pt x="4990465" y="761557"/>
+                  <a:pt x="4974082" y="769367"/>
+                  <a:pt x="4959602" y="766509"/>
+                </a:cubicBezTo>
+                <a:cubicBezTo>
+                  <a:pt x="4930075" y="760985"/>
+                  <a:pt x="4900546" y="773367"/>
+                  <a:pt x="4871019" y="763081"/>
+                </a:cubicBezTo>
+                <a:cubicBezTo>
+                  <a:pt x="4861873" y="760033"/>
+                  <a:pt x="4849300" y="767653"/>
+                  <a:pt x="4838250" y="768033"/>
+                </a:cubicBezTo>
+                <a:cubicBezTo>
+                  <a:pt x="4810627" y="768985"/>
+                  <a:pt x="4783004" y="768795"/>
+                  <a:pt x="4755381" y="768605"/>
+                </a:cubicBezTo>
+                <a:cubicBezTo>
+                  <a:pt x="4730614" y="768415"/>
+                  <a:pt x="4704895" y="771081"/>
+                  <a:pt x="4681083" y="765747"/>
+                </a:cubicBezTo>
+                <a:cubicBezTo>
+                  <a:pt x="4656126" y="760033"/>
+                  <a:pt x="4633647" y="760795"/>
+                  <a:pt x="4609452" y="767271"/>
+                </a:cubicBezTo>
+                <a:cubicBezTo>
+                  <a:pt x="4592878" y="771653"/>
+                  <a:pt x="4575351" y="772225"/>
+                  <a:pt x="4558207" y="773557"/>
+                </a:cubicBezTo>
+                <a:cubicBezTo>
+                  <a:pt x="4539728" y="775081"/>
+                  <a:pt x="4519343" y="771081"/>
+                  <a:pt x="4502579" y="777367"/>
+                </a:cubicBezTo>
+                <a:cubicBezTo>
+                  <a:pt x="4452665" y="796038"/>
+                  <a:pt x="4401419" y="800038"/>
+                  <a:pt x="4349222" y="800038"/>
+                </a:cubicBezTo>
+                <a:cubicBezTo>
+                  <a:pt x="4339695" y="800038"/>
+                  <a:pt x="4329979" y="797372"/>
+                  <a:pt x="4320837" y="794514"/>
+                </a:cubicBezTo>
+                <a:cubicBezTo>
+                  <a:pt x="4267493" y="777367"/>
+                  <a:pt x="4213961" y="778891"/>
+                  <a:pt x="4159667" y="789370"/>
+                </a:cubicBezTo>
+                <a:cubicBezTo>
+                  <a:pt x="4148427" y="791656"/>
+                  <a:pt x="4135854" y="792038"/>
+                  <a:pt x="4124614" y="789752"/>
+                </a:cubicBezTo>
+                <a:cubicBezTo>
+                  <a:pt x="4092989" y="783083"/>
+                  <a:pt x="4062318" y="772033"/>
+                  <a:pt x="4030503" y="767271"/>
+                </a:cubicBezTo>
+                <a:cubicBezTo>
+                  <a:pt x="3977925" y="759461"/>
+                  <a:pt x="3932394" y="785749"/>
+                  <a:pt x="3885338" y="802896"/>
+                </a:cubicBezTo>
+                <a:cubicBezTo>
+                  <a:pt x="3840569" y="819089"/>
+                  <a:pt x="3802467" y="855666"/>
+                  <a:pt x="3749506" y="847473"/>
+                </a:cubicBezTo>
+                <a:cubicBezTo>
+                  <a:pt x="3744173" y="846711"/>
+                  <a:pt x="3738267" y="851856"/>
+                  <a:pt x="3732361" y="853190"/>
+                </a:cubicBezTo>
+                <a:cubicBezTo>
+                  <a:pt x="3716168" y="856810"/>
+                  <a:pt x="3699976" y="861190"/>
+                  <a:pt x="3683591" y="862906"/>
+                </a:cubicBezTo>
+                <a:cubicBezTo>
+                  <a:pt x="3663589" y="865192"/>
+                  <a:pt x="3643204" y="864430"/>
+                  <a:pt x="3623201" y="866334"/>
+                </a:cubicBezTo>
+                <a:cubicBezTo>
+                  <a:pt x="3597482" y="868620"/>
+                  <a:pt x="3572146" y="874716"/>
+                  <a:pt x="3546617" y="874716"/>
+                </a:cubicBezTo>
+                <a:cubicBezTo>
+                  <a:pt x="3526042" y="874716"/>
+                  <a:pt x="3505657" y="867668"/>
+                  <a:pt x="3485275" y="864238"/>
+                </a:cubicBezTo>
+                <a:cubicBezTo>
+                  <a:pt x="3456508" y="859476"/>
+                  <a:pt x="3424883" y="860810"/>
+                  <a:pt x="3399546" y="848618"/>
+                </a:cubicBezTo>
+                <a:cubicBezTo>
+                  <a:pt x="3372495" y="835663"/>
+                  <a:pt x="3346776" y="829757"/>
+                  <a:pt x="3318771" y="833757"/>
+                </a:cubicBezTo>
+                <a:cubicBezTo>
+                  <a:pt x="3309437" y="835091"/>
+                  <a:pt x="3297434" y="843093"/>
+                  <a:pt x="3293244" y="851284"/>
+                </a:cubicBezTo>
+                <a:cubicBezTo>
+                  <a:pt x="3283908" y="869572"/>
+                  <a:pt x="3271145" y="872812"/>
+                  <a:pt x="3253809" y="866524"/>
+                </a:cubicBezTo>
+                <a:cubicBezTo>
+                  <a:pt x="3238758" y="861190"/>
+                  <a:pt x="3220280" y="858524"/>
+                  <a:pt x="3209993" y="848235"/>
+                </a:cubicBezTo>
+                <a:cubicBezTo>
+                  <a:pt x="3180844" y="819089"/>
+                  <a:pt x="3143695" y="818136"/>
+                  <a:pt x="3107500" y="810326"/>
+                </a:cubicBezTo>
+                <a:cubicBezTo>
+                  <a:pt x="3085403" y="805562"/>
+                  <a:pt x="3064827" y="805372"/>
+                  <a:pt x="3042728" y="808610"/>
+                </a:cubicBezTo>
+                <a:cubicBezTo>
+                  <a:pt x="2994722" y="815850"/>
+                  <a:pt x="2948047" y="805562"/>
+                  <a:pt x="2901943" y="792418"/>
+                </a:cubicBezTo>
+                <a:cubicBezTo>
+                  <a:pt x="2871462" y="783655"/>
+                  <a:pt x="2840219" y="778321"/>
+                  <a:pt x="2809930" y="769367"/>
+                </a:cubicBezTo>
+                <a:cubicBezTo>
+                  <a:pt x="2787259" y="762509"/>
+                  <a:pt x="2764590" y="754316"/>
+                  <a:pt x="2743826" y="743268"/>
+                </a:cubicBezTo>
+                <a:cubicBezTo>
+                  <a:pt x="2713723" y="727073"/>
+                  <a:pt x="2687436" y="702689"/>
+                  <a:pt x="2649143" y="709167"/>
+                </a:cubicBezTo>
+                <a:cubicBezTo>
+                  <a:pt x="2615421" y="714881"/>
+                  <a:pt x="2584942" y="702881"/>
+                  <a:pt x="2554079" y="691450"/>
+                </a:cubicBezTo>
+                <a:cubicBezTo>
+                  <a:pt x="2531409" y="683068"/>
+                  <a:pt x="2508742" y="674494"/>
+                  <a:pt x="2485307" y="669160"/>
+                </a:cubicBezTo>
+                <a:cubicBezTo>
+                  <a:pt x="2457492" y="662873"/>
+                  <a:pt x="2426059" y="665541"/>
+                  <a:pt x="2401292" y="653919"/>
+                </a:cubicBezTo>
+                <a:cubicBezTo>
+                  <a:pt x="2375383" y="641727"/>
+                  <a:pt x="2353859" y="649919"/>
+                  <a:pt x="2330806" y="653349"/>
+                </a:cubicBezTo>
+                <a:cubicBezTo>
+                  <a:pt x="2294039" y="658683"/>
+                  <a:pt x="2257459" y="668590"/>
+                  <a:pt x="2220312" y="656015"/>
+                </a:cubicBezTo>
+                <a:cubicBezTo>
+                  <a:pt x="2175163" y="640775"/>
+                  <a:pt x="2130393" y="624392"/>
+                  <a:pt x="2085054" y="609914"/>
+                </a:cubicBezTo>
+                <a:cubicBezTo>
+                  <a:pt x="2067525" y="604387"/>
+                  <a:pt x="2048668" y="602101"/>
+                  <a:pt x="2030378" y="599625"/>
+                </a:cubicBezTo>
+                <a:cubicBezTo>
+                  <a:pt x="2013043" y="597529"/>
+                  <a:pt x="1992279" y="602863"/>
+                  <a:pt x="1978940" y="594863"/>
+                </a:cubicBezTo>
+                <a:cubicBezTo>
+                  <a:pt x="1944649" y="574288"/>
+                  <a:pt x="1909408" y="564192"/>
+                  <a:pt x="1869780" y="564192"/>
+                </a:cubicBezTo>
+                <a:cubicBezTo>
+                  <a:pt x="1854920" y="564192"/>
+                  <a:pt x="1840441" y="555618"/>
+                  <a:pt x="1825393" y="554094"/>
+                </a:cubicBezTo>
+                <a:cubicBezTo>
+                  <a:pt x="1804816" y="552190"/>
+                  <a:pt x="1781194" y="547045"/>
+                  <a:pt x="1763287" y="554286"/>
+                </a:cubicBezTo>
+                <a:cubicBezTo>
+                  <a:pt x="1721185" y="571430"/>
+                  <a:pt x="1687086" y="557142"/>
+                  <a:pt x="1650317" y="540187"/>
+                </a:cubicBezTo>
+                <a:cubicBezTo>
+                  <a:pt x="1614120" y="523423"/>
+                  <a:pt x="1576019" y="510088"/>
+                  <a:pt x="1537537" y="499038"/>
+                </a:cubicBezTo>
+                <a:cubicBezTo>
+                  <a:pt x="1523059" y="495038"/>
+                  <a:pt x="1505724" y="501706"/>
+                  <a:pt x="1489720" y="503038"/>
+                </a:cubicBezTo>
+                <a:cubicBezTo>
+                  <a:pt x="1484004" y="503420"/>
+                  <a:pt x="1477717" y="503992"/>
+                  <a:pt x="1472575" y="502086"/>
+                </a:cubicBezTo>
+                <a:cubicBezTo>
+                  <a:pt x="1422854" y="483797"/>
+                  <a:pt x="1372368" y="469891"/>
+                  <a:pt x="1318456" y="479415"/>
+                </a:cubicBezTo>
+                <a:cubicBezTo>
+                  <a:pt x="1313504" y="480369"/>
+                  <a:pt x="1307978" y="478273"/>
+                  <a:pt x="1303024" y="476939"/>
+                </a:cubicBezTo>
+                <a:cubicBezTo>
+                  <a:pt x="1278829" y="470081"/>
+                  <a:pt x="1255206" y="459223"/>
+                  <a:pt x="1230633" y="456746"/>
+                </a:cubicBezTo>
+                <a:cubicBezTo>
+                  <a:pt x="1170051" y="450650"/>
+                  <a:pt x="1109091" y="448172"/>
+                  <a:pt x="1048125" y="444172"/>
+                </a:cubicBezTo>
+                <a:cubicBezTo>
+                  <a:pt x="1044315" y="443982"/>
+                  <a:pt x="1040315" y="443982"/>
+                  <a:pt x="1036887" y="442648"/>
+                </a:cubicBezTo>
+                <a:cubicBezTo>
+                  <a:pt x="1014406" y="434456"/>
+                  <a:pt x="994785" y="437124"/>
+                  <a:pt x="975733" y="452744"/>
+                </a:cubicBezTo>
+                <a:cubicBezTo>
+                  <a:pt x="967350" y="459603"/>
+                  <a:pt x="955920" y="463223"/>
+                  <a:pt x="945444" y="467033"/>
+                </a:cubicBezTo>
+                <a:cubicBezTo>
+                  <a:pt x="930011" y="472749"/>
+                  <a:pt x="914200" y="478273"/>
+                  <a:pt x="898198" y="481893"/>
+                </a:cubicBezTo>
+                <a:cubicBezTo>
+                  <a:pt x="882384" y="485321"/>
+                  <a:pt x="865430" y="490084"/>
+                  <a:pt x="850189" y="487417"/>
+                </a:cubicBezTo>
+                <a:cubicBezTo>
+                  <a:pt x="822756" y="482655"/>
+                  <a:pt x="796655" y="471987"/>
+                  <a:pt x="769605" y="464937"/>
+                </a:cubicBezTo>
+                <a:cubicBezTo>
+                  <a:pt x="760270" y="462461"/>
+                  <a:pt x="749982" y="462843"/>
+                  <a:pt x="740268" y="462651"/>
+                </a:cubicBezTo>
+                <a:cubicBezTo>
+                  <a:pt x="717977" y="462081"/>
+                  <a:pt x="695116" y="467605"/>
+                  <a:pt x="674923" y="451792"/>
+                </a:cubicBezTo>
+                <a:cubicBezTo>
+                  <a:pt x="656255" y="436934"/>
+                  <a:pt x="637392" y="441314"/>
+                  <a:pt x="617772" y="452554"/>
+                </a:cubicBezTo>
+                <a:cubicBezTo>
+                  <a:pt x="603673" y="460557"/>
+                  <a:pt x="587672" y="466843"/>
+                  <a:pt x="571860" y="469891"/>
+                </a:cubicBezTo>
+                <a:cubicBezTo>
+                  <a:pt x="550141" y="474081"/>
+                  <a:pt x="528615" y="475797"/>
+                  <a:pt x="505182" y="473319"/>
+                </a:cubicBezTo>
+                <a:cubicBezTo>
+                  <a:pt x="488607" y="471605"/>
+                  <a:pt x="475081" y="470843"/>
+                  <a:pt x="462126" y="460747"/>
+                </a:cubicBezTo>
+                <a:cubicBezTo>
+                  <a:pt x="460032" y="459223"/>
+                  <a:pt x="456222" y="458841"/>
+                  <a:pt x="453364" y="459033"/>
+                </a:cubicBezTo>
+                <a:cubicBezTo>
+                  <a:pt x="415835" y="462271"/>
+                  <a:pt x="378686" y="460557"/>
+                  <a:pt x="340774" y="458268"/>
+                </a:cubicBezTo>
+                <a:cubicBezTo>
+                  <a:pt x="292579" y="455222"/>
+                  <a:pt x="241901" y="464175"/>
+                  <a:pt x="200182" y="496180"/>
+                </a:cubicBezTo>
+                <a:cubicBezTo>
+                  <a:pt x="194085" y="500944"/>
+                  <a:pt x="184941" y="503038"/>
+                  <a:pt x="176939" y="504182"/>
+                </a:cubicBezTo>
+                <a:cubicBezTo>
+                  <a:pt x="139219" y="509134"/>
+                  <a:pt x="101308" y="512564"/>
+                  <a:pt x="63587" y="518088"/>
+                </a:cubicBezTo>
+                <a:cubicBezTo>
+                  <a:pt x="43012" y="521137"/>
+                  <a:pt x="21486" y="523805"/>
+                  <a:pt x="2817" y="532187"/>
+                </a:cubicBezTo>
+                <a:lnTo>
+                  <a:pt x="0" y="533314"/>
+                </a:lnTo>
+                <a:close/>
+              </a:path>
+            </a:pathLst>
+          </a:custGeom>
+          <a:solidFill>
+            <a:srgbClr val="FFFFFF"/>
+          </a:solidFill>
+          <a:ln>
+            <a:noFill/>
+          </a:ln>
+          <a:effectLst/>
+        </p:spPr>
+        <p:style>
+          <a:lnRef idx="2">
+            <a:schemeClr val="accent1">
+              <a:shade val="50000"/>
+            </a:schemeClr>
+          </a:lnRef>
+          <a:fillRef idx="1">
+            <a:schemeClr val="accent1"/>
+          </a:fillRef>
+          <a:effectRef idx="0">
+            <a:schemeClr val="accent1"/>
+          </a:effectRef>
+          <a:fontRef idx="minor">
+            <a:schemeClr val="lt1"/>
+          </a:fontRef>
+        </p:style>
+        <p:txBody>
+          <a:bodyPr wrap="square" rtlCol="0" anchor="ctr">
+            <a:noAutofit/>
+          </a:bodyPr>
+          <a:lstStyle/>
+          <a:p>
+            <a:pPr algn="ctr"/>
+            <a:endParaRPr lang="en-US"/>
+          </a:p>
+        </p:txBody>
+      </p:sp>
+      <p:sp>
+        <p:nvSpPr>
+          <p:cNvPr id="75" name="Freeform: Shape 74">
+            <a:extLst>
+              <a:ext uri="{FF2B5EF4-FFF2-40B4-BE49-F238E27FC236}">
+                <a16:creationId xmlns:a16="http://schemas.microsoft.com/office/drawing/2014/main" id="{DC292A62-7F34-4E30-BE04-48164A1DAF7B}"/>
+              </a:ext>
+              <a:ext uri="{C183D7F6-B498-43B3-948B-1728B52AA6E4}">
+                <adec:decorative xmlns:adec="http://schemas.microsoft.com/office/drawing/2017/decorative" val="1"/>
+              </a:ext>
+            </a:extLst>
+          </p:cNvPr>
+          <p:cNvSpPr>
+            <a:spLocks noGrp="1" noRot="1" noChangeAspect="1" noMove="1" noResize="1" noEditPoints="1" noAdjustHandles="1" noChangeArrowheads="1" noChangeShapeType="1" noTextEdit="1"/>
+          </p:cNvSpPr>
+          <p:nvPr>
+            <p:extLst>
+              <p:ext uri="{386F3935-93C4-4BCD-93E2-E3B085C9AB24}">
+                <p16:designElem xmlns:p16="http://schemas.microsoft.com/office/powerpoint/2015/main" val="1"/>
+              </p:ext>
+            </p:extLst>
+          </p:nvPr>
+        </p:nvSpPr>
+        <p:spPr>
+          <a:xfrm rot="16200000" flipH="1">
+            <a:off x="705643" y="2991644"/>
+            <a:ext cx="6858001" cy="874716"/>
+          </a:xfrm>
+          <a:custGeom>
+            <a:avLst/>
+            <a:gdLst>
+              <a:gd name="connsiteX0" fmla="*/ 0 w 6858001"/>
+              <a:gd name="connsiteY0" fmla="*/ 533314 h 874716"/>
+              <a:gd name="connsiteX1" fmla="*/ 0 w 6858001"/>
+              <a:gd name="connsiteY1" fmla="*/ 69206 h 874716"/>
+              <a:gd name="connsiteX2" fmla="*/ 21486 w 6858001"/>
+              <a:gd name="connsiteY2" fmla="*/ 71924 h 874716"/>
+              <a:gd name="connsiteX3" fmla="*/ 228948 w 6858001"/>
+              <a:gd name="connsiteY3" fmla="*/ 88116 h 874716"/>
+              <a:gd name="connsiteX4" fmla="*/ 313533 w 6858001"/>
+              <a:gd name="connsiteY4" fmla="*/ 62779 h 874716"/>
+              <a:gd name="connsiteX5" fmla="*/ 338870 w 6858001"/>
+              <a:gd name="connsiteY5" fmla="*/ 62207 h 874716"/>
+              <a:gd name="connsiteX6" fmla="*/ 395640 w 6858001"/>
+              <a:gd name="connsiteY6" fmla="*/ 72114 h 874716"/>
+              <a:gd name="connsiteX7" fmla="*/ 512802 w 6858001"/>
+              <a:gd name="connsiteY7" fmla="*/ 65446 h 874716"/>
+              <a:gd name="connsiteX8" fmla="*/ 556047 w 6858001"/>
+              <a:gd name="connsiteY8" fmla="*/ 55349 h 874716"/>
+              <a:gd name="connsiteX9" fmla="*/ 580050 w 6858001"/>
+              <a:gd name="connsiteY9" fmla="*/ 48871 h 874716"/>
+              <a:gd name="connsiteX10" fmla="*/ 703308 w 6858001"/>
+              <a:gd name="connsiteY10" fmla="*/ 30964 h 874716"/>
+              <a:gd name="connsiteX11" fmla="*/ 758174 w 6858001"/>
+              <a:gd name="connsiteY11" fmla="*/ 11724 h 874716"/>
+              <a:gd name="connsiteX12" fmla="*/ 773035 w 6858001"/>
+              <a:gd name="connsiteY12" fmla="*/ 8866 h 874716"/>
+              <a:gd name="connsiteX13" fmla="*/ 854379 w 6858001"/>
+              <a:gd name="connsiteY13" fmla="*/ 16866 h 874716"/>
+              <a:gd name="connsiteX14" fmla="*/ 915343 w 6858001"/>
+              <a:gd name="connsiteY14" fmla="*/ 47919 h 874716"/>
+              <a:gd name="connsiteX15" fmla="*/ 927155 w 6858001"/>
+              <a:gd name="connsiteY15" fmla="*/ 58397 h 874716"/>
+              <a:gd name="connsiteX16" fmla="*/ 1097087 w 6858001"/>
+              <a:gd name="connsiteY16" fmla="*/ 54777 h 874716"/>
+              <a:gd name="connsiteX17" fmla="*/ 1123185 w 6858001"/>
+              <a:gd name="connsiteY17" fmla="*/ 50395 h 874716"/>
+              <a:gd name="connsiteX18" fmla="*/ 1249302 w 6858001"/>
+              <a:gd name="connsiteY18" fmla="*/ 68684 h 874716"/>
+              <a:gd name="connsiteX19" fmla="*/ 1286069 w 6858001"/>
+              <a:gd name="connsiteY19" fmla="*/ 72304 h 874716"/>
+              <a:gd name="connsiteX20" fmla="*/ 1417899 w 6858001"/>
+              <a:gd name="connsiteY20" fmla="*/ 88688 h 874716"/>
+              <a:gd name="connsiteX21" fmla="*/ 1436568 w 6858001"/>
+              <a:gd name="connsiteY21" fmla="*/ 73448 h 874716"/>
+              <a:gd name="connsiteX22" fmla="*/ 1490292 w 6858001"/>
+              <a:gd name="connsiteY22" fmla="*/ 35154 h 874716"/>
+              <a:gd name="connsiteX23" fmla="*/ 1596213 w 6858001"/>
+              <a:gd name="connsiteY23" fmla="*/ 1245 h 874716"/>
+              <a:gd name="connsiteX24" fmla="*/ 1624980 w 6858001"/>
+              <a:gd name="connsiteY24" fmla="*/ 3150 h 874716"/>
+              <a:gd name="connsiteX25" fmla="*/ 1697753 w 6858001"/>
+              <a:gd name="connsiteY25" fmla="*/ 59731 h 874716"/>
+              <a:gd name="connsiteX26" fmla="*/ 1733188 w 6858001"/>
+              <a:gd name="connsiteY26" fmla="*/ 82400 h 874716"/>
+              <a:gd name="connsiteX27" fmla="*/ 1833775 w 6858001"/>
+              <a:gd name="connsiteY27" fmla="*/ 124121 h 874716"/>
+              <a:gd name="connsiteX28" fmla="*/ 1842158 w 6858001"/>
+              <a:gd name="connsiteY28" fmla="*/ 131742 h 874716"/>
+              <a:gd name="connsiteX29" fmla="*/ 1916454 w 6858001"/>
+              <a:gd name="connsiteY29" fmla="*/ 222233 h 874716"/>
+              <a:gd name="connsiteX30" fmla="*/ 1933219 w 6858001"/>
+              <a:gd name="connsiteY30" fmla="*/ 237663 h 874716"/>
+              <a:gd name="connsiteX31" fmla="*/ 1953413 w 6858001"/>
+              <a:gd name="connsiteY31" fmla="*/ 261668 h 874716"/>
+              <a:gd name="connsiteX32" fmla="*/ 2016469 w 6858001"/>
+              <a:gd name="connsiteY32" fmla="*/ 308151 h 874716"/>
+              <a:gd name="connsiteX33" fmla="*/ 2094578 w 6858001"/>
+              <a:gd name="connsiteY33" fmla="*/ 323010 h 874716"/>
+              <a:gd name="connsiteX34" fmla="*/ 2188879 w 6858001"/>
+              <a:gd name="connsiteY34" fmla="*/ 345681 h 874716"/>
+              <a:gd name="connsiteX35" fmla="*/ 2228314 w 6858001"/>
+              <a:gd name="connsiteY35" fmla="*/ 360921 h 874716"/>
+              <a:gd name="connsiteX36" fmla="*/ 2334044 w 6858001"/>
+              <a:gd name="connsiteY36" fmla="*/ 389878 h 874716"/>
+              <a:gd name="connsiteX37" fmla="*/ 2409485 w 6858001"/>
+              <a:gd name="connsiteY37" fmla="*/ 414263 h 874716"/>
+              <a:gd name="connsiteX38" fmla="*/ 2518264 w 6858001"/>
+              <a:gd name="connsiteY38" fmla="*/ 428552 h 874716"/>
+              <a:gd name="connsiteX39" fmla="*/ 2571034 w 6858001"/>
+              <a:gd name="connsiteY39" fmla="*/ 429122 h 874716"/>
+              <a:gd name="connsiteX40" fmla="*/ 2668001 w 6858001"/>
+              <a:gd name="connsiteY40" fmla="*/ 502276 h 874716"/>
+              <a:gd name="connsiteX41" fmla="*/ 2745348 w 6858001"/>
+              <a:gd name="connsiteY41" fmla="*/ 550666 h 874716"/>
+              <a:gd name="connsiteX42" fmla="*/ 2826694 w 6858001"/>
+              <a:gd name="connsiteY42" fmla="*/ 527233 h 874716"/>
+              <a:gd name="connsiteX43" fmla="*/ 2848793 w 6858001"/>
+              <a:gd name="connsiteY43" fmla="*/ 505134 h 874716"/>
+              <a:gd name="connsiteX44" fmla="*/ 2982148 w 6858001"/>
+              <a:gd name="connsiteY44" fmla="*/ 484179 h 874716"/>
+              <a:gd name="connsiteX45" fmla="*/ 3172654 w 6858001"/>
+              <a:gd name="connsiteY45" fmla="*/ 483417 h 874716"/>
+              <a:gd name="connsiteX46" fmla="*/ 3489467 w 6858001"/>
+              <a:gd name="connsiteY46" fmla="*/ 435790 h 874716"/>
+              <a:gd name="connsiteX47" fmla="*/ 3544713 w 6858001"/>
+              <a:gd name="connsiteY47" fmla="*/ 413691 h 874716"/>
+              <a:gd name="connsiteX48" fmla="*/ 3606817 w 6858001"/>
+              <a:gd name="connsiteY48" fmla="*/ 408167 h 874716"/>
+              <a:gd name="connsiteX49" fmla="*/ 3630632 w 6858001"/>
+              <a:gd name="connsiteY49" fmla="*/ 421693 h 874716"/>
+              <a:gd name="connsiteX50" fmla="*/ 3734837 w 6858001"/>
+              <a:gd name="connsiteY50" fmla="*/ 441886 h 874716"/>
+              <a:gd name="connsiteX51" fmla="*/ 3754652 w 6858001"/>
+              <a:gd name="connsiteY51" fmla="*/ 442268 h 874716"/>
+              <a:gd name="connsiteX52" fmla="*/ 3822472 w 6858001"/>
+              <a:gd name="connsiteY52" fmla="*/ 433694 h 874716"/>
+              <a:gd name="connsiteX53" fmla="*/ 3885338 w 6858001"/>
+              <a:gd name="connsiteY53" fmla="*/ 428742 h 874716"/>
+              <a:gd name="connsiteX54" fmla="*/ 4043839 w 6858001"/>
+              <a:gd name="connsiteY54" fmla="*/ 444934 h 874716"/>
+              <a:gd name="connsiteX55" fmla="*/ 4165383 w 6858001"/>
+              <a:gd name="connsiteY55" fmla="*/ 441124 h 874716"/>
+              <a:gd name="connsiteX56" fmla="*/ 4221391 w 6858001"/>
+              <a:gd name="connsiteY56" fmla="*/ 444934 h 874716"/>
+              <a:gd name="connsiteX57" fmla="*/ 4253014 w 6858001"/>
+              <a:gd name="connsiteY57" fmla="*/ 450650 h 874716"/>
+              <a:gd name="connsiteX58" fmla="*/ 4324645 w 6858001"/>
+              <a:gd name="connsiteY58" fmla="*/ 490466 h 874716"/>
+              <a:gd name="connsiteX59" fmla="*/ 4363890 w 6858001"/>
+              <a:gd name="connsiteY59" fmla="*/ 499420 h 874716"/>
+              <a:gd name="connsiteX60" fmla="*/ 4482004 w 6858001"/>
+              <a:gd name="connsiteY60" fmla="*/ 498658 h 874716"/>
+              <a:gd name="connsiteX61" fmla="*/ 4659174 w 6858001"/>
+              <a:gd name="connsiteY61" fmla="*/ 438648 h 874716"/>
+              <a:gd name="connsiteX62" fmla="*/ 4677655 w 6858001"/>
+              <a:gd name="connsiteY62" fmla="*/ 430646 h 874716"/>
+              <a:gd name="connsiteX63" fmla="*/ 4767764 w 6858001"/>
+              <a:gd name="connsiteY63" fmla="*/ 420739 h 874716"/>
+              <a:gd name="connsiteX64" fmla="*/ 4828916 w 6858001"/>
+              <a:gd name="connsiteY64" fmla="*/ 434266 h 874716"/>
+              <a:gd name="connsiteX65" fmla="*/ 4912168 w 6858001"/>
+              <a:gd name="connsiteY65" fmla="*/ 462271 h 874716"/>
+              <a:gd name="connsiteX66" fmla="*/ 4987037 w 6858001"/>
+              <a:gd name="connsiteY66" fmla="*/ 485703 h 874716"/>
+              <a:gd name="connsiteX67" fmla="*/ 5041521 w 6858001"/>
+              <a:gd name="connsiteY67" fmla="*/ 512182 h 874716"/>
+              <a:gd name="connsiteX68" fmla="*/ 5166113 w 6858001"/>
+              <a:gd name="connsiteY68" fmla="*/ 531615 h 874716"/>
+              <a:gd name="connsiteX69" fmla="*/ 5179067 w 6858001"/>
+              <a:gd name="connsiteY69" fmla="*/ 534853 h 874716"/>
+              <a:gd name="connsiteX70" fmla="*/ 5272796 w 6858001"/>
+              <a:gd name="connsiteY70" fmla="*/ 511230 h 874716"/>
+              <a:gd name="connsiteX71" fmla="*/ 5385384 w 6858001"/>
+              <a:gd name="connsiteY71" fmla="*/ 487227 h 874716"/>
+              <a:gd name="connsiteX72" fmla="*/ 5425582 w 6858001"/>
+              <a:gd name="connsiteY72" fmla="*/ 495418 h 874716"/>
+              <a:gd name="connsiteX73" fmla="*/ 5480637 w 6858001"/>
+              <a:gd name="connsiteY73" fmla="*/ 507040 h 874716"/>
+              <a:gd name="connsiteX74" fmla="*/ 5531693 w 6858001"/>
+              <a:gd name="connsiteY74" fmla="*/ 500944 h 874716"/>
+              <a:gd name="connsiteX75" fmla="*/ 5562746 w 6858001"/>
+              <a:gd name="connsiteY75" fmla="*/ 500372 h 874716"/>
+              <a:gd name="connsiteX76" fmla="*/ 5704483 w 6858001"/>
+              <a:gd name="connsiteY76" fmla="*/ 571620 h 874716"/>
+              <a:gd name="connsiteX77" fmla="*/ 5740488 w 6858001"/>
+              <a:gd name="connsiteY77" fmla="*/ 577526 h 874716"/>
+              <a:gd name="connsiteX78" fmla="*/ 5760873 w 6858001"/>
+              <a:gd name="connsiteY78" fmla="*/ 586291 h 874716"/>
+              <a:gd name="connsiteX79" fmla="*/ 5883751 w 6858001"/>
+              <a:gd name="connsiteY79" fmla="*/ 674686 h 874716"/>
+              <a:gd name="connsiteX80" fmla="*/ 5935949 w 6858001"/>
+              <a:gd name="connsiteY80" fmla="*/ 692592 h 874716"/>
+              <a:gd name="connsiteX81" fmla="*/ 5993291 w 6858001"/>
+              <a:gd name="connsiteY81" fmla="*/ 688972 h 874716"/>
+              <a:gd name="connsiteX82" fmla="*/ 6026440 w 6858001"/>
+              <a:gd name="connsiteY82" fmla="*/ 682496 h 874716"/>
+              <a:gd name="connsiteX83" fmla="*/ 6108738 w 6858001"/>
+              <a:gd name="connsiteY83" fmla="*/ 626296 h 874716"/>
+              <a:gd name="connsiteX84" fmla="*/ 6155602 w 6858001"/>
+              <a:gd name="connsiteY84" fmla="*/ 628202 h 874716"/>
+              <a:gd name="connsiteX85" fmla="*/ 6228756 w 6858001"/>
+              <a:gd name="connsiteY85" fmla="*/ 666873 h 874716"/>
+              <a:gd name="connsiteX86" fmla="*/ 6361539 w 6858001"/>
+              <a:gd name="connsiteY86" fmla="*/ 684210 h 874716"/>
+              <a:gd name="connsiteX87" fmla="*/ 6428979 w 6858001"/>
+              <a:gd name="connsiteY87" fmla="*/ 630106 h 874716"/>
+              <a:gd name="connsiteX88" fmla="*/ 6463840 w 6858001"/>
+              <a:gd name="connsiteY88" fmla="*/ 578098 h 874716"/>
+              <a:gd name="connsiteX89" fmla="*/ 6564620 w 6858001"/>
+              <a:gd name="connsiteY89" fmla="*/ 517708 h 874716"/>
+              <a:gd name="connsiteX90" fmla="*/ 6588625 w 6858001"/>
+              <a:gd name="connsiteY90" fmla="*/ 540187 h 874716"/>
+              <a:gd name="connsiteX91" fmla="*/ 6662541 w 6858001"/>
+              <a:gd name="connsiteY91" fmla="*/ 549714 h 874716"/>
+              <a:gd name="connsiteX92" fmla="*/ 6742552 w 6858001"/>
+              <a:gd name="connsiteY92" fmla="*/ 548952 h 874716"/>
+              <a:gd name="connsiteX93" fmla="*/ 6812063 w 6858001"/>
+              <a:gd name="connsiteY93" fmla="*/ 568430 h 874716"/>
+              <a:gd name="connsiteX94" fmla="*/ 6858001 w 6858001"/>
+              <a:gd name="connsiteY94" fmla="*/ 562267 h 874716"/>
+              <a:gd name="connsiteX95" fmla="*/ 6858001 w 6858001"/>
+              <a:gd name="connsiteY95" fmla="*/ 734520 h 874716"/>
+              <a:gd name="connsiteX96" fmla="*/ 6815516 w 6858001"/>
+              <a:gd name="connsiteY96" fmla="*/ 744220 h 874716"/>
+              <a:gd name="connsiteX97" fmla="*/ 6748458 w 6858001"/>
+              <a:gd name="connsiteY97" fmla="*/ 763271 h 874716"/>
+              <a:gd name="connsiteX98" fmla="*/ 6584812 w 6858001"/>
+              <a:gd name="connsiteY98" fmla="*/ 784797 h 874716"/>
+              <a:gd name="connsiteX99" fmla="*/ 6415833 w 6858001"/>
+              <a:gd name="connsiteY99" fmla="*/ 805562 h 874716"/>
+              <a:gd name="connsiteX100" fmla="*/ 6323058 w 6858001"/>
+              <a:gd name="connsiteY100" fmla="*/ 812420 h 874716"/>
+              <a:gd name="connsiteX101" fmla="*/ 6242093 w 6858001"/>
+              <a:gd name="connsiteY101" fmla="*/ 823281 h 874716"/>
+              <a:gd name="connsiteX102" fmla="*/ 6171605 w 6858001"/>
+              <a:gd name="connsiteY102" fmla="*/ 830139 h 874716"/>
+              <a:gd name="connsiteX103" fmla="*/ 6059397 w 6858001"/>
+              <a:gd name="connsiteY103" fmla="*/ 844045 h 874716"/>
+              <a:gd name="connsiteX104" fmla="*/ 6012723 w 6858001"/>
+              <a:gd name="connsiteY104" fmla="*/ 847665 h 874716"/>
+              <a:gd name="connsiteX105" fmla="*/ 5902610 w 6858001"/>
+              <a:gd name="connsiteY105" fmla="*/ 847473 h 874716"/>
+              <a:gd name="connsiteX106" fmla="*/ 5864318 w 6858001"/>
+              <a:gd name="connsiteY106" fmla="*/ 845569 h 874716"/>
+              <a:gd name="connsiteX107" fmla="*/ 5790592 w 6858001"/>
+              <a:gd name="connsiteY107" fmla="*/ 821947 h 874716"/>
+              <a:gd name="connsiteX108" fmla="*/ 5781830 w 6858001"/>
+              <a:gd name="connsiteY108" fmla="*/ 820233 h 874716"/>
+              <a:gd name="connsiteX109" fmla="*/ 5733440 w 6858001"/>
+              <a:gd name="connsiteY109" fmla="*/ 810896 h 874716"/>
+              <a:gd name="connsiteX110" fmla="*/ 5706959 w 6858001"/>
+              <a:gd name="connsiteY110" fmla="*/ 807848 h 874716"/>
+              <a:gd name="connsiteX111" fmla="*/ 5606372 w 6858001"/>
+              <a:gd name="connsiteY111" fmla="*/ 788417 h 874716"/>
+              <a:gd name="connsiteX112" fmla="*/ 5548460 w 6858001"/>
+              <a:gd name="connsiteY112" fmla="*/ 779273 h 874716"/>
+              <a:gd name="connsiteX113" fmla="*/ 5501594 w 6858001"/>
+              <a:gd name="connsiteY113" fmla="*/ 780607 h 874716"/>
+              <a:gd name="connsiteX114" fmla="*/ 5419295 w 6858001"/>
+              <a:gd name="connsiteY114" fmla="*/ 782321 h 874716"/>
+              <a:gd name="connsiteX115" fmla="*/ 5393005 w 6858001"/>
+              <a:gd name="connsiteY115" fmla="*/ 786703 h 874716"/>
+              <a:gd name="connsiteX116" fmla="*/ 5274129 w 6858001"/>
+              <a:gd name="connsiteY116" fmla="*/ 774129 h 874716"/>
+              <a:gd name="connsiteX117" fmla="*/ 5206308 w 6858001"/>
+              <a:gd name="connsiteY117" fmla="*/ 773177 h 874716"/>
+              <a:gd name="connsiteX118" fmla="*/ 5129916 w 6858001"/>
+              <a:gd name="connsiteY118" fmla="*/ 757554 h 874716"/>
+              <a:gd name="connsiteX119" fmla="*/ 5107627 w 6858001"/>
+              <a:gd name="connsiteY119" fmla="*/ 758316 h 874716"/>
+              <a:gd name="connsiteX120" fmla="*/ 5082670 w 6858001"/>
+              <a:gd name="connsiteY120" fmla="*/ 759651 h 874716"/>
+              <a:gd name="connsiteX121" fmla="*/ 5006086 w 6858001"/>
+              <a:gd name="connsiteY121" fmla="*/ 760795 h 874716"/>
+              <a:gd name="connsiteX122" fmla="*/ 4959602 w 6858001"/>
+              <a:gd name="connsiteY122" fmla="*/ 766509 h 874716"/>
+              <a:gd name="connsiteX123" fmla="*/ 4871019 w 6858001"/>
+              <a:gd name="connsiteY123" fmla="*/ 763081 h 874716"/>
+              <a:gd name="connsiteX124" fmla="*/ 4838250 w 6858001"/>
+              <a:gd name="connsiteY124" fmla="*/ 768033 h 874716"/>
+              <a:gd name="connsiteX125" fmla="*/ 4755381 w 6858001"/>
+              <a:gd name="connsiteY125" fmla="*/ 768605 h 874716"/>
+              <a:gd name="connsiteX126" fmla="*/ 4681083 w 6858001"/>
+              <a:gd name="connsiteY126" fmla="*/ 765747 h 874716"/>
+              <a:gd name="connsiteX127" fmla="*/ 4609452 w 6858001"/>
+              <a:gd name="connsiteY127" fmla="*/ 767271 h 874716"/>
+              <a:gd name="connsiteX128" fmla="*/ 4558207 w 6858001"/>
+              <a:gd name="connsiteY128" fmla="*/ 773557 h 874716"/>
+              <a:gd name="connsiteX129" fmla="*/ 4502579 w 6858001"/>
+              <a:gd name="connsiteY129" fmla="*/ 777367 h 874716"/>
+              <a:gd name="connsiteX130" fmla="*/ 4349222 w 6858001"/>
+              <a:gd name="connsiteY130" fmla="*/ 800038 h 874716"/>
+              <a:gd name="connsiteX131" fmla="*/ 4320837 w 6858001"/>
+              <a:gd name="connsiteY131" fmla="*/ 794514 h 874716"/>
+              <a:gd name="connsiteX132" fmla="*/ 4159667 w 6858001"/>
+              <a:gd name="connsiteY132" fmla="*/ 789370 h 874716"/>
+              <a:gd name="connsiteX133" fmla="*/ 4124614 w 6858001"/>
+              <a:gd name="connsiteY133" fmla="*/ 789752 h 874716"/>
+              <a:gd name="connsiteX134" fmla="*/ 4030503 w 6858001"/>
+              <a:gd name="connsiteY134" fmla="*/ 767271 h 874716"/>
+              <a:gd name="connsiteX135" fmla="*/ 3885338 w 6858001"/>
+              <a:gd name="connsiteY135" fmla="*/ 802896 h 874716"/>
+              <a:gd name="connsiteX136" fmla="*/ 3749506 w 6858001"/>
+              <a:gd name="connsiteY136" fmla="*/ 847473 h 874716"/>
+              <a:gd name="connsiteX137" fmla="*/ 3732361 w 6858001"/>
+              <a:gd name="connsiteY137" fmla="*/ 853190 h 874716"/>
+              <a:gd name="connsiteX138" fmla="*/ 3683591 w 6858001"/>
+              <a:gd name="connsiteY138" fmla="*/ 862906 h 874716"/>
+              <a:gd name="connsiteX139" fmla="*/ 3623201 w 6858001"/>
+              <a:gd name="connsiteY139" fmla="*/ 866334 h 874716"/>
+              <a:gd name="connsiteX140" fmla="*/ 3546617 w 6858001"/>
+              <a:gd name="connsiteY140" fmla="*/ 874716 h 874716"/>
+              <a:gd name="connsiteX141" fmla="*/ 3485275 w 6858001"/>
+              <a:gd name="connsiteY141" fmla="*/ 864238 h 874716"/>
+              <a:gd name="connsiteX142" fmla="*/ 3399546 w 6858001"/>
+              <a:gd name="connsiteY142" fmla="*/ 848618 h 874716"/>
+              <a:gd name="connsiteX143" fmla="*/ 3318771 w 6858001"/>
+              <a:gd name="connsiteY143" fmla="*/ 833757 h 874716"/>
+              <a:gd name="connsiteX144" fmla="*/ 3293244 w 6858001"/>
+              <a:gd name="connsiteY144" fmla="*/ 851284 h 874716"/>
+              <a:gd name="connsiteX145" fmla="*/ 3253809 w 6858001"/>
+              <a:gd name="connsiteY145" fmla="*/ 866524 h 874716"/>
+              <a:gd name="connsiteX146" fmla="*/ 3209993 w 6858001"/>
+              <a:gd name="connsiteY146" fmla="*/ 848235 h 874716"/>
+              <a:gd name="connsiteX147" fmla="*/ 3107500 w 6858001"/>
+              <a:gd name="connsiteY147" fmla="*/ 810326 h 874716"/>
+              <a:gd name="connsiteX148" fmla="*/ 3042728 w 6858001"/>
+              <a:gd name="connsiteY148" fmla="*/ 808610 h 874716"/>
+              <a:gd name="connsiteX149" fmla="*/ 2901943 w 6858001"/>
+              <a:gd name="connsiteY149" fmla="*/ 792418 h 874716"/>
+              <a:gd name="connsiteX150" fmla="*/ 2809930 w 6858001"/>
+              <a:gd name="connsiteY150" fmla="*/ 769367 h 874716"/>
+              <a:gd name="connsiteX151" fmla="*/ 2743826 w 6858001"/>
+              <a:gd name="connsiteY151" fmla="*/ 743268 h 874716"/>
+              <a:gd name="connsiteX152" fmla="*/ 2649143 w 6858001"/>
+              <a:gd name="connsiteY152" fmla="*/ 709167 h 874716"/>
+              <a:gd name="connsiteX153" fmla="*/ 2554079 w 6858001"/>
+              <a:gd name="connsiteY153" fmla="*/ 691450 h 874716"/>
+              <a:gd name="connsiteX154" fmla="*/ 2485307 w 6858001"/>
+              <a:gd name="connsiteY154" fmla="*/ 669160 h 874716"/>
+              <a:gd name="connsiteX155" fmla="*/ 2401292 w 6858001"/>
+              <a:gd name="connsiteY155" fmla="*/ 653919 h 874716"/>
+              <a:gd name="connsiteX156" fmla="*/ 2330806 w 6858001"/>
+              <a:gd name="connsiteY156" fmla="*/ 653349 h 874716"/>
+              <a:gd name="connsiteX157" fmla="*/ 2220312 w 6858001"/>
+              <a:gd name="connsiteY157" fmla="*/ 656015 h 874716"/>
+              <a:gd name="connsiteX158" fmla="*/ 2085054 w 6858001"/>
+              <a:gd name="connsiteY158" fmla="*/ 609914 h 874716"/>
+              <a:gd name="connsiteX159" fmla="*/ 2030378 w 6858001"/>
+              <a:gd name="connsiteY159" fmla="*/ 599625 h 874716"/>
+              <a:gd name="connsiteX160" fmla="*/ 1978940 w 6858001"/>
+              <a:gd name="connsiteY160" fmla="*/ 594863 h 874716"/>
+              <a:gd name="connsiteX161" fmla="*/ 1869780 w 6858001"/>
+              <a:gd name="connsiteY161" fmla="*/ 564192 h 874716"/>
+              <a:gd name="connsiteX162" fmla="*/ 1825393 w 6858001"/>
+              <a:gd name="connsiteY162" fmla="*/ 554094 h 874716"/>
+              <a:gd name="connsiteX163" fmla="*/ 1763287 w 6858001"/>
+              <a:gd name="connsiteY163" fmla="*/ 554286 h 874716"/>
+              <a:gd name="connsiteX164" fmla="*/ 1650317 w 6858001"/>
+              <a:gd name="connsiteY164" fmla="*/ 540187 h 874716"/>
+              <a:gd name="connsiteX165" fmla="*/ 1537537 w 6858001"/>
+              <a:gd name="connsiteY165" fmla="*/ 499038 h 874716"/>
+              <a:gd name="connsiteX166" fmla="*/ 1489720 w 6858001"/>
+              <a:gd name="connsiteY166" fmla="*/ 503038 h 874716"/>
+              <a:gd name="connsiteX167" fmla="*/ 1472575 w 6858001"/>
+              <a:gd name="connsiteY167" fmla="*/ 502086 h 874716"/>
+              <a:gd name="connsiteX168" fmla="*/ 1318456 w 6858001"/>
+              <a:gd name="connsiteY168" fmla="*/ 479415 h 874716"/>
+              <a:gd name="connsiteX169" fmla="*/ 1303024 w 6858001"/>
+              <a:gd name="connsiteY169" fmla="*/ 476939 h 874716"/>
+              <a:gd name="connsiteX170" fmla="*/ 1230633 w 6858001"/>
+              <a:gd name="connsiteY170" fmla="*/ 456746 h 874716"/>
+              <a:gd name="connsiteX171" fmla="*/ 1048125 w 6858001"/>
+              <a:gd name="connsiteY171" fmla="*/ 444172 h 874716"/>
+              <a:gd name="connsiteX172" fmla="*/ 1036887 w 6858001"/>
+              <a:gd name="connsiteY172" fmla="*/ 442648 h 874716"/>
+              <a:gd name="connsiteX173" fmla="*/ 975733 w 6858001"/>
+              <a:gd name="connsiteY173" fmla="*/ 452744 h 874716"/>
+              <a:gd name="connsiteX174" fmla="*/ 945444 w 6858001"/>
+              <a:gd name="connsiteY174" fmla="*/ 467033 h 874716"/>
+              <a:gd name="connsiteX175" fmla="*/ 898198 w 6858001"/>
+              <a:gd name="connsiteY175" fmla="*/ 481893 h 874716"/>
+              <a:gd name="connsiteX176" fmla="*/ 850189 w 6858001"/>
+              <a:gd name="connsiteY176" fmla="*/ 487417 h 874716"/>
+              <a:gd name="connsiteX177" fmla="*/ 769605 w 6858001"/>
+              <a:gd name="connsiteY177" fmla="*/ 464937 h 874716"/>
+              <a:gd name="connsiteX178" fmla="*/ 740268 w 6858001"/>
+              <a:gd name="connsiteY178" fmla="*/ 462651 h 874716"/>
+              <a:gd name="connsiteX179" fmla="*/ 674923 w 6858001"/>
+              <a:gd name="connsiteY179" fmla="*/ 451792 h 874716"/>
+              <a:gd name="connsiteX180" fmla="*/ 617772 w 6858001"/>
+              <a:gd name="connsiteY180" fmla="*/ 452554 h 874716"/>
+              <a:gd name="connsiteX181" fmla="*/ 571860 w 6858001"/>
+              <a:gd name="connsiteY181" fmla="*/ 469891 h 874716"/>
+              <a:gd name="connsiteX182" fmla="*/ 505182 w 6858001"/>
+              <a:gd name="connsiteY182" fmla="*/ 473319 h 874716"/>
+              <a:gd name="connsiteX183" fmla="*/ 462126 w 6858001"/>
+              <a:gd name="connsiteY183" fmla="*/ 460747 h 874716"/>
+              <a:gd name="connsiteX184" fmla="*/ 453364 w 6858001"/>
+              <a:gd name="connsiteY184" fmla="*/ 459033 h 874716"/>
+              <a:gd name="connsiteX185" fmla="*/ 340774 w 6858001"/>
+              <a:gd name="connsiteY185" fmla="*/ 458268 h 874716"/>
+              <a:gd name="connsiteX186" fmla="*/ 200182 w 6858001"/>
+              <a:gd name="connsiteY186" fmla="*/ 496180 h 874716"/>
+              <a:gd name="connsiteX187" fmla="*/ 176939 w 6858001"/>
+              <a:gd name="connsiteY187" fmla="*/ 504182 h 874716"/>
+              <a:gd name="connsiteX188" fmla="*/ 63587 w 6858001"/>
+              <a:gd name="connsiteY188" fmla="*/ 518088 h 874716"/>
+              <a:gd name="connsiteX189" fmla="*/ 2817 w 6858001"/>
+              <a:gd name="connsiteY189" fmla="*/ 532187 h 874716"/>
+              <a:gd name="connsiteX190" fmla="*/ 0 w 6858001"/>
+              <a:gd name="connsiteY190" fmla="*/ 533314 h 874716"/>
+            </a:gdLst>
+            <a:ahLst/>
+            <a:cxnLst>
+              <a:cxn ang="0">
+                <a:pos x="connsiteX0" y="connsiteY0"/>
+              </a:cxn>
+              <a:cxn ang="0">
+                <a:pos x="connsiteX1" y="connsiteY1"/>
+              </a:cxn>
+              <a:cxn ang="0">
+                <a:pos x="connsiteX2" y="connsiteY2"/>
+              </a:cxn>
+              <a:cxn ang="0">
+                <a:pos x="connsiteX3" y="connsiteY3"/>
+              </a:cxn>
+              <a:cxn ang="0">
+                <a:pos x="connsiteX4" y="connsiteY4"/>
+              </a:cxn>
+              <a:cxn ang="0">
+                <a:pos x="connsiteX5" y="connsiteY5"/>
+              </a:cxn>
+              <a:cxn ang="0">
+                <a:pos x="connsiteX6" y="connsiteY6"/>
+              </a:cxn>
+              <a:cxn ang="0">
+                <a:pos x="connsiteX7" y="connsiteY7"/>
+              </a:cxn>
+              <a:cxn ang="0">
+                <a:pos x="connsiteX8" y="connsiteY8"/>
+              </a:cxn>
+              <a:cxn ang="0">
+                <a:pos x="connsiteX9" y="connsiteY9"/>
+              </a:cxn>
+              <a:cxn ang="0">
+                <a:pos x="connsiteX10" y="connsiteY10"/>
+              </a:cxn>
+              <a:cxn ang="0">
+                <a:pos x="connsiteX11" y="connsiteY11"/>
+              </a:cxn>
+              <a:cxn ang="0">
+                <a:pos x="connsiteX12" y="connsiteY12"/>
+              </a:cxn>
+              <a:cxn ang="0">
+                <a:pos x="connsiteX13" y="connsiteY13"/>
+              </a:cxn>
+              <a:cxn ang="0">
+                <a:pos x="connsiteX14" y="connsiteY14"/>
+              </a:cxn>
+              <a:cxn ang="0">
+                <a:pos x="connsiteX15" y="connsiteY15"/>
+              </a:cxn>
+              <a:cxn ang="0">
+                <a:pos x="connsiteX16" y="connsiteY16"/>
+              </a:cxn>
+              <a:cxn ang="0">
+                <a:pos x="connsiteX17" y="connsiteY17"/>
+              </a:cxn>
+              <a:cxn ang="0">
+                <a:pos x="connsiteX18" y="connsiteY18"/>
+              </a:cxn>
+              <a:cxn ang="0">
+                <a:pos x="connsiteX19" y="connsiteY19"/>
+              </a:cxn>
+              <a:cxn ang="0">
+                <a:pos x="connsiteX20" y="connsiteY20"/>
+              </a:cxn>
+              <a:cxn ang="0">
+                <a:pos x="connsiteX21" y="connsiteY21"/>
+              </a:cxn>
+              <a:cxn ang="0">
+                <a:pos x="connsiteX22" y="connsiteY22"/>
+              </a:cxn>
+              <a:cxn ang="0">
+                <a:pos x="connsiteX23" y="connsiteY23"/>
+              </a:cxn>
+              <a:cxn ang="0">
+                <a:pos x="connsiteX24" y="connsiteY24"/>
+              </a:cxn>
+              <a:cxn ang="0">
+                <a:pos x="connsiteX25" y="connsiteY25"/>
+              </a:cxn>
+              <a:cxn ang="0">
+                <a:pos x="connsiteX26" y="connsiteY26"/>
+              </a:cxn>
+              <a:cxn ang="0">
+                <a:pos x="connsiteX27" y="connsiteY27"/>
+              </a:cxn>
+              <a:cxn ang="0">
+                <a:pos x="connsiteX28" y="connsiteY28"/>
+              </a:cxn>
+              <a:cxn ang="0">
+                <a:pos x="connsiteX29" y="connsiteY29"/>
+              </a:cxn>
+              <a:cxn ang="0">
+                <a:pos x="connsiteX30" y="connsiteY30"/>
+              </a:cxn>
+              <a:cxn ang="0">
+                <a:pos x="connsiteX31" y="connsiteY31"/>
+              </a:cxn>
+              <a:cxn ang="0">
+                <a:pos x="connsiteX32" y="connsiteY32"/>
+              </a:cxn>
+              <a:cxn ang="0">
+                <a:pos x="connsiteX33" y="connsiteY33"/>
+              </a:cxn>
+              <a:cxn ang="0">
+                <a:pos x="connsiteX34" y="connsiteY34"/>
+              </a:cxn>
+              <a:cxn ang="0">
+                <a:pos x="connsiteX35" y="connsiteY35"/>
+              </a:cxn>
+              <a:cxn ang="0">
+                <a:pos x="connsiteX36" y="connsiteY36"/>
+              </a:cxn>
+              <a:cxn ang="0">
+                <a:pos x="connsiteX37" y="connsiteY37"/>
+              </a:cxn>
+              <a:cxn ang="0">
+                <a:pos x="connsiteX38" y="connsiteY38"/>
+              </a:cxn>
+              <a:cxn ang="0">
+                <a:pos x="connsiteX39" y="connsiteY39"/>
+              </a:cxn>
+              <a:cxn ang="0">
+                <a:pos x="connsiteX40" y="connsiteY40"/>
+              </a:cxn>
+              <a:cxn ang="0">
+                <a:pos x="connsiteX41" y="connsiteY41"/>
+              </a:cxn>
+              <a:cxn ang="0">
+                <a:pos x="connsiteX42" y="connsiteY42"/>
+              </a:cxn>
+              <a:cxn ang="0">
+                <a:pos x="connsiteX43" y="connsiteY43"/>
+              </a:cxn>
+              <a:cxn ang="0">
+                <a:pos x="connsiteX44" y="connsiteY44"/>
+              </a:cxn>
+              <a:cxn ang="0">
+                <a:pos x="connsiteX45" y="connsiteY45"/>
+              </a:cxn>
+              <a:cxn ang="0">
+                <a:pos x="connsiteX46" y="connsiteY46"/>
+              </a:cxn>
+              <a:cxn ang="0">
+                <a:pos x="connsiteX47" y="connsiteY47"/>
+              </a:cxn>
+              <a:cxn ang="0">
+                <a:pos x="connsiteX48" y="connsiteY48"/>
+              </a:cxn>
+              <a:cxn ang="0">
+                <a:pos x="connsiteX49" y="connsiteY49"/>
+              </a:cxn>
+              <a:cxn ang="0">
+                <a:pos x="connsiteX50" y="connsiteY50"/>
+              </a:cxn>
+              <a:cxn ang="0">
+                <a:pos x="connsiteX51" y="connsiteY51"/>
+              </a:cxn>
+              <a:cxn ang="0">
+                <a:pos x="connsiteX52" y="connsiteY52"/>
+              </a:cxn>
+              <a:cxn ang="0">
+                <a:pos x="connsiteX53" y="connsiteY53"/>
+              </a:cxn>
+              <a:cxn ang="0">
+                <a:pos x="connsiteX54" y="connsiteY54"/>
+              </a:cxn>
+              <a:cxn ang="0">
+                <a:pos x="connsiteX55" y="connsiteY55"/>
+              </a:cxn>
+              <a:cxn ang="0">
+                <a:pos x="connsiteX56" y="connsiteY56"/>
+              </a:cxn>
+              <a:cxn ang="0">
+                <a:pos x="connsiteX57" y="connsiteY57"/>
+              </a:cxn>
+              <a:cxn ang="0">
+                <a:pos x="connsiteX58" y="connsiteY58"/>
+              </a:cxn>
+              <a:cxn ang="0">
+                <a:pos x="connsiteX59" y="connsiteY59"/>
+              </a:cxn>
+              <a:cxn ang="0">
+                <a:pos x="connsiteX60" y="connsiteY60"/>
+              </a:cxn>
+              <a:cxn ang="0">
+                <a:pos x="connsiteX61" y="connsiteY61"/>
+              </a:cxn>
+              <a:cxn ang="0">
+                <a:pos x="connsiteX62" y="connsiteY62"/>
+              </a:cxn>
+              <a:cxn ang="0">
+                <a:pos x="connsiteX63" y="connsiteY63"/>
+              </a:cxn>
+              <a:cxn ang="0">
+                <a:pos x="connsiteX64" y="connsiteY64"/>
+              </a:cxn>
+              <a:cxn ang="0">
+                <a:pos x="connsiteX65" y="connsiteY65"/>
+              </a:cxn>
+              <a:cxn ang="0">
+                <a:pos x="connsiteX66" y="connsiteY66"/>
+              </a:cxn>
+              <a:cxn ang="0">
+                <a:pos x="connsiteX67" y="connsiteY67"/>
+              </a:cxn>
+              <a:cxn ang="0">
+                <a:pos x="connsiteX68" y="connsiteY68"/>
+              </a:cxn>
+              <a:cxn ang="0">
+                <a:pos x="connsiteX69" y="connsiteY69"/>
+              </a:cxn>
+              <a:cxn ang="0">
+                <a:pos x="connsiteX70" y="connsiteY70"/>
+              </a:cxn>
+              <a:cxn ang="0">
+                <a:pos x="connsiteX71" y="connsiteY71"/>
+              </a:cxn>
+              <a:cxn ang="0">
+                <a:pos x="connsiteX72" y="connsiteY72"/>
+              </a:cxn>
+              <a:cxn ang="0">
+                <a:pos x="connsiteX73" y="connsiteY73"/>
+              </a:cxn>
+              <a:cxn ang="0">
+                <a:pos x="connsiteX74" y="connsiteY74"/>
+              </a:cxn>
+              <a:cxn ang="0">
+                <a:pos x="connsiteX75" y="connsiteY75"/>
+              </a:cxn>
+              <a:cxn ang="0">
+                <a:pos x="connsiteX76" y="connsiteY76"/>
+              </a:cxn>
+              <a:cxn ang="0">
+                <a:pos x="connsiteX77" y="connsiteY77"/>
+              </a:cxn>
+              <a:cxn ang="0">
+                <a:pos x="connsiteX78" y="connsiteY78"/>
+              </a:cxn>
+              <a:cxn ang="0">
+                <a:pos x="connsiteX79" y="connsiteY79"/>
+              </a:cxn>
+              <a:cxn ang="0">
+                <a:pos x="connsiteX80" y="connsiteY80"/>
+              </a:cxn>
+              <a:cxn ang="0">
+                <a:pos x="connsiteX81" y="connsiteY81"/>
+              </a:cxn>
+              <a:cxn ang="0">
+                <a:pos x="connsiteX82" y="connsiteY82"/>
+              </a:cxn>
+              <a:cxn ang="0">
+                <a:pos x="connsiteX83" y="connsiteY83"/>
+              </a:cxn>
+              <a:cxn ang="0">
+                <a:pos x="connsiteX84" y="connsiteY84"/>
+              </a:cxn>
+              <a:cxn ang="0">
+                <a:pos x="connsiteX85" y="connsiteY85"/>
+              </a:cxn>
+              <a:cxn ang="0">
+                <a:pos x="connsiteX86" y="connsiteY86"/>
+              </a:cxn>
+              <a:cxn ang="0">
+                <a:pos x="connsiteX87" y="connsiteY87"/>
+              </a:cxn>
+              <a:cxn ang="0">
+                <a:pos x="connsiteX88" y="connsiteY88"/>
+              </a:cxn>
+              <a:cxn ang="0">
+                <a:pos x="connsiteX89" y="connsiteY89"/>
+              </a:cxn>
+              <a:cxn ang="0">
+                <a:pos x="connsiteX90" y="connsiteY90"/>
+              </a:cxn>
+              <a:cxn ang="0">
+                <a:pos x="connsiteX91" y="connsiteY91"/>
+              </a:cxn>
+              <a:cxn ang="0">
+                <a:pos x="connsiteX92" y="connsiteY92"/>
+              </a:cxn>
+              <a:cxn ang="0">
+                <a:pos x="connsiteX93" y="connsiteY93"/>
+              </a:cxn>
+              <a:cxn ang="0">
+                <a:pos x="connsiteX94" y="connsiteY94"/>
+              </a:cxn>
+              <a:cxn ang="0">
+                <a:pos x="connsiteX95" y="connsiteY95"/>
+              </a:cxn>
+              <a:cxn ang="0">
+                <a:pos x="connsiteX96" y="connsiteY96"/>
+              </a:cxn>
+              <a:cxn ang="0">
+                <a:pos x="connsiteX97" y="connsiteY97"/>
+              </a:cxn>
+              <a:cxn ang="0">
+                <a:pos x="connsiteX98" y="connsiteY98"/>
+              </a:cxn>
+              <a:cxn ang="0">
+                <a:pos x="connsiteX99" y="connsiteY99"/>
+              </a:cxn>
+              <a:cxn ang="0">
+                <a:pos x="connsiteX100" y="connsiteY100"/>
+              </a:cxn>
+              <a:cxn ang="0">
+                <a:pos x="connsiteX101" y="connsiteY101"/>
+              </a:cxn>
+              <a:cxn ang="0">
+                <a:pos x="connsiteX102" y="connsiteY102"/>
+              </a:cxn>
+              <a:cxn ang="0">
+                <a:pos x="connsiteX103" y="connsiteY103"/>
+              </a:cxn>
+              <a:cxn ang="0">
+                <a:pos x="connsiteX104" y="connsiteY104"/>
+              </a:cxn>
+              <a:cxn ang="0">
+                <a:pos x="connsiteX105" y="connsiteY105"/>
+              </a:cxn>
+              <a:cxn ang="0">
+                <a:pos x="connsiteX106" y="connsiteY106"/>
+              </a:cxn>
+              <a:cxn ang="0">
+                <a:pos x="connsiteX107" y="connsiteY107"/>
+              </a:cxn>
+              <a:cxn ang="0">
+                <a:pos x="connsiteX108" y="connsiteY108"/>
+              </a:cxn>
+              <a:cxn ang="0">
+                <a:pos x="connsiteX109" y="connsiteY109"/>
+              </a:cxn>
+              <a:cxn ang="0">
+                <a:pos x="connsiteX110" y="connsiteY110"/>
+              </a:cxn>
+              <a:cxn ang="0">
+                <a:pos x="connsiteX111" y="connsiteY111"/>
+              </a:cxn>
+              <a:cxn ang="0">
+                <a:pos x="connsiteX112" y="connsiteY112"/>
+              </a:cxn>
+              <a:cxn ang="0">
+                <a:pos x="connsiteX113" y="connsiteY113"/>
+              </a:cxn>
+              <a:cxn ang="0">
+                <a:pos x="connsiteX114" y="connsiteY114"/>
+              </a:cxn>
+              <a:cxn ang="0">
+                <a:pos x="connsiteX115" y="connsiteY115"/>
+              </a:cxn>
+              <a:cxn ang="0">
+                <a:pos x="connsiteX116" y="connsiteY116"/>
+              </a:cxn>
+              <a:cxn ang="0">
+                <a:pos x="connsiteX117" y="connsiteY117"/>
+              </a:cxn>
+              <a:cxn ang="0">
+                <a:pos x="connsiteX118" y="connsiteY118"/>
+              </a:cxn>
+              <a:cxn ang="0">
+                <a:pos x="connsiteX119" y="connsiteY119"/>
+              </a:cxn>
+              <a:cxn ang="0">
+                <a:pos x="connsiteX120" y="connsiteY120"/>
+              </a:cxn>
+              <a:cxn ang="0">
+                <a:pos x="connsiteX121" y="connsiteY121"/>
+              </a:cxn>
+              <a:cxn ang="0">
+                <a:pos x="connsiteX122" y="connsiteY122"/>
+              </a:cxn>
+              <a:cxn ang="0">
+                <a:pos x="connsiteX123" y="connsiteY123"/>
+              </a:cxn>
+              <a:cxn ang="0">
+                <a:pos x="connsiteX124" y="connsiteY124"/>
+              </a:cxn>
+              <a:cxn ang="0">
+                <a:pos x="connsiteX125" y="connsiteY125"/>
+              </a:cxn>
+              <a:cxn ang="0">
+                <a:pos x="connsiteX126" y="connsiteY126"/>
+              </a:cxn>
+              <a:cxn ang="0">
+                <a:pos x="connsiteX127" y="connsiteY127"/>
+              </a:cxn>
+              <a:cxn ang="0">
+                <a:pos x="connsiteX128" y="connsiteY128"/>
+              </a:cxn>
+              <a:cxn ang="0">
+                <a:pos x="connsiteX129" y="connsiteY129"/>
+              </a:cxn>
+              <a:cxn ang="0">
+                <a:pos x="connsiteX130" y="connsiteY130"/>
+              </a:cxn>
+              <a:cxn ang="0">
+                <a:pos x="connsiteX131" y="connsiteY131"/>
+              </a:cxn>
+              <a:cxn ang="0">
+                <a:pos x="connsiteX132" y="connsiteY132"/>
+              </a:cxn>
+              <a:cxn ang="0">
+                <a:pos x="connsiteX133" y="connsiteY133"/>
+              </a:cxn>
+              <a:cxn ang="0">
+                <a:pos x="connsiteX134" y="connsiteY134"/>
+              </a:cxn>
+              <a:cxn ang="0">
+                <a:pos x="connsiteX135" y="connsiteY135"/>
+              </a:cxn>
+              <a:cxn ang="0">
+                <a:pos x="connsiteX136" y="connsiteY136"/>
+              </a:cxn>
+              <a:cxn ang="0">
+                <a:pos x="connsiteX137" y="connsiteY137"/>
+              </a:cxn>
+              <a:cxn ang="0">
+                <a:pos x="connsiteX138" y="connsiteY138"/>
+              </a:cxn>
+              <a:cxn ang="0">
+                <a:pos x="connsiteX139" y="connsiteY139"/>
+              </a:cxn>
+              <a:cxn ang="0">
+                <a:pos x="connsiteX140" y="connsiteY140"/>
+              </a:cxn>
+              <a:cxn ang="0">
+                <a:pos x="connsiteX141" y="connsiteY141"/>
+              </a:cxn>
+              <a:cxn ang="0">
+                <a:pos x="connsiteX142" y="connsiteY142"/>
+              </a:cxn>
+              <a:cxn ang="0">
+                <a:pos x="connsiteX143" y="connsiteY143"/>
+              </a:cxn>
+              <a:cxn ang="0">
+                <a:pos x="connsiteX144" y="connsiteY144"/>
+              </a:cxn>
+              <a:cxn ang="0">
+                <a:pos x="connsiteX145" y="connsiteY145"/>
+              </a:cxn>
+              <a:cxn ang="0">
+                <a:pos x="connsiteX146" y="connsiteY146"/>
+              </a:cxn>
+              <a:cxn ang="0">
+                <a:pos x="connsiteX147" y="connsiteY147"/>
+              </a:cxn>
+              <a:cxn ang="0">
+                <a:pos x="connsiteX148" y="connsiteY148"/>
+              </a:cxn>
+              <a:cxn ang="0">
+                <a:pos x="connsiteX149" y="connsiteY149"/>
+              </a:cxn>
+              <a:cxn ang="0">
+                <a:pos x="connsiteX150" y="connsiteY150"/>
+              </a:cxn>
+              <a:cxn ang="0">
+                <a:pos x="connsiteX151" y="connsiteY151"/>
+              </a:cxn>
+              <a:cxn ang="0">
+                <a:pos x="connsiteX152" y="connsiteY152"/>
+              </a:cxn>
+              <a:cxn ang="0">
+                <a:pos x="connsiteX153" y="connsiteY153"/>
+              </a:cxn>
+              <a:cxn ang="0">
+                <a:pos x="connsiteX154" y="connsiteY154"/>
+              </a:cxn>
+              <a:cxn ang="0">
+                <a:pos x="connsiteX155" y="connsiteY155"/>
+              </a:cxn>
+              <a:cxn ang="0">
+                <a:pos x="connsiteX156" y="connsiteY156"/>
+              </a:cxn>
+              <a:cxn ang="0">
+                <a:pos x="connsiteX157" y="connsiteY157"/>
+              </a:cxn>
+              <a:cxn ang="0">
+                <a:pos x="connsiteX158" y="connsiteY158"/>
+              </a:cxn>
+              <a:cxn ang="0">
+                <a:pos x="connsiteX159" y="connsiteY159"/>
+              </a:cxn>
+              <a:cxn ang="0">
+                <a:pos x="connsiteX160" y="connsiteY160"/>
+              </a:cxn>
+              <a:cxn ang="0">
+                <a:pos x="connsiteX161" y="connsiteY161"/>
+              </a:cxn>
+              <a:cxn ang="0">
+                <a:pos x="connsiteX162" y="connsiteY162"/>
+              </a:cxn>
+              <a:cxn ang="0">
+                <a:pos x="connsiteX163" y="connsiteY163"/>
+              </a:cxn>
+              <a:cxn ang="0">
+                <a:pos x="connsiteX164" y="connsiteY164"/>
+              </a:cxn>
+              <a:cxn ang="0">
+                <a:pos x="connsiteX165" y="connsiteY165"/>
+              </a:cxn>
+              <a:cxn ang="0">
+                <a:pos x="connsiteX166" y="connsiteY166"/>
+              </a:cxn>
+              <a:cxn ang="0">
+                <a:pos x="connsiteX167" y="connsiteY167"/>
+              </a:cxn>
+              <a:cxn ang="0">
+                <a:pos x="connsiteX168" y="connsiteY168"/>
+              </a:cxn>
+              <a:cxn ang="0">
+                <a:pos x="connsiteX169" y="connsiteY169"/>
+              </a:cxn>
+              <a:cxn ang="0">
+                <a:pos x="connsiteX170" y="connsiteY170"/>
+              </a:cxn>
+              <a:cxn ang="0">
+                <a:pos x="connsiteX171" y="connsiteY171"/>
+              </a:cxn>
+              <a:cxn ang="0">
+                <a:pos x="connsiteX172" y="connsiteY172"/>
+              </a:cxn>
+              <a:cxn ang="0">
+                <a:pos x="connsiteX173" y="connsiteY173"/>
+              </a:cxn>
+              <a:cxn ang="0">
+                <a:pos x="connsiteX174" y="connsiteY174"/>
+              </a:cxn>
+              <a:cxn ang="0">
+                <a:pos x="connsiteX175" y="connsiteY175"/>
+              </a:cxn>
+              <a:cxn ang="0">
+                <a:pos x="connsiteX176" y="connsiteY176"/>
+              </a:cxn>
+              <a:cxn ang="0">
+                <a:pos x="connsiteX177" y="connsiteY177"/>
+              </a:cxn>
+              <a:cxn ang="0">
+                <a:pos x="connsiteX178" y="connsiteY178"/>
+              </a:cxn>
+              <a:cxn ang="0">
+                <a:pos x="connsiteX179" y="connsiteY179"/>
+              </a:cxn>
+              <a:cxn ang="0">
+                <a:pos x="connsiteX180" y="connsiteY180"/>
+              </a:cxn>
+              <a:cxn ang="0">
+                <a:pos x="connsiteX181" y="connsiteY181"/>
+              </a:cxn>
+              <a:cxn ang="0">
+                <a:pos x="connsiteX182" y="connsiteY182"/>
+              </a:cxn>
+              <a:cxn ang="0">
+                <a:pos x="connsiteX183" y="connsiteY183"/>
+              </a:cxn>
+              <a:cxn ang="0">
+                <a:pos x="connsiteX184" y="connsiteY184"/>
+              </a:cxn>
+              <a:cxn ang="0">
+                <a:pos x="connsiteX185" y="connsiteY185"/>
+              </a:cxn>
+              <a:cxn ang="0">
+                <a:pos x="connsiteX186" y="connsiteY186"/>
+              </a:cxn>
+              <a:cxn ang="0">
+                <a:pos x="connsiteX187" y="connsiteY187"/>
+              </a:cxn>
+              <a:cxn ang="0">
+                <a:pos x="connsiteX188" y="connsiteY188"/>
+              </a:cxn>
+              <a:cxn ang="0">
+                <a:pos x="connsiteX189" y="connsiteY189"/>
+              </a:cxn>
+              <a:cxn ang="0">
+                <a:pos x="connsiteX190" y="connsiteY190"/>
+              </a:cxn>
+            </a:cxnLst>
+            <a:rect l="l" t="t" r="r" b="b"/>
+            <a:pathLst>
+              <a:path w="6858001" h="874716">
+                <a:moveTo>
+                  <a:pt x="0" y="533314"/>
+                </a:moveTo>
+                <a:lnTo>
+                  <a:pt x="0" y="69206"/>
+                </a:lnTo>
+                <a:lnTo>
+                  <a:pt x="21486" y="71924"/>
+                </a:lnTo>
+                <a:cubicBezTo>
+                  <a:pt x="92546" y="60493"/>
+                  <a:pt x="159604" y="87354"/>
+                  <a:pt x="228948" y="88116"/>
+                </a:cubicBezTo>
+                <a:cubicBezTo>
+                  <a:pt x="260382" y="88496"/>
+                  <a:pt x="291435" y="94592"/>
+                  <a:pt x="313533" y="62779"/>
+                </a:cubicBezTo>
+                <a:cubicBezTo>
+                  <a:pt x="316389" y="58587"/>
+                  <a:pt x="330298" y="60873"/>
+                  <a:pt x="338870" y="62207"/>
+                </a:cubicBezTo>
+                <a:cubicBezTo>
+                  <a:pt x="357921" y="65066"/>
+                  <a:pt x="376781" y="72304"/>
+                  <a:pt x="395640" y="72114"/>
+                </a:cubicBezTo>
+                <a:cubicBezTo>
+                  <a:pt x="434695" y="71924"/>
+                  <a:pt x="473939" y="68876"/>
+                  <a:pt x="512802" y="65446"/>
+                </a:cubicBezTo>
+                <a:cubicBezTo>
+                  <a:pt x="527470" y="64112"/>
+                  <a:pt x="541569" y="58969"/>
+                  <a:pt x="556047" y="55349"/>
+                </a:cubicBezTo>
+                <a:cubicBezTo>
+                  <a:pt x="564048" y="53253"/>
+                  <a:pt x="572622" y="47729"/>
+                  <a:pt x="580050" y="48871"/>
+                </a:cubicBezTo>
+                <a:cubicBezTo>
+                  <a:pt x="623106" y="55539"/>
+                  <a:pt x="662541" y="39157"/>
+                  <a:pt x="703308" y="30964"/>
+                </a:cubicBezTo>
+                <a:cubicBezTo>
+                  <a:pt x="722169" y="27154"/>
+                  <a:pt x="739886" y="18010"/>
+                  <a:pt x="758174" y="11724"/>
+                </a:cubicBezTo>
+                <a:cubicBezTo>
+                  <a:pt x="762936" y="10008"/>
+                  <a:pt x="768271" y="8484"/>
+                  <a:pt x="773035" y="8866"/>
+                </a:cubicBezTo>
+                <a:cubicBezTo>
+                  <a:pt x="800276" y="11152"/>
+                  <a:pt x="827329" y="14390"/>
+                  <a:pt x="854379" y="16866"/>
+                </a:cubicBezTo>
+                <a:cubicBezTo>
+                  <a:pt x="878956" y="19152"/>
+                  <a:pt x="903722" y="19914"/>
+                  <a:pt x="915343" y="47919"/>
+                </a:cubicBezTo>
+                <a:cubicBezTo>
+                  <a:pt x="917059" y="52301"/>
+                  <a:pt x="922773" y="55539"/>
+                  <a:pt x="927155" y="58397"/>
+                </a:cubicBezTo>
+                <a:cubicBezTo>
+                  <a:pt x="994785" y="102405"/>
+                  <a:pt x="1030980" y="101261"/>
+                  <a:pt x="1097087" y="54777"/>
+                </a:cubicBezTo>
+                <a:cubicBezTo>
+                  <a:pt x="1103945" y="50015"/>
+                  <a:pt x="1118613" y="46585"/>
+                  <a:pt x="1123185" y="50395"/>
+                </a:cubicBezTo>
+                <a:cubicBezTo>
+                  <a:pt x="1162049" y="82020"/>
+                  <a:pt x="1204532" y="78590"/>
+                  <a:pt x="1249302" y="68684"/>
+                </a:cubicBezTo>
+                <a:cubicBezTo>
+                  <a:pt x="1260922" y="66018"/>
+                  <a:pt x="1277307" y="66018"/>
+                  <a:pt x="1286069" y="72304"/>
+                </a:cubicBezTo>
+                <a:cubicBezTo>
+                  <a:pt x="1327790" y="101451"/>
+                  <a:pt x="1372560" y="97261"/>
+                  <a:pt x="1417899" y="88688"/>
+                </a:cubicBezTo>
+                <a:cubicBezTo>
+                  <a:pt x="1424948" y="87354"/>
+                  <a:pt x="1433522" y="80114"/>
+                  <a:pt x="1436568" y="73448"/>
+                </a:cubicBezTo>
+                <a:cubicBezTo>
+                  <a:pt x="1447428" y="49825"/>
+                  <a:pt x="1467813" y="41823"/>
+                  <a:pt x="1490292" y="35154"/>
+                </a:cubicBezTo>
+                <a:cubicBezTo>
+                  <a:pt x="1525727" y="24296"/>
+                  <a:pt x="1560588" y="11532"/>
+                  <a:pt x="1596213" y="1245"/>
+                </a:cubicBezTo>
+                <a:cubicBezTo>
+                  <a:pt x="1604978" y="-1231"/>
+                  <a:pt x="1615836" y="293"/>
+                  <a:pt x="1624980" y="3150"/>
+                </a:cubicBezTo>
+                <a:cubicBezTo>
+                  <a:pt x="1656223" y="12866"/>
+                  <a:pt x="1676036" y="37251"/>
+                  <a:pt x="1697753" y="59731"/>
+                </a:cubicBezTo>
+                <a:cubicBezTo>
+                  <a:pt x="1707279" y="69638"/>
+                  <a:pt x="1720423" y="76686"/>
+                  <a:pt x="1733188" y="82400"/>
+                </a:cubicBezTo>
+                <a:cubicBezTo>
+                  <a:pt x="1766335" y="97071"/>
+                  <a:pt x="1800246" y="110215"/>
+                  <a:pt x="1833775" y="124121"/>
+                </a:cubicBezTo>
+                <a:cubicBezTo>
+                  <a:pt x="1837013" y="125455"/>
+                  <a:pt x="1839679" y="128884"/>
+                  <a:pt x="1842158" y="131742"/>
+                </a:cubicBezTo>
+                <a:cubicBezTo>
+                  <a:pt x="1866922" y="161843"/>
+                  <a:pt x="1891497" y="192132"/>
+                  <a:pt x="1916454" y="222233"/>
+                </a:cubicBezTo>
+                <a:cubicBezTo>
+                  <a:pt x="1921216" y="227947"/>
+                  <a:pt x="1928076" y="232139"/>
+                  <a:pt x="1933219" y="237663"/>
+                </a:cubicBezTo>
+                <a:cubicBezTo>
+                  <a:pt x="1940459" y="245283"/>
+                  <a:pt x="1949603" y="252524"/>
+                  <a:pt x="1953413" y="261668"/>
+                </a:cubicBezTo>
+                <a:cubicBezTo>
+                  <a:pt x="1965224" y="290433"/>
+                  <a:pt x="1987894" y="302817"/>
+                  <a:pt x="2016469" y="308151"/>
+                </a:cubicBezTo>
+                <a:cubicBezTo>
+                  <a:pt x="2042570" y="313104"/>
+                  <a:pt x="2068669" y="317296"/>
+                  <a:pt x="2094578" y="323010"/>
+                </a:cubicBezTo>
+                <a:cubicBezTo>
+                  <a:pt x="2126201" y="329868"/>
+                  <a:pt x="2157636" y="337298"/>
+                  <a:pt x="2188879" y="345681"/>
+                </a:cubicBezTo>
+                <a:cubicBezTo>
+                  <a:pt x="2202404" y="349301"/>
+                  <a:pt x="2216692" y="353491"/>
+                  <a:pt x="2228314" y="360921"/>
+                </a:cubicBezTo>
+                <a:cubicBezTo>
+                  <a:pt x="2260890" y="381496"/>
+                  <a:pt x="2295753" y="395402"/>
+                  <a:pt x="2334044" y="389878"/>
+                </a:cubicBezTo>
+                <a:cubicBezTo>
+                  <a:pt x="2364715" y="385496"/>
+                  <a:pt x="2390434" y="396736"/>
+                  <a:pt x="2409485" y="414263"/>
+                </a:cubicBezTo>
+                <a:cubicBezTo>
+                  <a:pt x="2444158" y="446078"/>
+                  <a:pt x="2481305" y="438838"/>
+                  <a:pt x="2518264" y="428552"/>
+                </a:cubicBezTo>
+                <a:cubicBezTo>
+                  <a:pt x="2537315" y="423217"/>
+                  <a:pt x="2552935" y="423979"/>
+                  <a:pt x="2571034" y="429122"/>
+                </a:cubicBezTo>
+                <a:cubicBezTo>
+                  <a:pt x="2612945" y="441124"/>
+                  <a:pt x="2640950" y="473701"/>
+                  <a:pt x="2668001" y="502276"/>
+                </a:cubicBezTo>
+                <a:cubicBezTo>
+                  <a:pt x="2691054" y="526661"/>
+                  <a:pt x="2716963" y="540377"/>
+                  <a:pt x="2745348" y="550666"/>
+                </a:cubicBezTo>
+                <a:cubicBezTo>
+                  <a:pt x="2781163" y="563810"/>
+                  <a:pt x="2809548" y="558858"/>
+                  <a:pt x="2826694" y="527233"/>
+                </a:cubicBezTo>
+                <a:cubicBezTo>
+                  <a:pt x="2831457" y="518278"/>
+                  <a:pt x="2839839" y="507800"/>
+                  <a:pt x="2848793" y="505134"/>
+                </a:cubicBezTo>
+                <a:cubicBezTo>
+                  <a:pt x="2892037" y="491800"/>
+                  <a:pt x="2935854" y="472367"/>
+                  <a:pt x="2982148" y="484179"/>
+                </a:cubicBezTo>
+                <a:cubicBezTo>
+                  <a:pt x="3046158" y="500372"/>
+                  <a:pt x="3108644" y="499420"/>
+                  <a:pt x="3172654" y="483417"/>
+                </a:cubicBezTo>
+                <a:cubicBezTo>
+                  <a:pt x="3276480" y="457508"/>
+                  <a:pt x="3380305" y="430076"/>
+                  <a:pt x="3489467" y="435790"/>
+                </a:cubicBezTo>
+                <a:cubicBezTo>
+                  <a:pt x="3507563" y="436742"/>
+                  <a:pt x="3529090" y="425121"/>
+                  <a:pt x="3544713" y="413691"/>
+                </a:cubicBezTo>
+                <a:cubicBezTo>
+                  <a:pt x="3574622" y="391974"/>
+                  <a:pt x="3573288" y="390258"/>
+                  <a:pt x="3606817" y="408167"/>
+                </a:cubicBezTo>
+                <a:cubicBezTo>
+                  <a:pt x="3614819" y="412549"/>
+                  <a:pt x="3624725" y="415215"/>
+                  <a:pt x="3630632" y="421693"/>
+                </a:cubicBezTo>
+                <a:cubicBezTo>
+                  <a:pt x="3660731" y="454650"/>
+                  <a:pt x="3697880" y="446648"/>
+                  <a:pt x="3734837" y="441886"/>
+                </a:cubicBezTo>
+                <a:cubicBezTo>
+                  <a:pt x="3741315" y="440934"/>
+                  <a:pt x="3749125" y="439600"/>
+                  <a:pt x="3754652" y="442268"/>
+                </a:cubicBezTo>
+                <a:cubicBezTo>
+                  <a:pt x="3779607" y="454268"/>
+                  <a:pt x="3800753" y="450078"/>
+                  <a:pt x="3822472" y="433694"/>
+                </a:cubicBezTo>
+                <a:cubicBezTo>
+                  <a:pt x="3841331" y="419597"/>
+                  <a:pt x="3863049" y="411215"/>
+                  <a:pt x="3885338" y="428742"/>
+                </a:cubicBezTo>
+                <a:cubicBezTo>
+                  <a:pt x="3934870" y="467605"/>
+                  <a:pt x="3987829" y="469509"/>
+                  <a:pt x="4043839" y="444934"/>
+                </a:cubicBezTo>
+                <a:cubicBezTo>
+                  <a:pt x="4083845" y="427407"/>
+                  <a:pt x="4123280" y="423407"/>
+                  <a:pt x="4165383" y="441124"/>
+                </a:cubicBezTo>
+                <a:cubicBezTo>
+                  <a:pt x="4181576" y="447982"/>
+                  <a:pt x="4202531" y="443410"/>
+                  <a:pt x="4221391" y="444934"/>
+                </a:cubicBezTo>
+                <a:cubicBezTo>
+                  <a:pt x="4232060" y="445696"/>
+                  <a:pt x="4243872" y="445886"/>
+                  <a:pt x="4253014" y="450650"/>
+                </a:cubicBezTo>
+                <a:cubicBezTo>
+                  <a:pt x="4277401" y="462843"/>
+                  <a:pt x="4300070" y="478463"/>
+                  <a:pt x="4324645" y="490466"/>
+                </a:cubicBezTo>
+                <a:cubicBezTo>
+                  <a:pt x="4336457" y="496180"/>
+                  <a:pt x="4350554" y="499228"/>
+                  <a:pt x="4363890" y="499420"/>
+                </a:cubicBezTo>
+                <a:cubicBezTo>
+                  <a:pt x="4403325" y="500372"/>
+                  <a:pt x="4442761" y="500372"/>
+                  <a:pt x="4482004" y="498658"/>
+                </a:cubicBezTo>
+                <a:cubicBezTo>
+                  <a:pt x="4546776" y="495990"/>
+                  <a:pt x="4612500" y="495418"/>
+                  <a:pt x="4659174" y="438648"/>
+                </a:cubicBezTo>
+                <a:cubicBezTo>
+                  <a:pt x="4662986" y="434076"/>
+                  <a:pt x="4671176" y="431408"/>
+                  <a:pt x="4677655" y="430646"/>
+                </a:cubicBezTo>
+                <a:cubicBezTo>
+                  <a:pt x="4707564" y="427027"/>
+                  <a:pt x="4738235" y="426645"/>
+                  <a:pt x="4767764" y="420739"/>
+                </a:cubicBezTo>
+                <a:cubicBezTo>
+                  <a:pt x="4791386" y="415977"/>
+                  <a:pt x="4811009" y="417501"/>
+                  <a:pt x="4828916" y="434266"/>
+                </a:cubicBezTo>
+                <a:cubicBezTo>
+                  <a:pt x="4852348" y="456364"/>
+                  <a:pt x="4880925" y="469319"/>
+                  <a:pt x="4912168" y="462271"/>
+                </a:cubicBezTo>
+                <a:cubicBezTo>
+                  <a:pt x="4943409" y="455412"/>
+                  <a:pt x="4963984" y="470271"/>
+                  <a:pt x="4987037" y="485703"/>
+                </a:cubicBezTo>
+                <a:cubicBezTo>
+                  <a:pt x="5003801" y="496942"/>
+                  <a:pt x="5022852" y="511040"/>
+                  <a:pt x="5041521" y="512182"/>
+                </a:cubicBezTo>
+                <a:cubicBezTo>
+                  <a:pt x="5083814" y="514658"/>
+                  <a:pt x="5120201" y="553904"/>
+                  <a:pt x="5166113" y="531615"/>
+                </a:cubicBezTo>
+                <a:cubicBezTo>
+                  <a:pt x="5169161" y="530091"/>
+                  <a:pt x="5174685" y="533901"/>
+                  <a:pt x="5179067" y="534853"/>
+                </a:cubicBezTo>
+                <a:cubicBezTo>
+                  <a:pt x="5214121" y="542093"/>
+                  <a:pt x="5247078" y="535043"/>
+                  <a:pt x="5272796" y="511230"/>
+                </a:cubicBezTo>
+                <a:cubicBezTo>
+                  <a:pt x="5306516" y="480177"/>
+                  <a:pt x="5343855" y="477129"/>
+                  <a:pt x="5385384" y="487227"/>
+                </a:cubicBezTo>
+                <a:cubicBezTo>
+                  <a:pt x="5398721" y="490466"/>
+                  <a:pt x="5412057" y="492752"/>
+                  <a:pt x="5425582" y="495418"/>
+                </a:cubicBezTo>
+                <a:cubicBezTo>
+                  <a:pt x="5443870" y="499228"/>
+                  <a:pt x="5462351" y="503230"/>
+                  <a:pt x="5480637" y="507040"/>
+                </a:cubicBezTo>
+                <a:cubicBezTo>
+                  <a:pt x="5498356" y="510850"/>
+                  <a:pt x="5517979" y="517326"/>
+                  <a:pt x="5531693" y="500944"/>
+                </a:cubicBezTo>
+                <a:cubicBezTo>
+                  <a:pt x="5543506" y="486845"/>
+                  <a:pt x="5551888" y="488179"/>
+                  <a:pt x="5562746" y="500372"/>
+                </a:cubicBezTo>
+                <a:cubicBezTo>
+                  <a:pt x="5600467" y="543045"/>
+                  <a:pt x="5646189" y="569716"/>
+                  <a:pt x="5704483" y="571620"/>
+                </a:cubicBezTo>
+                <a:cubicBezTo>
+                  <a:pt x="5716485" y="572002"/>
+                  <a:pt x="5728678" y="574668"/>
+                  <a:pt x="5740488" y="577526"/>
+                </a:cubicBezTo>
+                <a:cubicBezTo>
+                  <a:pt x="5747728" y="579241"/>
+                  <a:pt x="5756493" y="581147"/>
+                  <a:pt x="5760873" y="586291"/>
+                </a:cubicBezTo>
+                <a:cubicBezTo>
+                  <a:pt x="5794974" y="625534"/>
+                  <a:pt x="5837457" y="652777"/>
+                  <a:pt x="5883751" y="674686"/>
+                </a:cubicBezTo>
+                <a:cubicBezTo>
+                  <a:pt x="5900323" y="682496"/>
+                  <a:pt x="5918042" y="690306"/>
+                  <a:pt x="5935949" y="692592"/>
+                </a:cubicBezTo>
+                <a:cubicBezTo>
+                  <a:pt x="5954617" y="694878"/>
+                  <a:pt x="5974240" y="691068"/>
+                  <a:pt x="5993291" y="688972"/>
+                </a:cubicBezTo>
+                <a:cubicBezTo>
+                  <a:pt x="6004531" y="687830"/>
+                  <a:pt x="6017485" y="688020"/>
+                  <a:pt x="6026440" y="682496"/>
+                </a:cubicBezTo>
+                <a:cubicBezTo>
+                  <a:pt x="6054825" y="665159"/>
+                  <a:pt x="6082258" y="646491"/>
+                  <a:pt x="6108738" y="626296"/>
+                </a:cubicBezTo>
+                <a:cubicBezTo>
+                  <a:pt x="6131409" y="608960"/>
+                  <a:pt x="6135981" y="606483"/>
+                  <a:pt x="6155602" y="628202"/>
+                </a:cubicBezTo>
+                <a:cubicBezTo>
+                  <a:pt x="6175797" y="650491"/>
+                  <a:pt x="6200944" y="662111"/>
+                  <a:pt x="6228756" y="666873"/>
+                </a:cubicBezTo>
+                <a:cubicBezTo>
+                  <a:pt x="6272764" y="674304"/>
+                  <a:pt x="6317151" y="680590"/>
+                  <a:pt x="6361539" y="684210"/>
+                </a:cubicBezTo>
+                <a:cubicBezTo>
+                  <a:pt x="6401736" y="687448"/>
+                  <a:pt x="6420977" y="669922"/>
+                  <a:pt x="6428979" y="630106"/>
+                </a:cubicBezTo>
+                <a:cubicBezTo>
+                  <a:pt x="6433551" y="608007"/>
+                  <a:pt x="6439458" y="584003"/>
+                  <a:pt x="6463840" y="578098"/>
+                </a:cubicBezTo>
+                <a:cubicBezTo>
+                  <a:pt x="6503658" y="568572"/>
+                  <a:pt x="6544997" y="564382"/>
+                  <a:pt x="6564620" y="517708"/>
+                </a:cubicBezTo>
+                <a:cubicBezTo>
+                  <a:pt x="6575478" y="527995"/>
+                  <a:pt x="6582146" y="534091"/>
+                  <a:pt x="6588625" y="540187"/>
+                </a:cubicBezTo>
+                <a:cubicBezTo>
+                  <a:pt x="6606531" y="557142"/>
+                  <a:pt x="6643678" y="564382"/>
+                  <a:pt x="6662541" y="549714"/>
+                </a:cubicBezTo>
+                <a:cubicBezTo>
+                  <a:pt x="6690354" y="528377"/>
+                  <a:pt x="6715883" y="532377"/>
+                  <a:pt x="6742552" y="548952"/>
+                </a:cubicBezTo>
+                <a:cubicBezTo>
+                  <a:pt x="6764841" y="562668"/>
+                  <a:pt x="6788417" y="567954"/>
+                  <a:pt x="6812063" y="568430"/>
+                </a:cubicBezTo>
+                <a:lnTo>
+                  <a:pt x="6858001" y="562267"/>
+                </a:lnTo>
+                <a:lnTo>
+                  <a:pt x="6858001" y="734520"/>
+                </a:lnTo>
+                <a:lnTo>
+                  <a:pt x="6815516" y="744220"/>
+                </a:lnTo>
+                <a:cubicBezTo>
+                  <a:pt x="6793035" y="749744"/>
+                  <a:pt x="6771319" y="759651"/>
+                  <a:pt x="6748458" y="763271"/>
+                </a:cubicBezTo>
+                <a:cubicBezTo>
+                  <a:pt x="6694164" y="771843"/>
+                  <a:pt x="6639488" y="777939"/>
+                  <a:pt x="6584812" y="784797"/>
+                </a:cubicBezTo>
+                <a:cubicBezTo>
+                  <a:pt x="6528424" y="791846"/>
+                  <a:pt x="6472225" y="799276"/>
+                  <a:pt x="6415833" y="805562"/>
+                </a:cubicBezTo>
+                <a:cubicBezTo>
+                  <a:pt x="6384972" y="808802"/>
+                  <a:pt x="6353919" y="809372"/>
+                  <a:pt x="6323058" y="812420"/>
+                </a:cubicBezTo>
+                <a:cubicBezTo>
+                  <a:pt x="6296005" y="815088"/>
+                  <a:pt x="6269144" y="820041"/>
+                  <a:pt x="6242093" y="823281"/>
+                </a:cubicBezTo>
+                <a:cubicBezTo>
+                  <a:pt x="6218660" y="825947"/>
+                  <a:pt x="6195037" y="827471"/>
+                  <a:pt x="6171605" y="830139"/>
+                </a:cubicBezTo>
+                <a:cubicBezTo>
+                  <a:pt x="6134075" y="834519"/>
+                  <a:pt x="6096736" y="839473"/>
+                  <a:pt x="6059397" y="844045"/>
+                </a:cubicBezTo>
+                <a:cubicBezTo>
+                  <a:pt x="6043776" y="845759"/>
+                  <a:pt x="6027392" y="850522"/>
+                  <a:pt x="6012723" y="847665"/>
+                </a:cubicBezTo>
+                <a:cubicBezTo>
+                  <a:pt x="5975764" y="840425"/>
+                  <a:pt x="5939377" y="842521"/>
+                  <a:pt x="5902610" y="847473"/>
+                </a:cubicBezTo>
+                <a:cubicBezTo>
+                  <a:pt x="5890037" y="849190"/>
+                  <a:pt x="5876511" y="848808"/>
+                  <a:pt x="5864318" y="845569"/>
+                </a:cubicBezTo>
+                <a:cubicBezTo>
+                  <a:pt x="5839361" y="839091"/>
+                  <a:pt x="5815169" y="829947"/>
+                  <a:pt x="5790592" y="821947"/>
+                </a:cubicBezTo>
+                <a:cubicBezTo>
+                  <a:pt x="5787924" y="820995"/>
+                  <a:pt x="5784686" y="820803"/>
+                  <a:pt x="5781830" y="820233"/>
+                </a:cubicBezTo>
+                <a:cubicBezTo>
+                  <a:pt x="5765635" y="816992"/>
+                  <a:pt x="5749634" y="813754"/>
+                  <a:pt x="5733440" y="810896"/>
+                </a:cubicBezTo>
+                <a:cubicBezTo>
+                  <a:pt x="5724678" y="809372"/>
+                  <a:pt x="5715723" y="809182"/>
+                  <a:pt x="5706959" y="807848"/>
+                </a:cubicBezTo>
+                <a:cubicBezTo>
+                  <a:pt x="5673050" y="802514"/>
+                  <a:pt x="5635711" y="811468"/>
+                  <a:pt x="5606372" y="788417"/>
+                </a:cubicBezTo>
+                <a:cubicBezTo>
+                  <a:pt x="5587321" y="773557"/>
+                  <a:pt x="5568842" y="776987"/>
+                  <a:pt x="5548460" y="779273"/>
+                </a:cubicBezTo>
+                <a:cubicBezTo>
+                  <a:pt x="5533027" y="780987"/>
+                  <a:pt x="5517215" y="780415"/>
+                  <a:pt x="5501594" y="780607"/>
+                </a:cubicBezTo>
+                <a:cubicBezTo>
+                  <a:pt x="5474161" y="781177"/>
+                  <a:pt x="5446728" y="781369"/>
+                  <a:pt x="5419295" y="782321"/>
+                </a:cubicBezTo>
+                <a:cubicBezTo>
+                  <a:pt x="5410531" y="782701"/>
+                  <a:pt x="5401579" y="787465"/>
+                  <a:pt x="5393005" y="786703"/>
+                </a:cubicBezTo>
+                <a:cubicBezTo>
+                  <a:pt x="5353379" y="783083"/>
+                  <a:pt x="5313754" y="777367"/>
+                  <a:pt x="5274129" y="774129"/>
+                </a:cubicBezTo>
+                <a:cubicBezTo>
+                  <a:pt x="5251650" y="772225"/>
+                  <a:pt x="5228597" y="775843"/>
+                  <a:pt x="5206308" y="773177"/>
+                </a:cubicBezTo>
+                <a:cubicBezTo>
+                  <a:pt x="5180591" y="770129"/>
+                  <a:pt x="5155445" y="762319"/>
+                  <a:pt x="5129916" y="757554"/>
+                </a:cubicBezTo>
+                <a:cubicBezTo>
+                  <a:pt x="5122867" y="756222"/>
+                  <a:pt x="5115057" y="757936"/>
+                  <a:pt x="5107627" y="758316"/>
+                </a:cubicBezTo>
+                <a:cubicBezTo>
+                  <a:pt x="5099245" y="758699"/>
+                  <a:pt x="5091052" y="759461"/>
+                  <a:pt x="5082670" y="759651"/>
+                </a:cubicBezTo>
+                <a:cubicBezTo>
+                  <a:pt x="5057141" y="760033"/>
+                  <a:pt x="5031614" y="759461"/>
+                  <a:pt x="5006086" y="760795"/>
+                </a:cubicBezTo>
+                <a:cubicBezTo>
+                  <a:pt x="4990465" y="761557"/>
+                  <a:pt x="4974082" y="769367"/>
+                  <a:pt x="4959602" y="766509"/>
+                </a:cubicBezTo>
+                <a:cubicBezTo>
+                  <a:pt x="4930075" y="760985"/>
+                  <a:pt x="4900546" y="773367"/>
+                  <a:pt x="4871019" y="763081"/>
+                </a:cubicBezTo>
+                <a:cubicBezTo>
+                  <a:pt x="4861873" y="760033"/>
+                  <a:pt x="4849300" y="767653"/>
+                  <a:pt x="4838250" y="768033"/>
+                </a:cubicBezTo>
+                <a:cubicBezTo>
+                  <a:pt x="4810627" y="768985"/>
+                  <a:pt x="4783004" y="768795"/>
+                  <a:pt x="4755381" y="768605"/>
+                </a:cubicBezTo>
+                <a:cubicBezTo>
+                  <a:pt x="4730614" y="768415"/>
+                  <a:pt x="4704895" y="771081"/>
+                  <a:pt x="4681083" y="765747"/>
+                </a:cubicBezTo>
+                <a:cubicBezTo>
+                  <a:pt x="4656126" y="760033"/>
+                  <a:pt x="4633647" y="760795"/>
+                  <a:pt x="4609452" y="767271"/>
+                </a:cubicBezTo>
+                <a:cubicBezTo>
+                  <a:pt x="4592878" y="771653"/>
+                  <a:pt x="4575351" y="772225"/>
+                  <a:pt x="4558207" y="773557"/>
+                </a:cubicBezTo>
+                <a:cubicBezTo>
+                  <a:pt x="4539728" y="775081"/>
+                  <a:pt x="4519343" y="771081"/>
+                  <a:pt x="4502579" y="777367"/>
+                </a:cubicBezTo>
+                <a:cubicBezTo>
+                  <a:pt x="4452665" y="796038"/>
+                  <a:pt x="4401419" y="800038"/>
+                  <a:pt x="4349222" y="800038"/>
+                </a:cubicBezTo>
+                <a:cubicBezTo>
+                  <a:pt x="4339695" y="800038"/>
+                  <a:pt x="4329979" y="797372"/>
+                  <a:pt x="4320837" y="794514"/>
+                </a:cubicBezTo>
+                <a:cubicBezTo>
+                  <a:pt x="4267493" y="777367"/>
+                  <a:pt x="4213961" y="778891"/>
+                  <a:pt x="4159667" y="789370"/>
+                </a:cubicBezTo>
+                <a:cubicBezTo>
+                  <a:pt x="4148427" y="791656"/>
+                  <a:pt x="4135854" y="792038"/>
+                  <a:pt x="4124614" y="789752"/>
+                </a:cubicBezTo>
+                <a:cubicBezTo>
+                  <a:pt x="4092989" y="783083"/>
+                  <a:pt x="4062318" y="772033"/>
+                  <a:pt x="4030503" y="767271"/>
+                </a:cubicBezTo>
+                <a:cubicBezTo>
+                  <a:pt x="3977925" y="759461"/>
+                  <a:pt x="3932394" y="785749"/>
+                  <a:pt x="3885338" y="802896"/>
+                </a:cubicBezTo>
+                <a:cubicBezTo>
+                  <a:pt x="3840569" y="819089"/>
+                  <a:pt x="3802467" y="855666"/>
+                  <a:pt x="3749506" y="847473"/>
+                </a:cubicBezTo>
+                <a:cubicBezTo>
+                  <a:pt x="3744173" y="846711"/>
+                  <a:pt x="3738267" y="851856"/>
+                  <a:pt x="3732361" y="853190"/>
+                </a:cubicBezTo>
+                <a:cubicBezTo>
+                  <a:pt x="3716168" y="856810"/>
+                  <a:pt x="3699976" y="861190"/>
+                  <a:pt x="3683591" y="862906"/>
+                </a:cubicBezTo>
+                <a:cubicBezTo>
+                  <a:pt x="3663589" y="865192"/>
+                  <a:pt x="3643204" y="864430"/>
+                  <a:pt x="3623201" y="866334"/>
+                </a:cubicBezTo>
+                <a:cubicBezTo>
+                  <a:pt x="3597482" y="868620"/>
+                  <a:pt x="3572146" y="874716"/>
+                  <a:pt x="3546617" y="874716"/>
+                </a:cubicBezTo>
+                <a:cubicBezTo>
+                  <a:pt x="3526042" y="874716"/>
+                  <a:pt x="3505657" y="867668"/>
+                  <a:pt x="3485275" y="864238"/>
+                </a:cubicBezTo>
+                <a:cubicBezTo>
+                  <a:pt x="3456508" y="859476"/>
+                  <a:pt x="3424883" y="860810"/>
+                  <a:pt x="3399546" y="848618"/>
+                </a:cubicBezTo>
+                <a:cubicBezTo>
+                  <a:pt x="3372495" y="835663"/>
+                  <a:pt x="3346776" y="829757"/>
+                  <a:pt x="3318771" y="833757"/>
+                </a:cubicBezTo>
+                <a:cubicBezTo>
+                  <a:pt x="3309437" y="835091"/>
+                  <a:pt x="3297434" y="843093"/>
+                  <a:pt x="3293244" y="851284"/>
+                </a:cubicBezTo>
+                <a:cubicBezTo>
+                  <a:pt x="3283908" y="869572"/>
+                  <a:pt x="3271145" y="872812"/>
+                  <a:pt x="3253809" y="866524"/>
+                </a:cubicBezTo>
+                <a:cubicBezTo>
+                  <a:pt x="3238758" y="861190"/>
+                  <a:pt x="3220280" y="858524"/>
+                  <a:pt x="3209993" y="848235"/>
+                </a:cubicBezTo>
+                <a:cubicBezTo>
+                  <a:pt x="3180844" y="819089"/>
+                  <a:pt x="3143695" y="818136"/>
+                  <a:pt x="3107500" y="810326"/>
+                </a:cubicBezTo>
+                <a:cubicBezTo>
+                  <a:pt x="3085403" y="805562"/>
+                  <a:pt x="3064827" y="805372"/>
+                  <a:pt x="3042728" y="808610"/>
+                </a:cubicBezTo>
+                <a:cubicBezTo>
+                  <a:pt x="2994722" y="815850"/>
+                  <a:pt x="2948047" y="805562"/>
+                  <a:pt x="2901943" y="792418"/>
+                </a:cubicBezTo>
+                <a:cubicBezTo>
+                  <a:pt x="2871462" y="783655"/>
+                  <a:pt x="2840219" y="778321"/>
+                  <a:pt x="2809930" y="769367"/>
+                </a:cubicBezTo>
+                <a:cubicBezTo>
+                  <a:pt x="2787259" y="762509"/>
+                  <a:pt x="2764590" y="754316"/>
+                  <a:pt x="2743826" y="743268"/>
+                </a:cubicBezTo>
+                <a:cubicBezTo>
+                  <a:pt x="2713723" y="727073"/>
+                  <a:pt x="2687436" y="702689"/>
+                  <a:pt x="2649143" y="709167"/>
+                </a:cubicBezTo>
+                <a:cubicBezTo>
+                  <a:pt x="2615421" y="714881"/>
+                  <a:pt x="2584942" y="702881"/>
+                  <a:pt x="2554079" y="691450"/>
+                </a:cubicBezTo>
+                <a:cubicBezTo>
+                  <a:pt x="2531409" y="683068"/>
+                  <a:pt x="2508742" y="674494"/>
+                  <a:pt x="2485307" y="669160"/>
+                </a:cubicBezTo>
+                <a:cubicBezTo>
+                  <a:pt x="2457492" y="662873"/>
+                  <a:pt x="2426059" y="665541"/>
+                  <a:pt x="2401292" y="653919"/>
+                </a:cubicBezTo>
+                <a:cubicBezTo>
+                  <a:pt x="2375383" y="641727"/>
+                  <a:pt x="2353859" y="649919"/>
+                  <a:pt x="2330806" y="653349"/>
+                </a:cubicBezTo>
+                <a:cubicBezTo>
+                  <a:pt x="2294039" y="658683"/>
+                  <a:pt x="2257459" y="668590"/>
+                  <a:pt x="2220312" y="656015"/>
+                </a:cubicBezTo>
+                <a:cubicBezTo>
+                  <a:pt x="2175163" y="640775"/>
+                  <a:pt x="2130393" y="624392"/>
+                  <a:pt x="2085054" y="609914"/>
+                </a:cubicBezTo>
+                <a:cubicBezTo>
+                  <a:pt x="2067525" y="604387"/>
+                  <a:pt x="2048668" y="602101"/>
+                  <a:pt x="2030378" y="599625"/>
+                </a:cubicBezTo>
+                <a:cubicBezTo>
+                  <a:pt x="2013043" y="597529"/>
+                  <a:pt x="1992279" y="602863"/>
+                  <a:pt x="1978940" y="594863"/>
+                </a:cubicBezTo>
+                <a:cubicBezTo>
+                  <a:pt x="1944649" y="574288"/>
+                  <a:pt x="1909408" y="564192"/>
+                  <a:pt x="1869780" y="564192"/>
+                </a:cubicBezTo>
+                <a:cubicBezTo>
+                  <a:pt x="1854920" y="564192"/>
+                  <a:pt x="1840441" y="555618"/>
+                  <a:pt x="1825393" y="554094"/>
+                </a:cubicBezTo>
+                <a:cubicBezTo>
+                  <a:pt x="1804816" y="552190"/>
+                  <a:pt x="1781194" y="547045"/>
+                  <a:pt x="1763287" y="554286"/>
+                </a:cubicBezTo>
+                <a:cubicBezTo>
+                  <a:pt x="1721185" y="571430"/>
+                  <a:pt x="1687086" y="557142"/>
+                  <a:pt x="1650317" y="540187"/>
+                </a:cubicBezTo>
+                <a:cubicBezTo>
+                  <a:pt x="1614120" y="523423"/>
+                  <a:pt x="1576019" y="510088"/>
+                  <a:pt x="1537537" y="499038"/>
+                </a:cubicBezTo>
+                <a:cubicBezTo>
+                  <a:pt x="1523059" y="495038"/>
+                  <a:pt x="1505724" y="501706"/>
+                  <a:pt x="1489720" y="503038"/>
+                </a:cubicBezTo>
+                <a:cubicBezTo>
+                  <a:pt x="1484004" y="503420"/>
+                  <a:pt x="1477717" y="503992"/>
+                  <a:pt x="1472575" y="502086"/>
+                </a:cubicBezTo>
+                <a:cubicBezTo>
+                  <a:pt x="1422854" y="483797"/>
+                  <a:pt x="1372368" y="469891"/>
+                  <a:pt x="1318456" y="479415"/>
+                </a:cubicBezTo>
+                <a:cubicBezTo>
+                  <a:pt x="1313504" y="480369"/>
+                  <a:pt x="1307978" y="478273"/>
+                  <a:pt x="1303024" y="476939"/>
+                </a:cubicBezTo>
+                <a:cubicBezTo>
+                  <a:pt x="1278829" y="470081"/>
+                  <a:pt x="1255206" y="459223"/>
+                  <a:pt x="1230633" y="456746"/>
+                </a:cubicBezTo>
+                <a:cubicBezTo>
+                  <a:pt x="1170051" y="450650"/>
+                  <a:pt x="1109091" y="448172"/>
+                  <a:pt x="1048125" y="444172"/>
+                </a:cubicBezTo>
+                <a:cubicBezTo>
+                  <a:pt x="1044315" y="443982"/>
+                  <a:pt x="1040315" y="443982"/>
+                  <a:pt x="1036887" y="442648"/>
+                </a:cubicBezTo>
+                <a:cubicBezTo>
+                  <a:pt x="1014406" y="434456"/>
+                  <a:pt x="994785" y="437124"/>
+                  <a:pt x="975733" y="452744"/>
+                </a:cubicBezTo>
+                <a:cubicBezTo>
+                  <a:pt x="967350" y="459603"/>
+                  <a:pt x="955920" y="463223"/>
+                  <a:pt x="945444" y="467033"/>
+                </a:cubicBezTo>
+                <a:cubicBezTo>
+                  <a:pt x="930011" y="472749"/>
+                  <a:pt x="914200" y="478273"/>
+                  <a:pt x="898198" y="481893"/>
+                </a:cubicBezTo>
+                <a:cubicBezTo>
+                  <a:pt x="882384" y="485321"/>
+                  <a:pt x="865430" y="490084"/>
+                  <a:pt x="850189" y="487417"/>
+                </a:cubicBezTo>
+                <a:cubicBezTo>
+                  <a:pt x="822756" y="482655"/>
+                  <a:pt x="796655" y="471987"/>
+                  <a:pt x="769605" y="464937"/>
+                </a:cubicBezTo>
+                <a:cubicBezTo>
+                  <a:pt x="760270" y="462461"/>
+                  <a:pt x="749982" y="462843"/>
+                  <a:pt x="740268" y="462651"/>
+                </a:cubicBezTo>
+                <a:cubicBezTo>
+                  <a:pt x="717977" y="462081"/>
+                  <a:pt x="695116" y="467605"/>
+                  <a:pt x="674923" y="451792"/>
+                </a:cubicBezTo>
+                <a:cubicBezTo>
+                  <a:pt x="656255" y="436934"/>
+                  <a:pt x="637392" y="441314"/>
+                  <a:pt x="617772" y="452554"/>
+                </a:cubicBezTo>
+                <a:cubicBezTo>
+                  <a:pt x="603673" y="460557"/>
+                  <a:pt x="587672" y="466843"/>
+                  <a:pt x="571860" y="469891"/>
+                </a:cubicBezTo>
+                <a:cubicBezTo>
+                  <a:pt x="550141" y="474081"/>
+                  <a:pt x="528615" y="475797"/>
+                  <a:pt x="505182" y="473319"/>
+                </a:cubicBezTo>
+                <a:cubicBezTo>
+                  <a:pt x="488607" y="471605"/>
+                  <a:pt x="475081" y="470843"/>
+                  <a:pt x="462126" y="460747"/>
+                </a:cubicBezTo>
+                <a:cubicBezTo>
+                  <a:pt x="460032" y="459223"/>
+                  <a:pt x="456222" y="458841"/>
+                  <a:pt x="453364" y="459033"/>
+                </a:cubicBezTo>
+                <a:cubicBezTo>
+                  <a:pt x="415835" y="462271"/>
+                  <a:pt x="378686" y="460557"/>
+                  <a:pt x="340774" y="458268"/>
+                </a:cubicBezTo>
+                <a:cubicBezTo>
+                  <a:pt x="292579" y="455222"/>
+                  <a:pt x="241901" y="464175"/>
+                  <a:pt x="200182" y="496180"/>
+                </a:cubicBezTo>
+                <a:cubicBezTo>
+                  <a:pt x="194085" y="500944"/>
+                  <a:pt x="184941" y="503038"/>
+                  <a:pt x="176939" y="504182"/>
+                </a:cubicBezTo>
+                <a:cubicBezTo>
+                  <a:pt x="139219" y="509134"/>
+                  <a:pt x="101308" y="512564"/>
+                  <a:pt x="63587" y="518088"/>
+                </a:cubicBezTo>
+                <a:cubicBezTo>
+                  <a:pt x="43012" y="521137"/>
+                  <a:pt x="21486" y="523805"/>
+                  <a:pt x="2817" y="532187"/>
+                </a:cubicBezTo>
+                <a:lnTo>
+                  <a:pt x="0" y="533314"/>
+                </a:lnTo>
+                <a:close/>
+              </a:path>
+            </a:pathLst>
+          </a:custGeom>
+          <a:blipFill dpi="0" rotWithShape="1">
+            <a:blip r:embed="rId3">
+              <a:alphaModFix amt="57000"/>
+            </a:blip>
+            <a:srcRect/>
+            <a:tile tx="0" ty="0" sx="100000" sy="100000" flip="none" algn="tl"/>
+          </a:blipFill>
+          <a:ln>
+            <a:noFill/>
+          </a:ln>
+          <a:effectLst/>
+        </p:spPr>
+        <p:style>
+          <a:lnRef idx="2">
+            <a:schemeClr val="accent1">
+              <a:shade val="50000"/>
+            </a:schemeClr>
+          </a:lnRef>
+          <a:fillRef idx="1">
+            <a:schemeClr val="accent1"/>
+          </a:fillRef>
+          <a:effectRef idx="0">
+            <a:schemeClr val="accent1"/>
+          </a:effectRef>
+          <a:fontRef idx="minor">
+            <a:schemeClr val="lt1"/>
+          </a:fontRef>
+        </p:style>
+        <p:txBody>
+          <a:bodyPr wrap="square" rtlCol="0" anchor="ctr">
+            <a:noAutofit/>
+          </a:bodyPr>
+          <a:lstStyle/>
+          <a:p>
+            <a:pPr algn="ctr"/>
+            <a:endParaRPr lang="en-US"/>
+          </a:p>
+        </p:txBody>
+      </p:sp>
+      <p:sp>
+        <p:nvSpPr>
+          <p:cNvPr id="3" name="Content Placeholder 2">
+            <a:extLst>
+              <a:ext uri="{FF2B5EF4-FFF2-40B4-BE49-F238E27FC236}">
+                <a16:creationId xmlns:a16="http://schemas.microsoft.com/office/drawing/2014/main" id="{CCA1313E-338B-4BF8-A8DE-D302741C4864}"/>
+              </a:ext>
+            </a:extLst>
+          </p:cNvPr>
+          <p:cNvSpPr>
+            <a:spLocks noGrp="1"/>
+          </p:cNvSpPr>
+          <p:nvPr>
+            <p:ph idx="1"/>
+          </p:nvPr>
+        </p:nvSpPr>
+        <p:spPr>
+          <a:xfrm>
+            <a:off x="5334002" y="3047999"/>
+            <a:ext cx="6095998" cy="3048001"/>
+          </a:xfrm>
+        </p:spPr>
+        <p:txBody>
+          <a:bodyPr>
+            <a:normAutofit/>
+          </a:bodyPr>
+          <a:lstStyle/>
+          <a:p>
+            <a:r>
+              <a:rPr lang="en-CA" sz="2000" dirty="0"/>
+              <a:t>Save you time</a:t>
+            </a:r>
+          </a:p>
+          <a:p>
+            <a:r>
+              <a:rPr lang="en-CA" sz="2000" dirty="0"/>
+              <a:t>Save you money</a:t>
+            </a:r>
+          </a:p>
+        </p:txBody>
+      </p:sp>
+    </p:spTree>
+    <p:extLst>
+      <p:ext uri="{BB962C8B-B14F-4D97-AF65-F5344CB8AC3E}">
+        <p14:creationId xmlns:p14="http://schemas.microsoft.com/office/powerpoint/2010/main" val="494462655"/>
+      </p:ext>
+    </p:extLst>
+  </p:cSld>
+  <p:clrMapOvr>
+    <a:masterClrMapping/>
+  </p:clrMapOvr>
+  <p:timing>
+    <p:tnLst>
+      <p:par>
+        <p:cTn id="1" dur="indefinite" restart="never" nodeType="tmRoot">
+          <p:childTnLst>
+            <p:seq concurrent="1" nextAc="seek">
+              <p:cTn id="2" dur="indefinite" nodeType="mainSeq">
+                <p:childTnLst>
+                  <p:par>
+                    <p:cTn id="3" fill="hold">
+                      <p:stCondLst>
+                        <p:cond delay="indefinite"/>
+                      </p:stCondLst>
+                      <p:childTnLst>
+                        <p:par>
+                          <p:cTn id="4" fill="hold">
+                            <p:stCondLst>
+                              <p:cond delay="0"/>
+                            </p:stCondLst>
+                            <p:childTnLst>
+                              <p:par>
+                                <p:cTn id="5" presetID="42" presetClass="entr" presetSubtype="0" fill="hold" grpId="0" nodeType="clickEffect">
+                                  <p:stCondLst>
+                                    <p:cond delay="0"/>
+                                  </p:stCondLst>
+                                  <p:childTnLst>
+                                    <p:set>
+                                      <p:cBhvr>
+                                        <p:cTn id="6" dur="1" fill="hold">
+                                          <p:stCondLst>
+                                            <p:cond delay="0"/>
+                                          </p:stCondLst>
+                                        </p:cTn>
+                                        <p:tgtEl>
+                                          <p:spTgt spid="2"/>
+                                        </p:tgtEl>
+                                        <p:attrNameLst>
+                                          <p:attrName>style.visibility</p:attrName>
+                                        </p:attrNameLst>
+                                      </p:cBhvr>
+                                      <p:to>
+                                        <p:strVal val="visible"/>
+                                      </p:to>
+                                    </p:set>
+                                    <p:animEffect transition="in" filter="fade">
+                                      <p:cBhvr>
+                                        <p:cTn id="7" dur="1000"/>
+                                        <p:tgtEl>
+                                          <p:spTgt spid="2"/>
+                                        </p:tgtEl>
+                                      </p:cBhvr>
+                                    </p:animEffect>
+                                    <p:anim calcmode="lin" valueType="num">
+                                      <p:cBhvr>
+                                        <p:cTn id="8" dur="1000" fill="hold"/>
+                                        <p:tgtEl>
+                                          <p:spTgt spid="2"/>
+                                        </p:tgtEl>
+                                        <p:attrNameLst>
+                                          <p:attrName>ppt_x</p:attrName>
+                                        </p:attrNameLst>
+                                      </p:cBhvr>
+                                      <p:tavLst>
+                                        <p:tav tm="0">
+                                          <p:val>
+                                            <p:strVal val="#ppt_x"/>
+                                          </p:val>
+                                        </p:tav>
+                                        <p:tav tm="100000">
+                                          <p:val>
+                                            <p:strVal val="#ppt_x"/>
+                                          </p:val>
+                                        </p:tav>
+                                      </p:tavLst>
+                                    </p:anim>
+                                    <p:anim calcmode="lin" valueType="num">
+                                      <p:cBhvr>
+                                        <p:cTn id="9" dur="1000" fill="hold"/>
+                                        <p:tgtEl>
+                                          <p:spTgt spid="2"/>
+                                        </p:tgtEl>
+                                        <p:attrNameLst>
+                                          <p:attrName>ppt_y</p:attrName>
+                                        </p:attrNameLst>
+                                      </p:cBhvr>
+                                      <p:tavLst>
+                                        <p:tav tm="0">
+                                          <p:val>
+                                            <p:strVal val="#ppt_y+.1"/>
+                                          </p:val>
+                                        </p:tav>
+                                        <p:tav tm="100000">
+                                          <p:val>
+                                            <p:strVal val="#ppt_y"/>
+                                          </p:val>
+                                        </p:tav>
+                                      </p:tavLst>
+                                    </p:anim>
+                                  </p:childTnLst>
+                                </p:cTn>
+                              </p:par>
+                            </p:childTnLst>
+                          </p:cTn>
+                        </p:par>
+                      </p:childTnLst>
+                    </p:cTn>
+                  </p:par>
+                  <p:par>
+                    <p:cTn id="10" fill="hold">
+                      <p:stCondLst>
+                        <p:cond delay="indefinite"/>
+                      </p:stCondLst>
+                      <p:childTnLst>
+                        <p:par>
+                          <p:cTn id="11" fill="hold">
+                            <p:stCondLst>
+                              <p:cond delay="0"/>
+                            </p:stCondLst>
+                            <p:childTnLst>
+                              <p:par>
+                                <p:cTn id="12" presetID="10" presetClass="entr" presetSubtype="0" fill="hold" nodeType="clickEffect">
+                                  <p:stCondLst>
+                                    <p:cond delay="0"/>
+                                  </p:stCondLst>
+                                  <p:childTnLst>
+                                    <p:set>
+                                      <p:cBhvr>
+                                        <p:cTn id="13" dur="1" fill="hold">
+                                          <p:stCondLst>
+                                            <p:cond delay="0"/>
+                                          </p:stCondLst>
+                                        </p:cTn>
+                                        <p:tgtEl>
+                                          <p:spTgt spid="3">
+                                            <p:txEl>
+                                              <p:pRg st="0" end="0"/>
+                                            </p:txEl>
+                                          </p:spTgt>
+                                        </p:tgtEl>
+                                        <p:attrNameLst>
+                                          <p:attrName>style.visibility</p:attrName>
+                                        </p:attrNameLst>
+                                      </p:cBhvr>
+                                      <p:to>
+                                        <p:strVal val="visible"/>
+                                      </p:to>
+                                    </p:set>
+                                    <p:animEffect transition="in" filter="fade">
+                                      <p:cBhvr>
+                                        <p:cTn id="14" dur="500"/>
+                                        <p:tgtEl>
+                                          <p:spTgt spid="3">
+                                            <p:txEl>
+                                              <p:pRg st="0" end="0"/>
+                                            </p:txEl>
+                                          </p:spTgt>
+                                        </p:tgtEl>
+                                      </p:cBhvr>
+                                    </p:animEffect>
+                                  </p:childTnLst>
+                                </p:cTn>
+                              </p:par>
+                            </p:childTnLst>
+                          </p:cTn>
+                        </p:par>
+                      </p:childTnLst>
+                    </p:cTn>
+                  </p:par>
+                  <p:par>
+                    <p:cTn id="15" fill="hold">
+                      <p:stCondLst>
+                        <p:cond delay="indefinite"/>
+                      </p:stCondLst>
+                      <p:childTnLst>
+                        <p:par>
+                          <p:cTn id="16" fill="hold">
+                            <p:stCondLst>
+                              <p:cond delay="0"/>
+                            </p:stCondLst>
+                            <p:childTnLst>
+                              <p:par>
+                                <p:cTn id="17" presetID="10" presetClass="entr" presetSubtype="0" fill="hold" nodeType="clickEffect">
+                                  <p:stCondLst>
+                                    <p:cond delay="0"/>
+                                  </p:stCondLst>
+                                  <p:childTnLst>
+                                    <p:set>
+                                      <p:cBhvr>
+                                        <p:cTn id="18" dur="1" fill="hold">
+                                          <p:stCondLst>
+                                            <p:cond delay="0"/>
+                                          </p:stCondLst>
+                                        </p:cTn>
+                                        <p:tgtEl>
+                                          <p:spTgt spid="3">
+                                            <p:txEl>
+                                              <p:pRg st="1" end="1"/>
+                                            </p:txEl>
+                                          </p:spTgt>
+                                        </p:tgtEl>
+                                        <p:attrNameLst>
+                                          <p:attrName>style.visibility</p:attrName>
+                                        </p:attrNameLst>
+                                      </p:cBhvr>
+                                      <p:to>
+                                        <p:strVal val="visible"/>
+                                      </p:to>
+                                    </p:set>
+                                    <p:animEffect transition="in" filter="fade">
+                                      <p:cBhvr>
+                                        <p:cTn id="19" dur="500"/>
+                                        <p:tgtEl>
+                                          <p:spTgt spid="3">
+                                            <p:txEl>
+                                              <p:pRg st="1" end="1"/>
+                                            </p:txEl>
+                                          </p:spTgt>
+                                        </p:tgtEl>
+                                      </p:cBhvr>
+                                    </p:animEffect>
+                                  </p:childTnLst>
+                                </p:cTn>
+                              </p:par>
+                            </p:childTnLst>
+                          </p:cTn>
+                        </p:par>
+                      </p:childTnLst>
+                    </p:cTn>
+                  </p:par>
+                </p:childTnLst>
+              </p:cTn>
+              <p:prevCondLst>
+                <p:cond evt="onPrev" delay="0">
+                  <p:tgtEl>
+                    <p:sldTgt/>
+                  </p:tgtEl>
+                </p:cond>
+              </p:prevCondLst>
+              <p:nextCondLst>
+                <p:cond evt="onNext" delay="0">
+                  <p:tgtEl>
+                    <p:sldTgt/>
+                  </p:tgtEl>
+                </p:cond>
+              </p:nextCondLst>
+            </p:seq>
+          </p:childTnLst>
+        </p:cTn>
+      </p:par>
+    </p:tnLst>
+    <p:bldLst>
+      <p:bldP spid="2" grpId="0"/>
+    </p:bldLst>
+  </p:timing>
+</p:sld>
+</file>
+
+<file path=ppt/slides/slide4.xml><?xml version="1.0" encoding="utf-8"?>
+<p:sld xmlns:a="http://schemas.openxmlformats.org/drawingml/2006/main" xmlns:r="http://schemas.openxmlformats.org/officeDocument/2006/relationships" xmlns:p="http://schemas.openxmlformats.org/presentationml/2006/main">
+  <p:cSld>
+    <p:bg>
+      <p:bgPr>
+        <a:solidFill>
+          <a:schemeClr val="bg1"/>
+        </a:solidFill>
+        <a:effectLst/>
+      </p:bgPr>
+    </p:bg>
+    <p:spTree>
+      <p:nvGrpSpPr>
+        <p:cNvPr id="1" name=""/>
+        <p:cNvGrpSpPr/>
+        <p:nvPr/>
+      </p:nvGrpSpPr>
+      <p:grpSpPr>
+        <a:xfrm>
+          <a:off x="0" y="0"/>
+          <a:ext cx="0" cy="0"/>
+          <a:chOff x="0" y="0"/>
+          <a:chExt cx="0" cy="0"/>
+        </a:xfrm>
+      </p:grpSpPr>
+      <p:sp>
+        <p:nvSpPr>
+          <p:cNvPr id="6" name="TextBox 5">
+            <a:extLst>
+              <a:ext uri="{FF2B5EF4-FFF2-40B4-BE49-F238E27FC236}">
+                <a16:creationId xmlns:a16="http://schemas.microsoft.com/office/drawing/2014/main" id="{1503FB54-9814-4ABB-9225-5F220C67AD2F}"/>
+              </a:ext>
+            </a:extLst>
+          </p:cNvPr>
+          <p:cNvSpPr txBox="1"/>
+          <p:nvPr/>
+        </p:nvSpPr>
+        <p:spPr>
+          <a:xfrm>
+            <a:off x="3672387" y="709301"/>
+            <a:ext cx="5287025" cy="523220"/>
+          </a:xfrm>
+          <a:prstGeom prst="rect">
+            <a:avLst/>
+          </a:prstGeom>
+          <a:noFill/>
+        </p:spPr>
+        <p:txBody>
+          <a:bodyPr wrap="none" rtlCol="0">
+            <a:spAutoFit/>
+          </a:bodyPr>
+          <a:lstStyle/>
+          <a:p>
+            <a:r>
+              <a:rPr lang="en-CA" sz="2800" dirty="0"/>
+              <a:t>Robot Software Architecture</a:t>
+            </a:r>
+          </a:p>
+        </p:txBody>
+      </p:sp>
+      <p:pic>
+        <p:nvPicPr>
+          <p:cNvPr id="8" name="Picture 7" descr="Diagram&#10;&#10;Description automatically generated">
+            <a:extLst>
+              <a:ext uri="{FF2B5EF4-FFF2-40B4-BE49-F238E27FC236}">
+                <a16:creationId xmlns:a16="http://schemas.microsoft.com/office/drawing/2014/main" id="{484596BE-8AB1-4A4E-9E35-97FFDE2EE2F8}"/>
+              </a:ext>
+            </a:extLst>
+          </p:cNvPr>
+          <p:cNvPicPr>
+            <a:picLocks noChangeAspect="1"/>
+          </p:cNvPicPr>
+          <p:nvPr/>
+        </p:nvPicPr>
+        <p:blipFill>
+          <a:blip r:embed="rId2">
+            <a:extLst>
+              <a:ext uri="{28A0092B-C50C-407E-A947-70E740481C1C}">
+                <a14:useLocalDpi xmlns:a14="http://schemas.microsoft.com/office/drawing/2010/main" val="0"/>
+              </a:ext>
+            </a:extLst>
+          </a:blip>
+          <a:stretch>
+            <a:fillRect/>
+          </a:stretch>
+        </p:blipFill>
+        <p:spPr>
+          <a:xfrm>
+            <a:off x="3265754" y="1724529"/>
+            <a:ext cx="6100290" cy="4733335"/>
+          </a:xfrm>
+          <a:prstGeom prst="rect">
+            <a:avLst/>
+          </a:prstGeom>
+        </p:spPr>
+      </p:pic>
+    </p:spTree>
+    <p:extLst>
+      <p:ext uri="{BB962C8B-B14F-4D97-AF65-F5344CB8AC3E}">
+        <p14:creationId xmlns:p14="http://schemas.microsoft.com/office/powerpoint/2010/main" val="1591618109"/>
+      </p:ext>
+    </p:extLst>
+  </p:cSld>
+  <p:clrMapOvr>
+    <a:masterClrMapping/>
+  </p:clrMapOvr>
+</p:sld>
+</file>
+
+<file path=ppt/slides/slide5.xml><?xml version="1.0" encoding="utf-8"?>
+<p:sld xmlns:a="http://schemas.openxmlformats.org/drawingml/2006/main" xmlns:r="http://schemas.openxmlformats.org/officeDocument/2006/relationships" xmlns:p="http://schemas.openxmlformats.org/presentationml/2006/main">
+  <p:cSld>
+    <p:bg>
+      <p:bgPr>
+        <a:solidFill>
+          <a:schemeClr val="bg1"/>
+        </a:solidFill>
+        <a:effectLst/>
+      </p:bgPr>
+    </p:bg>
+    <p:spTree>
+      <p:nvGrpSpPr>
+        <p:cNvPr id="1" name=""/>
+        <p:cNvGrpSpPr/>
+        <p:nvPr/>
+      </p:nvGrpSpPr>
+      <p:grpSpPr>
+        <a:xfrm>
+          <a:off x="0" y="0"/>
+          <a:ext cx="0" cy="0"/>
+          <a:chOff x="0" y="0"/>
+          <a:chExt cx="0" cy="0"/>
+        </a:xfrm>
+      </p:grpSpPr>
+      <p:sp useBgFill="1">
+        <p:nvSpPr>
+          <p:cNvPr id="71" name="Rectangle 70">
+            <a:extLst>
+              <a:ext uri="{FF2B5EF4-FFF2-40B4-BE49-F238E27FC236}">
+                <a16:creationId xmlns:a16="http://schemas.microsoft.com/office/drawing/2014/main" id="{B95B9BA8-1D69-4796-85F5-B6D0BD52354B}"/>
+              </a:ext>
+              <a:ext uri="{C183D7F6-B498-43B3-948B-1728B52AA6E4}">
+                <adec:decorative xmlns:adec="http://schemas.microsoft.com/office/drawing/2017/decorative" val="1"/>
+              </a:ext>
+            </a:extLst>
+          </p:cNvPr>
+          <p:cNvSpPr>
+            <a:spLocks noGrp="1" noRot="1" noChangeAspect="1" noMove="1" noResize="1" noEditPoints="1" noAdjustHandles="1" noChangeArrowheads="1" noChangeShapeType="1" noTextEdit="1"/>
+          </p:cNvSpPr>
+          <p:nvPr>
+            <p:extLst>
+              <p:ext uri="{386F3935-93C4-4BCD-93E2-E3B085C9AB24}">
+                <p16:designElem xmlns:p16="http://schemas.microsoft.com/office/powerpoint/2015/main" val="1"/>
+              </p:ext>
+            </p:extLst>
+          </p:nvPr>
+        </p:nvSpPr>
+        <p:spPr>
+          <a:xfrm>
+            <a:off x="0" y="0"/>
+            <a:ext cx="12192000" cy="6858000"/>
+          </a:xfrm>
+          <a:prstGeom prst="rect">
+            <a:avLst/>
+          </a:prstGeom>
+          <a:ln w="12700" cap="flat" cmpd="sng" algn="ctr">
+            <a:noFill/>
+            <a:prstDash val="solid"/>
+            <a:miter lim="800000"/>
+          </a:ln>
+          <a:effectLst/>
+          <a:extLst>
+            <a:ext uri="{91240B29-F687-4F45-9708-019B960494DF}">
+              <a14:hiddenLine xmlns:a14="http://schemas.microsoft.com/office/drawing/2010/main" w="12700" cap="flat" cmpd="sng" algn="ctr">
+                <a:solidFill>
+                  <a:schemeClr val="accent1">
+                    <a:shade val="50000"/>
+                  </a:schemeClr>
+                </a:solidFill>
+                <a:prstDash val="solid"/>
+                <a:miter lim="800000"/>
+              </a14:hiddenLine>
+            </a:ext>
+          </a:extLst>
+        </p:spPr>
+        <p:style>
+          <a:lnRef idx="2">
+            <a:schemeClr val="accent1">
+              <a:shade val="50000"/>
+            </a:schemeClr>
+          </a:lnRef>
+          <a:fillRef idx="1">
+            <a:schemeClr val="accent1"/>
+          </a:fillRef>
+          <a:effectRef idx="0">
+            <a:schemeClr val="accent1"/>
+          </a:effectRef>
+          <a:fontRef idx="minor">
+            <a:schemeClr val="lt1"/>
+          </a:fontRef>
+        </p:style>
+        <p:txBody>
+          <a:bodyPr rtlCol="0" anchor="ctr"/>
+          <a:lstStyle/>
+          <a:p>
+            <a:pPr algn="ctr"/>
+            <a:endParaRPr lang="en-US"/>
+          </a:p>
+        </p:txBody>
+      </p:sp>
+      <p:sp>
+        <p:nvSpPr>
+          <p:cNvPr id="2" name="Title 1">
+            <a:extLst>
+              <a:ext uri="{FF2B5EF4-FFF2-40B4-BE49-F238E27FC236}">
+                <a16:creationId xmlns:a16="http://schemas.microsoft.com/office/drawing/2014/main" id="{7EC2F2C1-BAD4-467E-9E6E-20655232A5A4}"/>
+              </a:ext>
+            </a:extLst>
+          </p:cNvPr>
+          <p:cNvSpPr>
+            <a:spLocks noGrp="1"/>
+          </p:cNvSpPr>
+          <p:nvPr>
+            <p:ph type="title"/>
+          </p:nvPr>
+        </p:nvSpPr>
+        <p:spPr>
+          <a:xfrm>
+            <a:off x="5334002" y="1163594"/>
+            <a:ext cx="6095998" cy="1624055"/>
+          </a:xfrm>
+        </p:spPr>
+        <p:txBody>
+          <a:bodyPr anchor="b">
+            <a:normAutofit/>
+          </a:bodyPr>
+          <a:lstStyle/>
+          <a:p>
+            <a:r>
+              <a:rPr lang="en-CA" dirty="0"/>
               <a:t>How is it related to the theme.</a:t>
             </a:r>
           </a:p>
@@ -22152,19 +26703,7 @@
           <a:p>
             <a:r>
               <a:rPr lang="en-CA" sz="2000" dirty="0"/>
-              <a:t>The theme is Chaotic Good, which means </a:t>
-            </a:r>
-            <a:r>
-              <a:rPr lang="en-CA" sz="2000" dirty="0">
-                <a:highlight>
-                  <a:srgbClr val="FF0000"/>
-                </a:highlight>
-              </a:rPr>
-              <a:t>being free soul</a:t>
-            </a:r>
-            <a:r>
-              <a:rPr lang="en-CA" sz="2000" dirty="0"/>
-              <a:t> and doing something good without caring about the thing was performed.</a:t>
+              <a:t>The theme is Chaotic Good, which means being free soul and doing something good without caring about the thing was performed.</a:t>
             </a:r>
           </a:p>
           <a:p>
@@ -22424,7 +26963,7 @@
 </p:sld>
 </file>
 
-<file path=ppt/slides/slide4.xml><?xml version="1.0" encoding="utf-8"?>
+<file path=ppt/slides/slide6.xml><?xml version="1.0" encoding="utf-8"?>
 <p:sld xmlns:a="http://schemas.openxmlformats.org/drawingml/2006/main" xmlns:r="http://schemas.openxmlformats.org/officeDocument/2006/relationships" xmlns:p="http://schemas.openxmlformats.org/presentationml/2006/main">
   <p:cSld>
     <p:bg>
@@ -22555,22 +27094,14 @@
           <a:p>
             <a:r>
               <a:rPr lang="en-US" sz="3200" dirty="0"/>
-              <a:t>Thank you so much for </a:t>
+              <a:t>Thank you </a:t>
             </a:r>
             <a:r>
-              <a:rPr lang="en-US" sz="3200" dirty="0">
-                <a:highlight>
-                  <a:srgbClr val="FF0000"/>
-                </a:highlight>
-              </a:rPr>
-              <a:t>listening us</a:t>
-            </a:r>
-            <a:r>
-              <a:rPr lang="en-US" sz="3200" dirty="0"/>
-              <a:t>.</a:t>
+              <a:rPr lang="en-US" sz="3200"/>
+              <a:t>so much</a:t>
             </a:r>
             <a:br>
-              <a:rPr lang="en-US" sz="3200" dirty="0"/>
+              <a:rPr lang="en-US" sz="3200"/>
             </a:br>
             <a:br>
               <a:rPr lang="en-US" sz="3200" dirty="0"/>
